--- a/Assets/Menu/Menu.pptx
+++ b/Assets/Menu/Menu.pptx
@@ -116,13 +116,140 @@
 <file path=ppt/revisionInfo.xml><?xml version="1.0" encoding="utf-8"?>
 <p1510:revInfo xmlns:a="http://schemas.openxmlformats.org/drawingml/2006/main" xmlns:r="http://schemas.openxmlformats.org/officeDocument/2006/relationships" xmlns:p1510="http://schemas.microsoft.com/office/powerpoint/2015/10/main">
   <p1510:revLst>
-    <p1510:client id="{F602CCCE-4312-4139-B4B4-7FD614DF44E0}" v="26" dt="2020-04-19T23:17:06.272"/>
+    <p1510:client id="{B81B1DEB-3B0C-417B-841C-D467D868A83F}" v="2" dt="2021-04-16T20:38:13.038"/>
   </p1510:revLst>
 </p1510:revInfo>
 </file>
 
 <file path=ppt/changesInfos/changesInfo1.xml><?xml version="1.0" encoding="utf-8"?>
 <pc:chgInfo xmlns:a="http://schemas.openxmlformats.org/drawingml/2006/main" xmlns:r="http://schemas.openxmlformats.org/officeDocument/2006/relationships" xmlns:ac="http://schemas.microsoft.com/office/drawing/2013/main/command" xmlns:pc="http://schemas.microsoft.com/office/powerpoint/2013/main/command">
+  <pc:docChgLst>
+    <pc:chgData name="Chad Birch" userId="bd3fa5fe5f456709" providerId="LiveId" clId="{42D4EBAB-5490-465C-8C45-116F792CDB6E}"/>
+    <pc:docChg chg="undo modSld">
+      <pc:chgData name="Chad Birch" userId="bd3fa5fe5f456709" providerId="LiveId" clId="{42D4EBAB-5490-465C-8C45-116F792CDB6E}" dt="2019-04-04T01:00:11.354" v="54" actId="20577"/>
+      <pc:docMkLst>
+        <pc:docMk/>
+      </pc:docMkLst>
+      <pc:sldChg chg="modSp">
+        <pc:chgData name="Chad Birch" userId="bd3fa5fe5f456709" providerId="LiveId" clId="{42D4EBAB-5490-465C-8C45-116F792CDB6E}" dt="2019-04-04T01:00:11.354" v="54" actId="20577"/>
+        <pc:sldMkLst>
+          <pc:docMk/>
+          <pc:sldMk cId="1670841630" sldId="256"/>
+        </pc:sldMkLst>
+        <pc:spChg chg="mod">
+          <ac:chgData name="Chad Birch" userId="bd3fa5fe5f456709" providerId="LiveId" clId="{42D4EBAB-5490-465C-8C45-116F792CDB6E}" dt="2019-04-04T01:00:11.354" v="54" actId="20577"/>
+          <ac:spMkLst>
+            <pc:docMk/>
+            <pc:sldMk cId="1670841630" sldId="256"/>
+            <ac:spMk id="10" creationId="{CCA5D697-776F-4FE1-B16C-EFD8366CD9D1}"/>
+          </ac:spMkLst>
+        </pc:spChg>
+        <pc:spChg chg="mod">
+          <ac:chgData name="Chad Birch" userId="bd3fa5fe5f456709" providerId="LiveId" clId="{42D4EBAB-5490-465C-8C45-116F792CDB6E}" dt="2019-03-26T01:08:05.938" v="41" actId="1036"/>
+          <ac:spMkLst>
+            <pc:docMk/>
+            <pc:sldMk cId="1670841630" sldId="256"/>
+            <ac:spMk id="11" creationId="{7C7E18D2-8F19-43AA-9741-2869B4FA25BF}"/>
+          </ac:spMkLst>
+        </pc:spChg>
+        <pc:spChg chg="mod">
+          <ac:chgData name="Chad Birch" userId="bd3fa5fe5f456709" providerId="LiveId" clId="{42D4EBAB-5490-465C-8C45-116F792CDB6E}" dt="2019-03-26T01:07:51.806" v="34" actId="1076"/>
+          <ac:spMkLst>
+            <pc:docMk/>
+            <pc:sldMk cId="1670841630" sldId="256"/>
+            <ac:spMk id="13" creationId="{75C99F4C-BF3D-47D9-9C1A-897BF44C3EF1}"/>
+          </ac:spMkLst>
+        </pc:spChg>
+        <pc:spChg chg="mod">
+          <ac:chgData name="Chad Birch" userId="bd3fa5fe5f456709" providerId="LiveId" clId="{42D4EBAB-5490-465C-8C45-116F792CDB6E}" dt="2019-03-26T01:08:25.577" v="50" actId="20577"/>
+          <ac:spMkLst>
+            <pc:docMk/>
+            <pc:sldMk cId="1670841630" sldId="256"/>
+            <ac:spMk id="15" creationId="{73007D91-EAAE-4247-9BDF-A25A4CDDAA83}"/>
+          </ac:spMkLst>
+        </pc:spChg>
+      </pc:sldChg>
+      <pc:sldChg chg="modSp">
+        <pc:chgData name="Chad Birch" userId="bd3fa5fe5f456709" providerId="LiveId" clId="{42D4EBAB-5490-465C-8C45-116F792CDB6E}" dt="2019-03-24T04:49:03.628" v="8" actId="14861"/>
+        <pc:sldMkLst>
+          <pc:docMk/>
+          <pc:sldMk cId="366895528" sldId="257"/>
+        </pc:sldMkLst>
+        <pc:picChg chg="mod">
+          <ac:chgData name="Chad Birch" userId="bd3fa5fe5f456709" providerId="LiveId" clId="{42D4EBAB-5490-465C-8C45-116F792CDB6E}" dt="2019-03-24T04:48:05.466" v="1" actId="14861"/>
+          <ac:picMkLst>
+            <pc:docMk/>
+            <pc:sldMk cId="366895528" sldId="257"/>
+            <ac:picMk id="47" creationId="{E1CEFF1E-5866-4EEC-AEC3-39A9E21C7E73}"/>
+          </ac:picMkLst>
+        </pc:picChg>
+        <pc:picChg chg="mod">
+          <ac:chgData name="Chad Birch" userId="bd3fa5fe5f456709" providerId="LiveId" clId="{42D4EBAB-5490-465C-8C45-116F792CDB6E}" dt="2019-03-24T04:49:03.628" v="8" actId="14861"/>
+          <ac:picMkLst>
+            <pc:docMk/>
+            <pc:sldMk cId="366895528" sldId="257"/>
+            <ac:picMk id="51" creationId="{CB9941D9-326F-43E9-B24A-19E2C38C4D96}"/>
+          </ac:picMkLst>
+        </pc:picChg>
+        <pc:picChg chg="mod">
+          <ac:chgData name="Chad Birch" userId="bd3fa5fe5f456709" providerId="LiveId" clId="{42D4EBAB-5490-465C-8C45-116F792CDB6E}" dt="2019-03-24T04:48:28.715" v="4" actId="14861"/>
+          <ac:picMkLst>
+            <pc:docMk/>
+            <pc:sldMk cId="366895528" sldId="257"/>
+            <ac:picMk id="53" creationId="{35506C1E-D130-4F9E-9442-D975C4B537B0}"/>
+          </ac:picMkLst>
+        </pc:picChg>
+        <pc:picChg chg="mod">
+          <ac:chgData name="Chad Birch" userId="bd3fa5fe5f456709" providerId="LiveId" clId="{42D4EBAB-5490-465C-8C45-116F792CDB6E}" dt="2019-03-24T04:48:55.133" v="7" actId="14861"/>
+          <ac:picMkLst>
+            <pc:docMk/>
+            <pc:sldMk cId="366895528" sldId="257"/>
+            <ac:picMk id="57" creationId="{DC36674B-F50F-4449-ADFA-1BCF26BEB387}"/>
+          </ac:picMkLst>
+        </pc:picChg>
+        <pc:picChg chg="mod">
+          <ac:chgData name="Chad Birch" userId="bd3fa5fe5f456709" providerId="LiveId" clId="{42D4EBAB-5490-465C-8C45-116F792CDB6E}" dt="2019-03-24T04:48:36.978" v="5" actId="14861"/>
+          <ac:picMkLst>
+            <pc:docMk/>
+            <pc:sldMk cId="366895528" sldId="257"/>
+            <ac:picMk id="61" creationId="{581EC303-7CEB-4C06-ACC4-4650F18FC015}"/>
+          </ac:picMkLst>
+        </pc:picChg>
+        <pc:picChg chg="mod">
+          <ac:chgData name="Chad Birch" userId="bd3fa5fe5f456709" providerId="LiveId" clId="{42D4EBAB-5490-465C-8C45-116F792CDB6E}" dt="2019-03-24T04:48:19.897" v="3" actId="14861"/>
+          <ac:picMkLst>
+            <pc:docMk/>
+            <pc:sldMk cId="366895528" sldId="257"/>
+            <ac:picMk id="67" creationId="{E6287BDB-9637-4FDB-BF1E-83F0223D6051}"/>
+          </ac:picMkLst>
+        </pc:picChg>
+        <pc:picChg chg="mod">
+          <ac:chgData name="Chad Birch" userId="bd3fa5fe5f456709" providerId="LiveId" clId="{42D4EBAB-5490-465C-8C45-116F792CDB6E}" dt="2019-03-24T04:47:55.513" v="0" actId="14861"/>
+          <ac:picMkLst>
+            <pc:docMk/>
+            <pc:sldMk cId="366895528" sldId="257"/>
+            <ac:picMk id="71" creationId="{5855C9D5-A635-434A-8570-F776D72F35A6}"/>
+          </ac:picMkLst>
+        </pc:picChg>
+        <pc:picChg chg="mod">
+          <ac:chgData name="Chad Birch" userId="bd3fa5fe5f456709" providerId="LiveId" clId="{42D4EBAB-5490-465C-8C45-116F792CDB6E}" dt="2019-03-24T04:48:47.777" v="6" actId="14861"/>
+          <ac:picMkLst>
+            <pc:docMk/>
+            <pc:sldMk cId="366895528" sldId="257"/>
+            <ac:picMk id="73" creationId="{AA04752E-A262-4AED-B3C8-976B7AB00132}"/>
+          </ac:picMkLst>
+        </pc:picChg>
+        <pc:picChg chg="mod">
+          <ac:chgData name="Chad Birch" userId="bd3fa5fe5f456709" providerId="LiveId" clId="{42D4EBAB-5490-465C-8C45-116F792CDB6E}" dt="2019-03-24T04:48:12.948" v="2" actId="14861"/>
+          <ac:picMkLst>
+            <pc:docMk/>
+            <pc:sldMk cId="366895528" sldId="257"/>
+            <ac:picMk id="85" creationId="{2970E256-5A3D-4075-BC5D-261F571414B2}"/>
+          </ac:picMkLst>
+        </pc:picChg>
+      </pc:sldChg>
+    </pc:docChg>
+  </pc:docChgLst>
   <pc:docChgLst>
     <pc:chgData name="Chad Birch" userId="bd3fa5fe5f456709" providerId="LiveId" clId="{FC908F98-00CA-B14E-8A63-545189451B3E}"/>
     <pc:docChg chg="modSld">
@@ -268,20 +395,20 @@
     </pc:docChg>
   </pc:docChgLst>
   <pc:docChgLst>
-    <pc:chgData name="Chad Birch" userId="bd3fa5fe5f456709" providerId="LiveId" clId="{42D4EBAB-5490-465C-8C45-116F792CDB6E}"/>
-    <pc:docChg chg="undo modSld">
-      <pc:chgData name="Chad Birch" userId="bd3fa5fe5f456709" providerId="LiveId" clId="{42D4EBAB-5490-465C-8C45-116F792CDB6E}" dt="2019-04-04T01:00:11.354" v="54" actId="20577"/>
+    <pc:chgData name="Chad" userId="955974ef-4968-4e1f-bb2e-5600f23a3f5a" providerId="ADAL" clId="{B81B1DEB-3B0C-417B-841C-D467D868A83F}"/>
+    <pc:docChg chg="modSld">
+      <pc:chgData name="Chad" userId="955974ef-4968-4e1f-bb2e-5600f23a3f5a" providerId="ADAL" clId="{B81B1DEB-3B0C-417B-841C-D467D868A83F}" dt="2021-04-16T20:39:19.158" v="27" actId="1076"/>
       <pc:docMkLst>
         <pc:docMk/>
       </pc:docMkLst>
-      <pc:sldChg chg="modSp">
-        <pc:chgData name="Chad Birch" userId="bd3fa5fe5f456709" providerId="LiveId" clId="{42D4EBAB-5490-465C-8C45-116F792CDB6E}" dt="2019-04-04T01:00:11.354" v="54" actId="20577"/>
+      <pc:sldChg chg="modSp mod">
+        <pc:chgData name="Chad" userId="955974ef-4968-4e1f-bb2e-5600f23a3f5a" providerId="ADAL" clId="{B81B1DEB-3B0C-417B-841C-D467D868A83F}" dt="2021-04-16T20:39:19.158" v="27" actId="1076"/>
         <pc:sldMkLst>
           <pc:docMk/>
           <pc:sldMk cId="1670841630" sldId="256"/>
         </pc:sldMkLst>
         <pc:spChg chg="mod">
-          <ac:chgData name="Chad Birch" userId="bd3fa5fe5f456709" providerId="LiveId" clId="{42D4EBAB-5490-465C-8C45-116F792CDB6E}" dt="2019-04-04T01:00:11.354" v="54" actId="20577"/>
+          <ac:chgData name="Chad" userId="955974ef-4968-4e1f-bb2e-5600f23a3f5a" providerId="ADAL" clId="{B81B1DEB-3B0C-417B-841C-D467D868A83F}" dt="2021-04-16T20:38:14.855" v="1" actId="20577"/>
           <ac:spMkLst>
             <pc:docMk/>
             <pc:sldMk cId="1670841630" sldId="256"/>
@@ -289,7 +416,7 @@
           </ac:spMkLst>
         </pc:spChg>
         <pc:spChg chg="mod">
-          <ac:chgData name="Chad Birch" userId="bd3fa5fe5f456709" providerId="LiveId" clId="{42D4EBAB-5490-465C-8C45-116F792CDB6E}" dt="2019-03-26T01:08:05.938" v="41" actId="1036"/>
+          <ac:chgData name="Chad" userId="955974ef-4968-4e1f-bb2e-5600f23a3f5a" providerId="ADAL" clId="{B81B1DEB-3B0C-417B-841C-D467D868A83F}" dt="2021-04-16T20:39:19.158" v="27" actId="1076"/>
           <ac:spMkLst>
             <pc:docMk/>
             <pc:sldMk cId="1670841630" sldId="256"/>
@@ -297,100 +424,13 @@
           </ac:spMkLst>
         </pc:spChg>
         <pc:spChg chg="mod">
-          <ac:chgData name="Chad Birch" userId="bd3fa5fe5f456709" providerId="LiveId" clId="{42D4EBAB-5490-465C-8C45-116F792CDB6E}" dt="2019-03-26T01:07:51.806" v="34" actId="1076"/>
-          <ac:spMkLst>
-            <pc:docMk/>
-            <pc:sldMk cId="1670841630" sldId="256"/>
-            <ac:spMk id="13" creationId="{75C99F4C-BF3D-47D9-9C1A-897BF44C3EF1}"/>
-          </ac:spMkLst>
-        </pc:spChg>
-        <pc:spChg chg="mod">
-          <ac:chgData name="Chad Birch" userId="bd3fa5fe5f456709" providerId="LiveId" clId="{42D4EBAB-5490-465C-8C45-116F792CDB6E}" dt="2019-03-26T01:08:25.577" v="50" actId="20577"/>
+          <ac:chgData name="Chad" userId="955974ef-4968-4e1f-bb2e-5600f23a3f5a" providerId="ADAL" clId="{B81B1DEB-3B0C-417B-841C-D467D868A83F}" dt="2021-04-16T20:38:55.613" v="8" actId="1076"/>
           <ac:spMkLst>
             <pc:docMk/>
             <pc:sldMk cId="1670841630" sldId="256"/>
             <ac:spMk id="15" creationId="{73007D91-EAAE-4247-9BDF-A25A4CDDAA83}"/>
           </ac:spMkLst>
         </pc:spChg>
-      </pc:sldChg>
-      <pc:sldChg chg="modSp">
-        <pc:chgData name="Chad Birch" userId="bd3fa5fe5f456709" providerId="LiveId" clId="{42D4EBAB-5490-465C-8C45-116F792CDB6E}" dt="2019-03-24T04:49:03.628" v="8" actId="14861"/>
-        <pc:sldMkLst>
-          <pc:docMk/>
-          <pc:sldMk cId="366895528" sldId="257"/>
-        </pc:sldMkLst>
-        <pc:picChg chg="mod">
-          <ac:chgData name="Chad Birch" userId="bd3fa5fe5f456709" providerId="LiveId" clId="{42D4EBAB-5490-465C-8C45-116F792CDB6E}" dt="2019-03-24T04:48:05.466" v="1" actId="14861"/>
-          <ac:picMkLst>
-            <pc:docMk/>
-            <pc:sldMk cId="366895528" sldId="257"/>
-            <ac:picMk id="47" creationId="{E1CEFF1E-5866-4EEC-AEC3-39A9E21C7E73}"/>
-          </ac:picMkLst>
-        </pc:picChg>
-        <pc:picChg chg="mod">
-          <ac:chgData name="Chad Birch" userId="bd3fa5fe5f456709" providerId="LiveId" clId="{42D4EBAB-5490-465C-8C45-116F792CDB6E}" dt="2019-03-24T04:49:03.628" v="8" actId="14861"/>
-          <ac:picMkLst>
-            <pc:docMk/>
-            <pc:sldMk cId="366895528" sldId="257"/>
-            <ac:picMk id="51" creationId="{CB9941D9-326F-43E9-B24A-19E2C38C4D96}"/>
-          </ac:picMkLst>
-        </pc:picChg>
-        <pc:picChg chg="mod">
-          <ac:chgData name="Chad Birch" userId="bd3fa5fe5f456709" providerId="LiveId" clId="{42D4EBAB-5490-465C-8C45-116F792CDB6E}" dt="2019-03-24T04:48:28.715" v="4" actId="14861"/>
-          <ac:picMkLst>
-            <pc:docMk/>
-            <pc:sldMk cId="366895528" sldId="257"/>
-            <ac:picMk id="53" creationId="{35506C1E-D130-4F9E-9442-D975C4B537B0}"/>
-          </ac:picMkLst>
-        </pc:picChg>
-        <pc:picChg chg="mod">
-          <ac:chgData name="Chad Birch" userId="bd3fa5fe5f456709" providerId="LiveId" clId="{42D4EBAB-5490-465C-8C45-116F792CDB6E}" dt="2019-03-24T04:48:55.133" v="7" actId="14861"/>
-          <ac:picMkLst>
-            <pc:docMk/>
-            <pc:sldMk cId="366895528" sldId="257"/>
-            <ac:picMk id="57" creationId="{DC36674B-F50F-4449-ADFA-1BCF26BEB387}"/>
-          </ac:picMkLst>
-        </pc:picChg>
-        <pc:picChg chg="mod">
-          <ac:chgData name="Chad Birch" userId="bd3fa5fe5f456709" providerId="LiveId" clId="{42D4EBAB-5490-465C-8C45-116F792CDB6E}" dt="2019-03-24T04:48:36.978" v="5" actId="14861"/>
-          <ac:picMkLst>
-            <pc:docMk/>
-            <pc:sldMk cId="366895528" sldId="257"/>
-            <ac:picMk id="61" creationId="{581EC303-7CEB-4C06-ACC4-4650F18FC015}"/>
-          </ac:picMkLst>
-        </pc:picChg>
-        <pc:picChg chg="mod">
-          <ac:chgData name="Chad Birch" userId="bd3fa5fe5f456709" providerId="LiveId" clId="{42D4EBAB-5490-465C-8C45-116F792CDB6E}" dt="2019-03-24T04:48:19.897" v="3" actId="14861"/>
-          <ac:picMkLst>
-            <pc:docMk/>
-            <pc:sldMk cId="366895528" sldId="257"/>
-            <ac:picMk id="67" creationId="{E6287BDB-9637-4FDB-BF1E-83F0223D6051}"/>
-          </ac:picMkLst>
-        </pc:picChg>
-        <pc:picChg chg="mod">
-          <ac:chgData name="Chad Birch" userId="bd3fa5fe5f456709" providerId="LiveId" clId="{42D4EBAB-5490-465C-8C45-116F792CDB6E}" dt="2019-03-24T04:47:55.513" v="0" actId="14861"/>
-          <ac:picMkLst>
-            <pc:docMk/>
-            <pc:sldMk cId="366895528" sldId="257"/>
-            <ac:picMk id="71" creationId="{5855C9D5-A635-434A-8570-F776D72F35A6}"/>
-          </ac:picMkLst>
-        </pc:picChg>
-        <pc:picChg chg="mod">
-          <ac:chgData name="Chad Birch" userId="bd3fa5fe5f456709" providerId="LiveId" clId="{42D4EBAB-5490-465C-8C45-116F792CDB6E}" dt="2019-03-24T04:48:47.777" v="6" actId="14861"/>
-          <ac:picMkLst>
-            <pc:docMk/>
-            <pc:sldMk cId="366895528" sldId="257"/>
-            <ac:picMk id="73" creationId="{AA04752E-A262-4AED-B3C8-976B7AB00132}"/>
-          </ac:picMkLst>
-        </pc:picChg>
-        <pc:picChg chg="mod">
-          <ac:chgData name="Chad Birch" userId="bd3fa5fe5f456709" providerId="LiveId" clId="{42D4EBAB-5490-465C-8C45-116F792CDB6E}" dt="2019-03-24T04:48:12.948" v="2" actId="14861"/>
-          <ac:picMkLst>
-            <pc:docMk/>
-            <pc:sldMk cId="366895528" sldId="257"/>
-            <ac:picMk id="85" creationId="{2970E256-5A3D-4075-BC5D-261F571414B2}"/>
-          </ac:picMkLst>
-        </pc:picChg>
       </pc:sldChg>
     </pc:docChg>
   </pc:docChgLst>
@@ -687,7 +727,7 @@
           <a:p>
             <a:fld id="{49E7498B-9F14-48C5-AAF5-4E8EF0102B92}" type="datetimeFigureOut">
               <a:rPr lang="en-US" smtClean="0"/>
-              <a:t>4/19/2020</a:t>
+              <a:t>4/16/2021</a:t>
             </a:fld>
             <a:endParaRPr lang="en-US"/>
           </a:p>
@@ -885,7 +925,7 @@
           <a:p>
             <a:fld id="{49E7498B-9F14-48C5-AAF5-4E8EF0102B92}" type="datetimeFigureOut">
               <a:rPr lang="en-US" smtClean="0"/>
-              <a:t>4/19/2020</a:t>
+              <a:t>4/16/2021</a:t>
             </a:fld>
             <a:endParaRPr lang="en-US"/>
           </a:p>
@@ -1093,7 +1133,7 @@
           <a:p>
             <a:fld id="{49E7498B-9F14-48C5-AAF5-4E8EF0102B92}" type="datetimeFigureOut">
               <a:rPr lang="en-US" smtClean="0"/>
-              <a:t>4/19/2020</a:t>
+              <a:t>4/16/2021</a:t>
             </a:fld>
             <a:endParaRPr lang="en-US"/>
           </a:p>
@@ -1291,7 +1331,7 @@
           <a:p>
             <a:fld id="{49E7498B-9F14-48C5-AAF5-4E8EF0102B92}" type="datetimeFigureOut">
               <a:rPr lang="en-US" smtClean="0"/>
-              <a:t>4/19/2020</a:t>
+              <a:t>4/16/2021</a:t>
             </a:fld>
             <a:endParaRPr lang="en-US"/>
           </a:p>
@@ -1566,7 +1606,7 @@
           <a:p>
             <a:fld id="{49E7498B-9F14-48C5-AAF5-4E8EF0102B92}" type="datetimeFigureOut">
               <a:rPr lang="en-US" smtClean="0"/>
-              <a:t>4/19/2020</a:t>
+              <a:t>4/16/2021</a:t>
             </a:fld>
             <a:endParaRPr lang="en-US"/>
           </a:p>
@@ -1831,7 +1871,7 @@
           <a:p>
             <a:fld id="{49E7498B-9F14-48C5-AAF5-4E8EF0102B92}" type="datetimeFigureOut">
               <a:rPr lang="en-US" smtClean="0"/>
-              <a:t>4/19/2020</a:t>
+              <a:t>4/16/2021</a:t>
             </a:fld>
             <a:endParaRPr lang="en-US"/>
           </a:p>
@@ -2243,7 +2283,7 @@
           <a:p>
             <a:fld id="{49E7498B-9F14-48C5-AAF5-4E8EF0102B92}" type="datetimeFigureOut">
               <a:rPr lang="en-US" smtClean="0"/>
-              <a:t>4/19/2020</a:t>
+              <a:t>4/16/2021</a:t>
             </a:fld>
             <a:endParaRPr lang="en-US"/>
           </a:p>
@@ -2384,7 +2424,7 @@
           <a:p>
             <a:fld id="{49E7498B-9F14-48C5-AAF5-4E8EF0102B92}" type="datetimeFigureOut">
               <a:rPr lang="en-US" smtClean="0"/>
-              <a:t>4/19/2020</a:t>
+              <a:t>4/16/2021</a:t>
             </a:fld>
             <a:endParaRPr lang="en-US"/>
           </a:p>
@@ -2497,7 +2537,7 @@
           <a:p>
             <a:fld id="{49E7498B-9F14-48C5-AAF5-4E8EF0102B92}" type="datetimeFigureOut">
               <a:rPr lang="en-US" smtClean="0"/>
-              <a:t>4/19/2020</a:t>
+              <a:t>4/16/2021</a:t>
             </a:fld>
             <a:endParaRPr lang="en-US"/>
           </a:p>
@@ -2808,7 +2848,7 @@
           <a:p>
             <a:fld id="{49E7498B-9F14-48C5-AAF5-4E8EF0102B92}" type="datetimeFigureOut">
               <a:rPr lang="en-US" smtClean="0"/>
-              <a:t>4/19/2020</a:t>
+              <a:t>4/16/2021</a:t>
             </a:fld>
             <a:endParaRPr lang="en-US"/>
           </a:p>
@@ -3096,7 +3136,7 @@
           <a:p>
             <a:fld id="{49E7498B-9F14-48C5-AAF5-4E8EF0102B92}" type="datetimeFigureOut">
               <a:rPr lang="en-US" smtClean="0"/>
-              <a:t>4/19/2020</a:t>
+              <a:t>4/16/2021</a:t>
             </a:fld>
             <a:endParaRPr lang="en-US"/>
           </a:p>
@@ -3337,7 +3377,7 @@
           <a:p>
             <a:fld id="{49E7498B-9F14-48C5-AAF5-4E8EF0102B92}" type="datetimeFigureOut">
               <a:rPr lang="en-US" smtClean="0"/>
-              <a:t>4/19/2020</a:t>
+              <a:t>4/16/2021</a:t>
             </a:fld>
             <a:endParaRPr lang="en-US"/>
           </a:p>
@@ -3854,7 +3894,7 @@
                   <a:noFill/>
                 </a:ln>
               </a:rPr>
-              <a:t>Candy Bars		$1.00</a:t>
+              <a:t>Candy Bars		$1.50</a:t>
             </a:r>
           </a:p>
           <a:p>
@@ -3883,8 +3923,8 @@
         </p:nvSpPr>
         <p:spPr>
           <a:xfrm>
-            <a:off x="112357" y="5160407"/>
-            <a:ext cx="3759818" cy="1566386"/>
+            <a:off x="156933" y="4844654"/>
+            <a:ext cx="3759818" cy="1872853"/>
           </a:xfrm>
           <a:prstGeom prst="roundRect">
             <a:avLst/>
@@ -3928,7 +3968,17 @@
                   <a:noFill/>
                 </a:ln>
               </a:rPr>
-              <a:t>Water, Coffee, Hot Cocoa	$1.00</a:t>
+              <a:t>Coffee &amp; Hot Cocoa	$1.00</a:t>
+            </a:r>
+          </a:p>
+          <a:p>
+            <a:r>
+              <a:rPr lang="en-US" b="1" dirty="0">
+                <a:ln w="6350">
+                  <a:noFill/>
+                </a:ln>
+              </a:rPr>
+              <a:t>Water			$1.75</a:t>
             </a:r>
           </a:p>
           <a:p>
@@ -4257,7 +4307,7 @@
         </p:nvSpPr>
         <p:spPr>
           <a:xfrm>
-            <a:off x="134174" y="1905000"/>
+            <a:off x="112357" y="1788200"/>
             <a:ext cx="3759818" cy="2792254"/>
           </a:xfrm>
           <a:prstGeom prst="roundRect">
@@ -5867,6 +5917,12 @@
 </file>
 
 <file path=customXml/item1.xml><?xml version="1.0" encoding="utf-8"?>
+<p:properties xmlns:p="http://schemas.microsoft.com/office/2006/metadata/properties" xmlns:xsi="http://www.w3.org/2001/XMLSchema-instance" xmlns:pc="http://schemas.microsoft.com/office/infopath/2007/PartnerControls">
+  <documentManagement/>
+</p:properties>
+</file>
+
+<file path=customXml/item2.xml><?xml version="1.0" encoding="utf-8"?>
 <?mso-contentType ?>
 <FormTemplates xmlns="http://schemas.microsoft.com/sharepoint/v3/contenttype/forms">
   <Display>DocumentLibraryForm</Display>
@@ -5875,15 +5931,9 @@
 </FormTemplates>
 </file>
 
-<file path=customXml/item2.xml><?xml version="1.0" encoding="utf-8"?>
-<p:properties xmlns:p="http://schemas.microsoft.com/office/2006/metadata/properties" xmlns:xsi="http://www.w3.org/2001/XMLSchema-instance" xmlns:pc="http://schemas.microsoft.com/office/infopath/2007/PartnerControls">
-  <documentManagement/>
-</p:properties>
-</file>
-
 <file path=customXml/item3.xml><?xml version="1.0" encoding="utf-8"?>
-<ct:contentTypeSchema xmlns:ct="http://schemas.microsoft.com/office/2006/metadata/contentType" xmlns:ma="http://schemas.microsoft.com/office/2006/metadata/properties/metaAttributes" ct:_="" ma:_="" ma:contentTypeName="Document" ma:contentTypeID="0x01010082ABCAA059E43F47A9AFCB482DC6AC47" ma:contentTypeVersion="9" ma:contentTypeDescription="Create a new document." ma:contentTypeScope="" ma:versionID="b45a4d6cb84391c2f92a04721c6cd5a2">
-  <xsd:schema xmlns:xsd="http://www.w3.org/2001/XMLSchema" xmlns:xs="http://www.w3.org/2001/XMLSchema" xmlns:p="http://schemas.microsoft.com/office/2006/metadata/properties" xmlns:ns2="7dc53969-87c1-47f4-aa26-5238efa64723" xmlns:ns3="a784e9d9-af81-40e0-bcdf-5192b7828892" targetNamespace="http://schemas.microsoft.com/office/2006/metadata/properties" ma:root="true" ma:fieldsID="ad9f891fcf258ea2dbecf2e2ff3f6e67" ns2:_="" ns3:_="">
+<ct:contentTypeSchema xmlns:ct="http://schemas.microsoft.com/office/2006/metadata/contentType" xmlns:ma="http://schemas.microsoft.com/office/2006/metadata/properties/metaAttributes" ct:_="" ma:_="" ma:contentTypeName="Document" ma:contentTypeID="0x01010082ABCAA059E43F47A9AFCB482DC6AC47" ma:contentTypeVersion="10" ma:contentTypeDescription="Create a new document." ma:contentTypeScope="" ma:versionID="ee4fdf880c2c6c900eb678cc6b8816ca">
+  <xsd:schema xmlns:xsd="http://www.w3.org/2001/XMLSchema" xmlns:xs="http://www.w3.org/2001/XMLSchema" xmlns:p="http://schemas.microsoft.com/office/2006/metadata/properties" xmlns:ns2="7dc53969-87c1-47f4-aa26-5238efa64723" xmlns:ns3="a784e9d9-af81-40e0-bcdf-5192b7828892" targetNamespace="http://schemas.microsoft.com/office/2006/metadata/properties" ma:root="true" ma:fieldsID="3dfbb87ab24caf4f4e0165d589b9acf4" ns2:_="" ns3:_="">
     <xsd:import namespace="7dc53969-87c1-47f4-aa26-5238efa64723"/>
     <xsd:import namespace="a784e9d9-af81-40e0-bcdf-5192b7828892"/>
     <xsd:element name="properties">
@@ -5901,6 +5951,7 @@
                 <xsd:element ref="ns2:MediaServiceOCR" minOccurs="0"/>
                 <xsd:element ref="ns2:MediaServiceGenerationTime" minOccurs="0"/>
                 <xsd:element ref="ns2:MediaServiceEventHashCode" minOccurs="0"/>
+                <xsd:element ref="ns2:MediaServiceLocation" minOccurs="0"/>
               </xsd:all>
             </xsd:complexType>
           </xsd:element>
@@ -5944,6 +5995,11 @@
       </xsd:simpleType>
     </xsd:element>
     <xsd:element name="MediaServiceEventHashCode" ma:index="16" nillable="true" ma:displayName="MediaServiceEventHashCode" ma:hidden="true" ma:internalName="MediaServiceEventHashCode" ma:readOnly="true">
+      <xsd:simpleType>
+        <xsd:restriction base="dms:Text"/>
+      </xsd:simpleType>
+    </xsd:element>
+    <xsd:element name="MediaServiceLocation" ma:index="17" nillable="true" ma:displayName="Location" ma:internalName="MediaServiceLocation" ma:readOnly="true">
       <xsd:simpleType>
         <xsd:restriction base="dms:Text"/>
       </xsd:simpleType>
@@ -6079,14 +6135,6 @@
 </file>
 
 <file path=customXml/itemProps1.xml><?xml version="1.0" encoding="utf-8"?>
-<ds:datastoreItem xmlns:ds="http://schemas.openxmlformats.org/officeDocument/2006/customXml" ds:itemID="{87F7126F-21B7-4D38-9F96-AE6EDF8B513A}">
-  <ds:schemaRefs>
-    <ds:schemaRef ds:uri="http://schemas.microsoft.com/sharepoint/v3/contenttype/forms"/>
-  </ds:schemaRefs>
-</ds:datastoreItem>
-</file>
-
-<file path=customXml/itemProps2.xml><?xml version="1.0" encoding="utf-8"?>
 <ds:datastoreItem xmlns:ds="http://schemas.openxmlformats.org/officeDocument/2006/customXml" ds:itemID="{2E9FC0A7-A809-406C-A6BE-8DB8AF5BB164}">
   <ds:schemaRefs>
     <ds:schemaRef ds:uri="http://schemas.microsoft.com/office/2006/metadata/properties"/>
@@ -6103,8 +6151,16 @@
 </ds:datastoreItem>
 </file>
 
+<file path=customXml/itemProps2.xml><?xml version="1.0" encoding="utf-8"?>
+<ds:datastoreItem xmlns:ds="http://schemas.openxmlformats.org/officeDocument/2006/customXml" ds:itemID="{87F7126F-21B7-4D38-9F96-AE6EDF8B513A}">
+  <ds:schemaRefs>
+    <ds:schemaRef ds:uri="http://schemas.microsoft.com/sharepoint/v3/contenttype/forms"/>
+  </ds:schemaRefs>
+</ds:datastoreItem>
+</file>
+
 <file path=customXml/itemProps3.xml><?xml version="1.0" encoding="utf-8"?>
-<ds:datastoreItem xmlns:ds="http://schemas.openxmlformats.org/officeDocument/2006/customXml" ds:itemID="{B65B7DA6-AA62-4FAC-ACE3-A3D4B6CEF62A}">
+<ds:datastoreItem xmlns:ds="http://schemas.openxmlformats.org/officeDocument/2006/customXml" ds:itemID="{B1A29CEA-ACE7-41EF-A792-8C88F9008E6C}">
   <ds:schemaRefs>
     <ds:schemaRef ds:uri="http://schemas.microsoft.com/office/2006/metadata/contentType"/>
     <ds:schemaRef ds:uri="http://schemas.microsoft.com/office/2006/metadata/properties/metaAttributes"/>

--- a/Assets/Menu/Menu.pptx
+++ b/Assets/Menu/Menu.pptx
@@ -124,133 +124,6 @@
 <file path=ppt/changesInfos/changesInfo1.xml><?xml version="1.0" encoding="utf-8"?>
 <pc:chgInfo xmlns:a="http://schemas.openxmlformats.org/drawingml/2006/main" xmlns:r="http://schemas.openxmlformats.org/officeDocument/2006/relationships" xmlns:ac="http://schemas.microsoft.com/office/drawing/2013/main/command" xmlns:pc="http://schemas.microsoft.com/office/powerpoint/2013/main/command">
   <pc:docChgLst>
-    <pc:chgData name="Chad Birch" userId="bd3fa5fe5f456709" providerId="LiveId" clId="{42D4EBAB-5490-465C-8C45-116F792CDB6E}"/>
-    <pc:docChg chg="undo modSld">
-      <pc:chgData name="Chad Birch" userId="bd3fa5fe5f456709" providerId="LiveId" clId="{42D4EBAB-5490-465C-8C45-116F792CDB6E}" dt="2019-04-04T01:00:11.354" v="54" actId="20577"/>
-      <pc:docMkLst>
-        <pc:docMk/>
-      </pc:docMkLst>
-      <pc:sldChg chg="modSp">
-        <pc:chgData name="Chad Birch" userId="bd3fa5fe5f456709" providerId="LiveId" clId="{42D4EBAB-5490-465C-8C45-116F792CDB6E}" dt="2019-04-04T01:00:11.354" v="54" actId="20577"/>
-        <pc:sldMkLst>
-          <pc:docMk/>
-          <pc:sldMk cId="1670841630" sldId="256"/>
-        </pc:sldMkLst>
-        <pc:spChg chg="mod">
-          <ac:chgData name="Chad Birch" userId="bd3fa5fe5f456709" providerId="LiveId" clId="{42D4EBAB-5490-465C-8C45-116F792CDB6E}" dt="2019-04-04T01:00:11.354" v="54" actId="20577"/>
-          <ac:spMkLst>
-            <pc:docMk/>
-            <pc:sldMk cId="1670841630" sldId="256"/>
-            <ac:spMk id="10" creationId="{CCA5D697-776F-4FE1-B16C-EFD8366CD9D1}"/>
-          </ac:spMkLst>
-        </pc:spChg>
-        <pc:spChg chg="mod">
-          <ac:chgData name="Chad Birch" userId="bd3fa5fe5f456709" providerId="LiveId" clId="{42D4EBAB-5490-465C-8C45-116F792CDB6E}" dt="2019-03-26T01:08:05.938" v="41" actId="1036"/>
-          <ac:spMkLst>
-            <pc:docMk/>
-            <pc:sldMk cId="1670841630" sldId="256"/>
-            <ac:spMk id="11" creationId="{7C7E18D2-8F19-43AA-9741-2869B4FA25BF}"/>
-          </ac:spMkLst>
-        </pc:spChg>
-        <pc:spChg chg="mod">
-          <ac:chgData name="Chad Birch" userId="bd3fa5fe5f456709" providerId="LiveId" clId="{42D4EBAB-5490-465C-8C45-116F792CDB6E}" dt="2019-03-26T01:07:51.806" v="34" actId="1076"/>
-          <ac:spMkLst>
-            <pc:docMk/>
-            <pc:sldMk cId="1670841630" sldId="256"/>
-            <ac:spMk id="13" creationId="{75C99F4C-BF3D-47D9-9C1A-897BF44C3EF1}"/>
-          </ac:spMkLst>
-        </pc:spChg>
-        <pc:spChg chg="mod">
-          <ac:chgData name="Chad Birch" userId="bd3fa5fe5f456709" providerId="LiveId" clId="{42D4EBAB-5490-465C-8C45-116F792CDB6E}" dt="2019-03-26T01:08:25.577" v="50" actId="20577"/>
-          <ac:spMkLst>
-            <pc:docMk/>
-            <pc:sldMk cId="1670841630" sldId="256"/>
-            <ac:spMk id="15" creationId="{73007D91-EAAE-4247-9BDF-A25A4CDDAA83}"/>
-          </ac:spMkLst>
-        </pc:spChg>
-      </pc:sldChg>
-      <pc:sldChg chg="modSp">
-        <pc:chgData name="Chad Birch" userId="bd3fa5fe5f456709" providerId="LiveId" clId="{42D4EBAB-5490-465C-8C45-116F792CDB6E}" dt="2019-03-24T04:49:03.628" v="8" actId="14861"/>
-        <pc:sldMkLst>
-          <pc:docMk/>
-          <pc:sldMk cId="366895528" sldId="257"/>
-        </pc:sldMkLst>
-        <pc:picChg chg="mod">
-          <ac:chgData name="Chad Birch" userId="bd3fa5fe5f456709" providerId="LiveId" clId="{42D4EBAB-5490-465C-8C45-116F792CDB6E}" dt="2019-03-24T04:48:05.466" v="1" actId="14861"/>
-          <ac:picMkLst>
-            <pc:docMk/>
-            <pc:sldMk cId="366895528" sldId="257"/>
-            <ac:picMk id="47" creationId="{E1CEFF1E-5866-4EEC-AEC3-39A9E21C7E73}"/>
-          </ac:picMkLst>
-        </pc:picChg>
-        <pc:picChg chg="mod">
-          <ac:chgData name="Chad Birch" userId="bd3fa5fe5f456709" providerId="LiveId" clId="{42D4EBAB-5490-465C-8C45-116F792CDB6E}" dt="2019-03-24T04:49:03.628" v="8" actId="14861"/>
-          <ac:picMkLst>
-            <pc:docMk/>
-            <pc:sldMk cId="366895528" sldId="257"/>
-            <ac:picMk id="51" creationId="{CB9941D9-326F-43E9-B24A-19E2C38C4D96}"/>
-          </ac:picMkLst>
-        </pc:picChg>
-        <pc:picChg chg="mod">
-          <ac:chgData name="Chad Birch" userId="bd3fa5fe5f456709" providerId="LiveId" clId="{42D4EBAB-5490-465C-8C45-116F792CDB6E}" dt="2019-03-24T04:48:28.715" v="4" actId="14861"/>
-          <ac:picMkLst>
-            <pc:docMk/>
-            <pc:sldMk cId="366895528" sldId="257"/>
-            <ac:picMk id="53" creationId="{35506C1E-D130-4F9E-9442-D975C4B537B0}"/>
-          </ac:picMkLst>
-        </pc:picChg>
-        <pc:picChg chg="mod">
-          <ac:chgData name="Chad Birch" userId="bd3fa5fe5f456709" providerId="LiveId" clId="{42D4EBAB-5490-465C-8C45-116F792CDB6E}" dt="2019-03-24T04:48:55.133" v="7" actId="14861"/>
-          <ac:picMkLst>
-            <pc:docMk/>
-            <pc:sldMk cId="366895528" sldId="257"/>
-            <ac:picMk id="57" creationId="{DC36674B-F50F-4449-ADFA-1BCF26BEB387}"/>
-          </ac:picMkLst>
-        </pc:picChg>
-        <pc:picChg chg="mod">
-          <ac:chgData name="Chad Birch" userId="bd3fa5fe5f456709" providerId="LiveId" clId="{42D4EBAB-5490-465C-8C45-116F792CDB6E}" dt="2019-03-24T04:48:36.978" v="5" actId="14861"/>
-          <ac:picMkLst>
-            <pc:docMk/>
-            <pc:sldMk cId="366895528" sldId="257"/>
-            <ac:picMk id="61" creationId="{581EC303-7CEB-4C06-ACC4-4650F18FC015}"/>
-          </ac:picMkLst>
-        </pc:picChg>
-        <pc:picChg chg="mod">
-          <ac:chgData name="Chad Birch" userId="bd3fa5fe5f456709" providerId="LiveId" clId="{42D4EBAB-5490-465C-8C45-116F792CDB6E}" dt="2019-03-24T04:48:19.897" v="3" actId="14861"/>
-          <ac:picMkLst>
-            <pc:docMk/>
-            <pc:sldMk cId="366895528" sldId="257"/>
-            <ac:picMk id="67" creationId="{E6287BDB-9637-4FDB-BF1E-83F0223D6051}"/>
-          </ac:picMkLst>
-        </pc:picChg>
-        <pc:picChg chg="mod">
-          <ac:chgData name="Chad Birch" userId="bd3fa5fe5f456709" providerId="LiveId" clId="{42D4EBAB-5490-465C-8C45-116F792CDB6E}" dt="2019-03-24T04:47:55.513" v="0" actId="14861"/>
-          <ac:picMkLst>
-            <pc:docMk/>
-            <pc:sldMk cId="366895528" sldId="257"/>
-            <ac:picMk id="71" creationId="{5855C9D5-A635-434A-8570-F776D72F35A6}"/>
-          </ac:picMkLst>
-        </pc:picChg>
-        <pc:picChg chg="mod">
-          <ac:chgData name="Chad Birch" userId="bd3fa5fe5f456709" providerId="LiveId" clId="{42D4EBAB-5490-465C-8C45-116F792CDB6E}" dt="2019-03-24T04:48:47.777" v="6" actId="14861"/>
-          <ac:picMkLst>
-            <pc:docMk/>
-            <pc:sldMk cId="366895528" sldId="257"/>
-            <ac:picMk id="73" creationId="{AA04752E-A262-4AED-B3C8-976B7AB00132}"/>
-          </ac:picMkLst>
-        </pc:picChg>
-        <pc:picChg chg="mod">
-          <ac:chgData name="Chad Birch" userId="bd3fa5fe5f456709" providerId="LiveId" clId="{42D4EBAB-5490-465C-8C45-116F792CDB6E}" dt="2019-03-24T04:48:12.948" v="2" actId="14861"/>
-          <ac:picMkLst>
-            <pc:docMk/>
-            <pc:sldMk cId="366895528" sldId="257"/>
-            <ac:picMk id="85" creationId="{2970E256-5A3D-4075-BC5D-261F571414B2}"/>
-          </ac:picMkLst>
-        </pc:picChg>
-      </pc:sldChg>
-    </pc:docChg>
-  </pc:docChgLst>
-  <pc:docChgLst>
     <pc:chgData name="Chad Birch" userId="bd3fa5fe5f456709" providerId="LiveId" clId="{FC908F98-00CA-B14E-8A63-545189451B3E}"/>
     <pc:docChg chg="modSld">
       <pc:chgData name="Chad Birch" userId="bd3fa5fe5f456709" providerId="LiveId" clId="{FC908F98-00CA-B14E-8A63-545189451B3E}" dt="2019-03-27T01:55:10.048" v="1" actId="1076"/>
@@ -269,6 +142,46 @@
             <pc:docMk/>
             <pc:sldMk cId="1670841630" sldId="256"/>
             <ac:spMk id="10" creationId="{CCA5D697-776F-4FE1-B16C-EFD8366CD9D1}"/>
+          </ac:spMkLst>
+        </pc:spChg>
+      </pc:sldChg>
+    </pc:docChg>
+  </pc:docChgLst>
+  <pc:docChgLst>
+    <pc:chgData name="Chad" userId="955974ef-4968-4e1f-bb2e-5600f23a3f5a" providerId="ADAL" clId="{B81B1DEB-3B0C-417B-841C-D467D868A83F}"/>
+    <pc:docChg chg="modSld">
+      <pc:chgData name="Chad" userId="955974ef-4968-4e1f-bb2e-5600f23a3f5a" providerId="ADAL" clId="{B81B1DEB-3B0C-417B-841C-D467D868A83F}" dt="2021-04-16T20:39:19.158" v="27" actId="1076"/>
+      <pc:docMkLst>
+        <pc:docMk/>
+      </pc:docMkLst>
+      <pc:sldChg chg="modSp mod">
+        <pc:chgData name="Chad" userId="955974ef-4968-4e1f-bb2e-5600f23a3f5a" providerId="ADAL" clId="{B81B1DEB-3B0C-417B-841C-D467D868A83F}" dt="2021-04-16T20:39:19.158" v="27" actId="1076"/>
+        <pc:sldMkLst>
+          <pc:docMk/>
+          <pc:sldMk cId="1670841630" sldId="256"/>
+        </pc:sldMkLst>
+        <pc:spChg chg="mod">
+          <ac:chgData name="Chad" userId="955974ef-4968-4e1f-bb2e-5600f23a3f5a" providerId="ADAL" clId="{B81B1DEB-3B0C-417B-841C-D467D868A83F}" dt="2021-04-16T20:38:14.855" v="1" actId="20577"/>
+          <ac:spMkLst>
+            <pc:docMk/>
+            <pc:sldMk cId="1670841630" sldId="256"/>
+            <ac:spMk id="10" creationId="{CCA5D697-776F-4FE1-B16C-EFD8366CD9D1}"/>
+          </ac:spMkLst>
+        </pc:spChg>
+        <pc:spChg chg="mod">
+          <ac:chgData name="Chad" userId="955974ef-4968-4e1f-bb2e-5600f23a3f5a" providerId="ADAL" clId="{B81B1DEB-3B0C-417B-841C-D467D868A83F}" dt="2021-04-16T20:39:19.158" v="27" actId="1076"/>
+          <ac:spMkLst>
+            <pc:docMk/>
+            <pc:sldMk cId="1670841630" sldId="256"/>
+            <ac:spMk id="11" creationId="{7C7E18D2-8F19-43AA-9741-2869B4FA25BF}"/>
+          </ac:spMkLst>
+        </pc:spChg>
+        <pc:spChg chg="mod">
+          <ac:chgData name="Chad" userId="955974ef-4968-4e1f-bb2e-5600f23a3f5a" providerId="ADAL" clId="{B81B1DEB-3B0C-417B-841C-D467D868A83F}" dt="2021-04-16T20:38:55.613" v="8" actId="1076"/>
+          <ac:spMkLst>
+            <pc:docMk/>
+            <pc:sldMk cId="1670841630" sldId="256"/>
+            <ac:spMk id="15" creationId="{73007D91-EAAE-4247-9BDF-A25A4CDDAA83}"/>
           </ac:spMkLst>
         </pc:spChg>
       </pc:sldChg>
@@ -395,20 +308,20 @@
     </pc:docChg>
   </pc:docChgLst>
   <pc:docChgLst>
-    <pc:chgData name="Chad" userId="955974ef-4968-4e1f-bb2e-5600f23a3f5a" providerId="ADAL" clId="{B81B1DEB-3B0C-417B-841C-D467D868A83F}"/>
-    <pc:docChg chg="modSld">
-      <pc:chgData name="Chad" userId="955974ef-4968-4e1f-bb2e-5600f23a3f5a" providerId="ADAL" clId="{B81B1DEB-3B0C-417B-841C-D467D868A83F}" dt="2021-04-16T20:39:19.158" v="27" actId="1076"/>
+    <pc:chgData name="Chad Birch" userId="bd3fa5fe5f456709" providerId="LiveId" clId="{42D4EBAB-5490-465C-8C45-116F792CDB6E}"/>
+    <pc:docChg chg="undo modSld">
+      <pc:chgData name="Chad Birch" userId="bd3fa5fe5f456709" providerId="LiveId" clId="{42D4EBAB-5490-465C-8C45-116F792CDB6E}" dt="2019-04-04T01:00:11.354" v="54" actId="20577"/>
       <pc:docMkLst>
         <pc:docMk/>
       </pc:docMkLst>
-      <pc:sldChg chg="modSp mod">
-        <pc:chgData name="Chad" userId="955974ef-4968-4e1f-bb2e-5600f23a3f5a" providerId="ADAL" clId="{B81B1DEB-3B0C-417B-841C-D467D868A83F}" dt="2021-04-16T20:39:19.158" v="27" actId="1076"/>
+      <pc:sldChg chg="modSp">
+        <pc:chgData name="Chad Birch" userId="bd3fa5fe5f456709" providerId="LiveId" clId="{42D4EBAB-5490-465C-8C45-116F792CDB6E}" dt="2019-04-04T01:00:11.354" v="54" actId="20577"/>
         <pc:sldMkLst>
           <pc:docMk/>
           <pc:sldMk cId="1670841630" sldId="256"/>
         </pc:sldMkLst>
         <pc:spChg chg="mod">
-          <ac:chgData name="Chad" userId="955974ef-4968-4e1f-bb2e-5600f23a3f5a" providerId="ADAL" clId="{B81B1DEB-3B0C-417B-841C-D467D868A83F}" dt="2021-04-16T20:38:14.855" v="1" actId="20577"/>
+          <ac:chgData name="Chad Birch" userId="bd3fa5fe5f456709" providerId="LiveId" clId="{42D4EBAB-5490-465C-8C45-116F792CDB6E}" dt="2019-04-04T01:00:11.354" v="54" actId="20577"/>
           <ac:spMkLst>
             <pc:docMk/>
             <pc:sldMk cId="1670841630" sldId="256"/>
@@ -416,7 +329,7 @@
           </ac:spMkLst>
         </pc:spChg>
         <pc:spChg chg="mod">
-          <ac:chgData name="Chad" userId="955974ef-4968-4e1f-bb2e-5600f23a3f5a" providerId="ADAL" clId="{B81B1DEB-3B0C-417B-841C-D467D868A83F}" dt="2021-04-16T20:39:19.158" v="27" actId="1076"/>
+          <ac:chgData name="Chad Birch" userId="bd3fa5fe5f456709" providerId="LiveId" clId="{42D4EBAB-5490-465C-8C45-116F792CDB6E}" dt="2019-03-26T01:08:05.938" v="41" actId="1036"/>
           <ac:spMkLst>
             <pc:docMk/>
             <pc:sldMk cId="1670841630" sldId="256"/>
@@ -424,13 +337,100 @@
           </ac:spMkLst>
         </pc:spChg>
         <pc:spChg chg="mod">
-          <ac:chgData name="Chad" userId="955974ef-4968-4e1f-bb2e-5600f23a3f5a" providerId="ADAL" clId="{B81B1DEB-3B0C-417B-841C-D467D868A83F}" dt="2021-04-16T20:38:55.613" v="8" actId="1076"/>
+          <ac:chgData name="Chad Birch" userId="bd3fa5fe5f456709" providerId="LiveId" clId="{42D4EBAB-5490-465C-8C45-116F792CDB6E}" dt="2019-03-26T01:07:51.806" v="34" actId="1076"/>
+          <ac:spMkLst>
+            <pc:docMk/>
+            <pc:sldMk cId="1670841630" sldId="256"/>
+            <ac:spMk id="13" creationId="{75C99F4C-BF3D-47D9-9C1A-897BF44C3EF1}"/>
+          </ac:spMkLst>
+        </pc:spChg>
+        <pc:spChg chg="mod">
+          <ac:chgData name="Chad Birch" userId="bd3fa5fe5f456709" providerId="LiveId" clId="{42D4EBAB-5490-465C-8C45-116F792CDB6E}" dt="2019-03-26T01:08:25.577" v="50" actId="20577"/>
           <ac:spMkLst>
             <pc:docMk/>
             <pc:sldMk cId="1670841630" sldId="256"/>
             <ac:spMk id="15" creationId="{73007D91-EAAE-4247-9BDF-A25A4CDDAA83}"/>
           </ac:spMkLst>
         </pc:spChg>
+      </pc:sldChg>
+      <pc:sldChg chg="modSp">
+        <pc:chgData name="Chad Birch" userId="bd3fa5fe5f456709" providerId="LiveId" clId="{42D4EBAB-5490-465C-8C45-116F792CDB6E}" dt="2019-03-24T04:49:03.628" v="8" actId="14861"/>
+        <pc:sldMkLst>
+          <pc:docMk/>
+          <pc:sldMk cId="366895528" sldId="257"/>
+        </pc:sldMkLst>
+        <pc:picChg chg="mod">
+          <ac:chgData name="Chad Birch" userId="bd3fa5fe5f456709" providerId="LiveId" clId="{42D4EBAB-5490-465C-8C45-116F792CDB6E}" dt="2019-03-24T04:48:05.466" v="1" actId="14861"/>
+          <ac:picMkLst>
+            <pc:docMk/>
+            <pc:sldMk cId="366895528" sldId="257"/>
+            <ac:picMk id="47" creationId="{E1CEFF1E-5866-4EEC-AEC3-39A9E21C7E73}"/>
+          </ac:picMkLst>
+        </pc:picChg>
+        <pc:picChg chg="mod">
+          <ac:chgData name="Chad Birch" userId="bd3fa5fe5f456709" providerId="LiveId" clId="{42D4EBAB-5490-465C-8C45-116F792CDB6E}" dt="2019-03-24T04:49:03.628" v="8" actId="14861"/>
+          <ac:picMkLst>
+            <pc:docMk/>
+            <pc:sldMk cId="366895528" sldId="257"/>
+            <ac:picMk id="51" creationId="{CB9941D9-326F-43E9-B24A-19E2C38C4D96}"/>
+          </ac:picMkLst>
+        </pc:picChg>
+        <pc:picChg chg="mod">
+          <ac:chgData name="Chad Birch" userId="bd3fa5fe5f456709" providerId="LiveId" clId="{42D4EBAB-5490-465C-8C45-116F792CDB6E}" dt="2019-03-24T04:48:28.715" v="4" actId="14861"/>
+          <ac:picMkLst>
+            <pc:docMk/>
+            <pc:sldMk cId="366895528" sldId="257"/>
+            <ac:picMk id="53" creationId="{35506C1E-D130-4F9E-9442-D975C4B537B0}"/>
+          </ac:picMkLst>
+        </pc:picChg>
+        <pc:picChg chg="mod">
+          <ac:chgData name="Chad Birch" userId="bd3fa5fe5f456709" providerId="LiveId" clId="{42D4EBAB-5490-465C-8C45-116F792CDB6E}" dt="2019-03-24T04:48:55.133" v="7" actId="14861"/>
+          <ac:picMkLst>
+            <pc:docMk/>
+            <pc:sldMk cId="366895528" sldId="257"/>
+            <ac:picMk id="57" creationId="{DC36674B-F50F-4449-ADFA-1BCF26BEB387}"/>
+          </ac:picMkLst>
+        </pc:picChg>
+        <pc:picChg chg="mod">
+          <ac:chgData name="Chad Birch" userId="bd3fa5fe5f456709" providerId="LiveId" clId="{42D4EBAB-5490-465C-8C45-116F792CDB6E}" dt="2019-03-24T04:48:36.978" v="5" actId="14861"/>
+          <ac:picMkLst>
+            <pc:docMk/>
+            <pc:sldMk cId="366895528" sldId="257"/>
+            <ac:picMk id="61" creationId="{581EC303-7CEB-4C06-ACC4-4650F18FC015}"/>
+          </ac:picMkLst>
+        </pc:picChg>
+        <pc:picChg chg="mod">
+          <ac:chgData name="Chad Birch" userId="bd3fa5fe5f456709" providerId="LiveId" clId="{42D4EBAB-5490-465C-8C45-116F792CDB6E}" dt="2019-03-24T04:48:19.897" v="3" actId="14861"/>
+          <ac:picMkLst>
+            <pc:docMk/>
+            <pc:sldMk cId="366895528" sldId="257"/>
+            <ac:picMk id="67" creationId="{E6287BDB-9637-4FDB-BF1E-83F0223D6051}"/>
+          </ac:picMkLst>
+        </pc:picChg>
+        <pc:picChg chg="mod">
+          <ac:chgData name="Chad Birch" userId="bd3fa5fe5f456709" providerId="LiveId" clId="{42D4EBAB-5490-465C-8C45-116F792CDB6E}" dt="2019-03-24T04:47:55.513" v="0" actId="14861"/>
+          <ac:picMkLst>
+            <pc:docMk/>
+            <pc:sldMk cId="366895528" sldId="257"/>
+            <ac:picMk id="71" creationId="{5855C9D5-A635-434A-8570-F776D72F35A6}"/>
+          </ac:picMkLst>
+        </pc:picChg>
+        <pc:picChg chg="mod">
+          <ac:chgData name="Chad Birch" userId="bd3fa5fe5f456709" providerId="LiveId" clId="{42D4EBAB-5490-465C-8C45-116F792CDB6E}" dt="2019-03-24T04:48:47.777" v="6" actId="14861"/>
+          <ac:picMkLst>
+            <pc:docMk/>
+            <pc:sldMk cId="366895528" sldId="257"/>
+            <ac:picMk id="73" creationId="{AA04752E-A262-4AED-B3C8-976B7AB00132}"/>
+          </ac:picMkLst>
+        </pc:picChg>
+        <pc:picChg chg="mod">
+          <ac:chgData name="Chad Birch" userId="bd3fa5fe5f456709" providerId="LiveId" clId="{42D4EBAB-5490-465C-8C45-116F792CDB6E}" dt="2019-03-24T04:48:12.948" v="2" actId="14861"/>
+          <ac:picMkLst>
+            <pc:docMk/>
+            <pc:sldMk cId="366895528" sldId="257"/>
+            <ac:picMk id="85" creationId="{2970E256-5A3D-4075-BC5D-261F571414B2}"/>
+          </ac:picMkLst>
+        </pc:picChg>
       </pc:sldChg>
     </pc:docChg>
   </pc:docChgLst>
@@ -727,7 +727,7 @@
           <a:p>
             <a:fld id="{49E7498B-9F14-48C5-AAF5-4E8EF0102B92}" type="datetimeFigureOut">
               <a:rPr lang="en-US" smtClean="0"/>
-              <a:t>4/16/2021</a:t>
+              <a:t>5/27/2021</a:t>
             </a:fld>
             <a:endParaRPr lang="en-US"/>
           </a:p>
@@ -925,7 +925,7 @@
           <a:p>
             <a:fld id="{49E7498B-9F14-48C5-AAF5-4E8EF0102B92}" type="datetimeFigureOut">
               <a:rPr lang="en-US" smtClean="0"/>
-              <a:t>4/16/2021</a:t>
+              <a:t>5/27/2021</a:t>
             </a:fld>
             <a:endParaRPr lang="en-US"/>
           </a:p>
@@ -1133,7 +1133,7 @@
           <a:p>
             <a:fld id="{49E7498B-9F14-48C5-AAF5-4E8EF0102B92}" type="datetimeFigureOut">
               <a:rPr lang="en-US" smtClean="0"/>
-              <a:t>4/16/2021</a:t>
+              <a:t>5/27/2021</a:t>
             </a:fld>
             <a:endParaRPr lang="en-US"/>
           </a:p>
@@ -1331,7 +1331,7 @@
           <a:p>
             <a:fld id="{49E7498B-9F14-48C5-AAF5-4E8EF0102B92}" type="datetimeFigureOut">
               <a:rPr lang="en-US" smtClean="0"/>
-              <a:t>4/16/2021</a:t>
+              <a:t>5/27/2021</a:t>
             </a:fld>
             <a:endParaRPr lang="en-US"/>
           </a:p>
@@ -1606,7 +1606,7 @@
           <a:p>
             <a:fld id="{49E7498B-9F14-48C5-AAF5-4E8EF0102B92}" type="datetimeFigureOut">
               <a:rPr lang="en-US" smtClean="0"/>
-              <a:t>4/16/2021</a:t>
+              <a:t>5/27/2021</a:t>
             </a:fld>
             <a:endParaRPr lang="en-US"/>
           </a:p>
@@ -1871,7 +1871,7 @@
           <a:p>
             <a:fld id="{49E7498B-9F14-48C5-AAF5-4E8EF0102B92}" type="datetimeFigureOut">
               <a:rPr lang="en-US" smtClean="0"/>
-              <a:t>4/16/2021</a:t>
+              <a:t>5/27/2021</a:t>
             </a:fld>
             <a:endParaRPr lang="en-US"/>
           </a:p>
@@ -2283,7 +2283,7 @@
           <a:p>
             <a:fld id="{49E7498B-9F14-48C5-AAF5-4E8EF0102B92}" type="datetimeFigureOut">
               <a:rPr lang="en-US" smtClean="0"/>
-              <a:t>4/16/2021</a:t>
+              <a:t>5/27/2021</a:t>
             </a:fld>
             <a:endParaRPr lang="en-US"/>
           </a:p>
@@ -2424,7 +2424,7 @@
           <a:p>
             <a:fld id="{49E7498B-9F14-48C5-AAF5-4E8EF0102B92}" type="datetimeFigureOut">
               <a:rPr lang="en-US" smtClean="0"/>
-              <a:t>4/16/2021</a:t>
+              <a:t>5/27/2021</a:t>
             </a:fld>
             <a:endParaRPr lang="en-US"/>
           </a:p>
@@ -2537,7 +2537,7 @@
           <a:p>
             <a:fld id="{49E7498B-9F14-48C5-AAF5-4E8EF0102B92}" type="datetimeFigureOut">
               <a:rPr lang="en-US" smtClean="0"/>
-              <a:t>4/16/2021</a:t>
+              <a:t>5/27/2021</a:t>
             </a:fld>
             <a:endParaRPr lang="en-US"/>
           </a:p>
@@ -2848,7 +2848,7 @@
           <a:p>
             <a:fld id="{49E7498B-9F14-48C5-AAF5-4E8EF0102B92}" type="datetimeFigureOut">
               <a:rPr lang="en-US" smtClean="0"/>
-              <a:t>4/16/2021</a:t>
+              <a:t>5/27/2021</a:t>
             </a:fld>
             <a:endParaRPr lang="en-US"/>
           </a:p>
@@ -3136,7 +3136,7 @@
           <a:p>
             <a:fld id="{49E7498B-9F14-48C5-AAF5-4E8EF0102B92}" type="datetimeFigureOut">
               <a:rPr lang="en-US" smtClean="0"/>
-              <a:t>4/16/2021</a:t>
+              <a:t>5/27/2021</a:t>
             </a:fld>
             <a:endParaRPr lang="en-US"/>
           </a:p>
@@ -3377,7 +3377,7 @@
           <a:p>
             <a:fld id="{49E7498B-9F14-48C5-AAF5-4E8EF0102B92}" type="datetimeFigureOut">
               <a:rPr lang="en-US" smtClean="0"/>
-              <a:t>4/16/2021</a:t>
+              <a:t>5/27/2021</a:t>
             </a:fld>
             <a:endParaRPr lang="en-US"/>
           </a:p>
@@ -4435,8 +4435,8 @@
         </p:nvSpPr>
         <p:spPr>
           <a:xfrm>
-            <a:off x="4725513" y="3775014"/>
-            <a:ext cx="2740975" cy="1208842"/>
+            <a:off x="4725515" y="3615647"/>
+            <a:ext cx="2740976" cy="1549360"/>
           </a:xfrm>
           <a:prstGeom prst="roundRect">
             <a:avLst/>
@@ -4473,7 +4473,28 @@
             </a:r>
           </a:p>
           <a:p>
-            <a:endParaRPr lang="en-US" dirty="0"/>
+            <a:pPr algn="ctr"/>
+            <a:r>
+              <a:rPr lang="en-US" sz="900" b="1" dirty="0">
+                <a:ln w="6350">
+                  <a:noFill/>
+                </a:ln>
+                <a:solidFill>
+                  <a:schemeClr val="bg1"/>
+                </a:solidFill>
+              </a:rPr>
+              <a:t>Bathing suit or swimmers required</a:t>
+            </a:r>
+          </a:p>
+          <a:p>
+            <a:endParaRPr lang="en-US" sz="1000" b="1" dirty="0">
+              <a:ln w="6350">
+                <a:noFill/>
+              </a:ln>
+              <a:solidFill>
+                <a:schemeClr val="bg1"/>
+              </a:solidFill>
+            </a:endParaRPr>
           </a:p>
           <a:p>
             <a:r>
@@ -4485,7 +4506,20 @@
                   <a:schemeClr val="bg1"/>
                 </a:solidFill>
               </a:rPr>
-              <a:t>Day Pass		$2.00</a:t>
+              <a:t>3 &amp; under	Free</a:t>
+            </a:r>
+          </a:p>
+          <a:p>
+            <a:r>
+              <a:rPr lang="en-US" b="1" dirty="0">
+                <a:ln w="6350">
+                  <a:noFill/>
+                </a:ln>
+                <a:solidFill>
+                  <a:schemeClr val="bg1"/>
+                </a:solidFill>
+              </a:rPr>
+              <a:t>4+		$2.00</a:t>
             </a:r>
           </a:p>
         </p:txBody>
@@ -4583,7 +4617,7 @@
         </p:nvSpPr>
         <p:spPr>
           <a:xfrm>
-            <a:off x="4725513" y="5181600"/>
+            <a:off x="4724631" y="5321379"/>
             <a:ext cx="2740975" cy="919401"/>
           </a:xfrm>
           <a:prstGeom prst="roundRect">
@@ -5917,21 +5951,6 @@
 </file>
 
 <file path=customXml/item1.xml><?xml version="1.0" encoding="utf-8"?>
-<p:properties xmlns:p="http://schemas.microsoft.com/office/2006/metadata/properties" xmlns:xsi="http://www.w3.org/2001/XMLSchema-instance" xmlns:pc="http://schemas.microsoft.com/office/infopath/2007/PartnerControls">
-  <documentManagement/>
-</p:properties>
-</file>
-
-<file path=customXml/item2.xml><?xml version="1.0" encoding="utf-8"?>
-<?mso-contentType ?>
-<FormTemplates xmlns="http://schemas.microsoft.com/sharepoint/v3/contenttype/forms">
-  <Display>DocumentLibraryForm</Display>
-  <Edit>DocumentLibraryForm</Edit>
-  <New>DocumentLibraryForm</New>
-</FormTemplates>
-</file>
-
-<file path=customXml/item3.xml><?xml version="1.0" encoding="utf-8"?>
 <ct:contentTypeSchema xmlns:ct="http://schemas.microsoft.com/office/2006/metadata/contentType" xmlns:ma="http://schemas.microsoft.com/office/2006/metadata/properties/metaAttributes" ct:_="" ma:_="" ma:contentTypeName="Document" ma:contentTypeID="0x01010082ABCAA059E43F47A9AFCB482DC6AC47" ma:contentTypeVersion="10" ma:contentTypeDescription="Create a new document." ma:contentTypeScope="" ma:versionID="ee4fdf880c2c6c900eb678cc6b8816ca">
   <xsd:schema xmlns:xsd="http://www.w3.org/2001/XMLSchema" xmlns:xs="http://www.w3.org/2001/XMLSchema" xmlns:p="http://schemas.microsoft.com/office/2006/metadata/properties" xmlns:ns2="7dc53969-87c1-47f4-aa26-5238efa64723" xmlns:ns3="a784e9d9-af81-40e0-bcdf-5192b7828892" targetNamespace="http://schemas.microsoft.com/office/2006/metadata/properties" ma:root="true" ma:fieldsID="3dfbb87ab24caf4f4e0165d589b9acf4" ns2:_="" ns3:_="">
     <xsd:import namespace="7dc53969-87c1-47f4-aa26-5238efa64723"/>
@@ -6134,32 +6153,22 @@
 </ct:contentTypeSchema>
 </file>
 
-<file path=customXml/itemProps1.xml><?xml version="1.0" encoding="utf-8"?>
-<ds:datastoreItem xmlns:ds="http://schemas.openxmlformats.org/officeDocument/2006/customXml" ds:itemID="{2E9FC0A7-A809-406C-A6BE-8DB8AF5BB164}">
-  <ds:schemaRefs>
-    <ds:schemaRef ds:uri="http://schemas.microsoft.com/office/2006/metadata/properties"/>
-    <ds:schemaRef ds:uri="http://www.w3.org/XML/1998/namespace"/>
-    <ds:schemaRef ds:uri="http://purl.org/dc/elements/1.1/"/>
-    <ds:schemaRef ds:uri="http://schemas.microsoft.com/office/2006/documentManagement/types"/>
-    <ds:schemaRef ds:uri="http://purl.org/dc/dcmitype/"/>
-    <ds:schemaRef ds:uri="a784e9d9-af81-40e0-bcdf-5192b7828892"/>
-    <ds:schemaRef ds:uri="http://schemas.openxmlformats.org/package/2006/metadata/core-properties"/>
-    <ds:schemaRef ds:uri="http://schemas.microsoft.com/office/infopath/2007/PartnerControls"/>
-    <ds:schemaRef ds:uri="7dc53969-87c1-47f4-aa26-5238efa64723"/>
-    <ds:schemaRef ds:uri="http://purl.org/dc/terms/"/>
-  </ds:schemaRefs>
-</ds:datastoreItem>
+<file path=customXml/item2.xml><?xml version="1.0" encoding="utf-8"?>
+<?mso-contentType ?>
+<FormTemplates xmlns="http://schemas.microsoft.com/sharepoint/v3/contenttype/forms">
+  <Display>DocumentLibraryForm</Display>
+  <Edit>DocumentLibraryForm</Edit>
+  <New>DocumentLibraryForm</New>
+</FormTemplates>
 </file>
 
-<file path=customXml/itemProps2.xml><?xml version="1.0" encoding="utf-8"?>
-<ds:datastoreItem xmlns:ds="http://schemas.openxmlformats.org/officeDocument/2006/customXml" ds:itemID="{87F7126F-21B7-4D38-9F96-AE6EDF8B513A}">
-  <ds:schemaRefs>
-    <ds:schemaRef ds:uri="http://schemas.microsoft.com/sharepoint/v3/contenttype/forms"/>
-  </ds:schemaRefs>
-</ds:datastoreItem>
+<file path=customXml/item3.xml><?xml version="1.0" encoding="utf-8"?>
+<p:properties xmlns:p="http://schemas.microsoft.com/office/2006/metadata/properties" xmlns:xsi="http://www.w3.org/2001/XMLSchema-instance" xmlns:pc="http://schemas.microsoft.com/office/infopath/2007/PartnerControls">
+  <documentManagement/>
+</p:properties>
 </file>
 
-<file path=customXml/itemProps3.xml><?xml version="1.0" encoding="utf-8"?>
+<file path=customXml/itemProps1.xml><?xml version="1.0" encoding="utf-8"?>
 <ds:datastoreItem xmlns:ds="http://schemas.openxmlformats.org/officeDocument/2006/customXml" ds:itemID="{B1A29CEA-ACE7-41EF-A792-8C88F9008E6C}">
   <ds:schemaRefs>
     <ds:schemaRef ds:uri="http://schemas.microsoft.com/office/2006/metadata/contentType"/>
@@ -6176,4 +6185,29 @@
     <ds:schemaRef ds:uri="http://schemas.microsoft.com/internal/obd"/>
   </ds:schemaRefs>
 </ds:datastoreItem>
+</file>
+
+<file path=customXml/itemProps2.xml><?xml version="1.0" encoding="utf-8"?>
+<ds:datastoreItem xmlns:ds="http://schemas.openxmlformats.org/officeDocument/2006/customXml" ds:itemID="{87F7126F-21B7-4D38-9F96-AE6EDF8B513A}">
+  <ds:schemaRefs>
+    <ds:schemaRef ds:uri="http://schemas.microsoft.com/sharepoint/v3/contenttype/forms"/>
+  </ds:schemaRefs>
+</ds:datastoreItem>
+</file>
+
+<file path=customXml/itemProps3.xml><?xml version="1.0" encoding="utf-8"?>
+<ds:datastoreItem xmlns:ds="http://schemas.openxmlformats.org/officeDocument/2006/customXml" ds:itemID="{2E9FC0A7-A809-406C-A6BE-8DB8AF5BB164}">
+  <ds:schemaRefs>
+    <ds:schemaRef ds:uri="http://schemas.microsoft.com/office/2006/metadata/properties"/>
+    <ds:schemaRef ds:uri="http://www.w3.org/XML/1998/namespace"/>
+    <ds:schemaRef ds:uri="http://purl.org/dc/elements/1.1/"/>
+    <ds:schemaRef ds:uri="http://schemas.microsoft.com/office/2006/documentManagement/types"/>
+    <ds:schemaRef ds:uri="http://purl.org/dc/dcmitype/"/>
+    <ds:schemaRef ds:uri="a784e9d9-af81-40e0-bcdf-5192b7828892"/>
+    <ds:schemaRef ds:uri="http://schemas.openxmlformats.org/package/2006/metadata/core-properties"/>
+    <ds:schemaRef ds:uri="http://schemas.microsoft.com/office/infopath/2007/PartnerControls"/>
+    <ds:schemaRef ds:uri="7dc53969-87c1-47f4-aa26-5238efa64723"/>
+    <ds:schemaRef ds:uri="http://purl.org/dc/terms/"/>
+  </ds:schemaRefs>
+</ds:datastoreItem>
 </file>
--- a/Assets/Menu/Menu.pptx
+++ b/Assets/Menu/Menu.pptx
@@ -254,6 +254,11 @@
       </a:defRPr>
     </a:lvl9pPr>
   </p:defaultTextStyle>
+  <p:extLst>
+    <p:ext uri="{EFAFB233-063F-42B5-8137-9DF3F51BA10A}">
+      <p15:sldGuideLst xmlns:p15="http://schemas.microsoft.com/office/powerpoint/2012/main"/>
+    </p:ext>
+  </p:extLst>
 </p:presentation>
 </file>
 
@@ -10766,7 +10771,19 @@
                 <a:cs typeface="Calibri"/>
                 <a:sym typeface="Calibri"/>
               </a:rPr>
-              <a:t>4+		$2.00</a:t>
+              <a:t>4+	</a:t>
+            </a:r>
+            <a:r>
+              <a:rPr lang="en-US" sz="2700" b="1">
+                <a:solidFill>
+                  <a:schemeClr val="lt1"/>
+                </a:solidFill>
+                <a:latin typeface="Calibri"/>
+                <a:ea typeface="Calibri"/>
+                <a:cs typeface="Calibri"/>
+                <a:sym typeface="Calibri"/>
+              </a:rPr>
+              <a:t>	$3.00</a:t>
             </a:r>
             <a:endParaRPr sz="3150" dirty="0">
               <a:latin typeface="Calibri"/>

--- a/Assets/Menu/Menu.pptx
+++ b/Assets/Menu/Menu.pptx
@@ -22,7 +22,8 @@
     </p:embeddedFont>
     <p:embeddedFont>
       <p:font typeface="Corben" panose="020B0604020202020204" charset="0"/>
-      <p:bold r:id="rId8"/>
+      <p:regular r:id="rId8"/>
+      <p:bold r:id="rId9"/>
     </p:embeddedFont>
   </p:embeddedFontLst>
   <p:defaultTextStyle>
@@ -976,7 +977,7 @@
         </p:nvSpPr>
         <p:spPr>
           <a:xfrm>
-            <a:off x="2286000" y="5403058"/>
+            <a:off x="2286000" y="5403057"/>
             <a:ext cx="13716000" cy="2483643"/>
           </a:xfrm>
           <a:prstGeom prst="rect">
@@ -1296,8 +1297,8 @@
         </p:nvSpPr>
         <p:spPr>
           <a:xfrm>
-            <a:off x="6057903" y="9534526"/>
-            <a:ext cx="6172201" cy="547688"/>
+            <a:off x="6057900" y="9534526"/>
+            <a:ext cx="6172200" cy="547688"/>
           </a:xfrm>
           <a:prstGeom prst="rect">
             <a:avLst/>
@@ -1429,7 +1430,726 @@
         </p:nvSpPr>
         <p:spPr>
           <a:xfrm>
-            <a:off x="12915901" y="9534526"/>
+            <a:off x="12915900" y="9534526"/>
+            <a:ext cx="4114800" cy="547688"/>
+          </a:xfrm>
+          <a:prstGeom prst="rect">
+            <a:avLst/>
+          </a:prstGeom>
+          <a:noFill/>
+          <a:ln>
+            <a:noFill/>
+          </a:ln>
+        </p:spPr>
+        <p:txBody>
+          <a:bodyPr spcFirstLastPara="1" wrap="square" lIns="91425" tIns="45700" rIns="91425" bIns="45700" anchor="ctr" anchorCtr="0">
+            <a:noAutofit/>
+          </a:bodyPr>
+          <a:lstStyle>
+            <a:lvl1pPr marL="0" lvl="0" indent="0" algn="r">
+              <a:spcBef>
+                <a:spcPts val="0"/>
+              </a:spcBef>
+              <a:buNone/>
+              <a:defRPr/>
+            </a:lvl1pPr>
+            <a:lvl2pPr marL="0" lvl="1" indent="0" algn="r">
+              <a:spcBef>
+                <a:spcPts val="0"/>
+              </a:spcBef>
+              <a:buNone/>
+              <a:defRPr/>
+            </a:lvl2pPr>
+            <a:lvl3pPr marL="0" lvl="2" indent="0" algn="r">
+              <a:spcBef>
+                <a:spcPts val="0"/>
+              </a:spcBef>
+              <a:buNone/>
+              <a:defRPr/>
+            </a:lvl3pPr>
+            <a:lvl4pPr marL="0" lvl="3" indent="0" algn="r">
+              <a:spcBef>
+                <a:spcPts val="0"/>
+              </a:spcBef>
+              <a:buNone/>
+              <a:defRPr/>
+            </a:lvl4pPr>
+            <a:lvl5pPr marL="0" lvl="4" indent="0" algn="r">
+              <a:spcBef>
+                <a:spcPts val="0"/>
+              </a:spcBef>
+              <a:buNone/>
+              <a:defRPr/>
+            </a:lvl5pPr>
+            <a:lvl6pPr marL="0" lvl="5" indent="0" algn="r">
+              <a:spcBef>
+                <a:spcPts val="0"/>
+              </a:spcBef>
+              <a:buNone/>
+              <a:defRPr/>
+            </a:lvl6pPr>
+            <a:lvl7pPr marL="0" lvl="6" indent="0" algn="r">
+              <a:spcBef>
+                <a:spcPts val="0"/>
+              </a:spcBef>
+              <a:buNone/>
+              <a:defRPr/>
+            </a:lvl7pPr>
+            <a:lvl8pPr marL="0" lvl="7" indent="0" algn="r">
+              <a:spcBef>
+                <a:spcPts val="0"/>
+              </a:spcBef>
+              <a:buNone/>
+              <a:defRPr/>
+            </a:lvl8pPr>
+            <a:lvl9pPr marL="0" lvl="8" indent="0" algn="r">
+              <a:spcBef>
+                <a:spcPts val="0"/>
+              </a:spcBef>
+              <a:buNone/>
+              <a:defRPr/>
+            </a:lvl9pPr>
+          </a:lstStyle>
+          <a:p>
+            <a:fld id="{00000000-1234-1234-1234-123412341234}" type="slidenum">
+              <a:rPr lang="en-US" smtClean="0"/>
+              <a:pPr/>
+              <a:t>‹#›</a:t>
+            </a:fld>
+            <a:endParaRPr lang="en-US"/>
+          </a:p>
+        </p:txBody>
+      </p:sp>
+    </p:spTree>
+  </p:cSld>
+  <p:clrMapOvr>
+    <a:masterClrMapping/>
+  </p:clrMapOvr>
+</p:sldLayout>
+</file>
+
+<file path=ppt/slideLayouts/slideLayout10.xml><?xml version="1.0" encoding="utf-8"?>
+<p:sldLayout xmlns:a="http://schemas.openxmlformats.org/drawingml/2006/main" xmlns:r="http://schemas.openxmlformats.org/officeDocument/2006/relationships" xmlns:p="http://schemas.openxmlformats.org/presentationml/2006/main" matchingName="Vertical Title and Text" type="vertTitleAndTx">
+  <p:cSld name="VERTICAL_TITLE_AND_VERTICAL_TEXT">
+    <p:spTree>
+      <p:nvGrpSpPr>
+        <p:cNvPr id="1" name="Shape 74"/>
+        <p:cNvGrpSpPr/>
+        <p:nvPr/>
+      </p:nvGrpSpPr>
+      <p:grpSpPr>
+        <a:xfrm>
+          <a:off x="0" y="0"/>
+          <a:ext cx="0" cy="0"/>
+          <a:chOff x="0" y="0"/>
+          <a:chExt cx="0" cy="0"/>
+        </a:xfrm>
+      </p:grpSpPr>
+      <p:sp>
+        <p:nvSpPr>
+          <p:cNvPr id="75" name="Google Shape;75;p12"/>
+          <p:cNvSpPr txBox="1">
+            <a:spLocks noGrp="1"/>
+          </p:cNvSpPr>
+          <p:nvPr>
+            <p:ph type="title"/>
+          </p:nvPr>
+        </p:nvSpPr>
+        <p:spPr>
+          <a:xfrm rot="5400000">
+            <a:off x="10700147" y="2934891"/>
+            <a:ext cx="8717757" cy="3943350"/>
+          </a:xfrm>
+          <a:prstGeom prst="rect">
+            <a:avLst/>
+          </a:prstGeom>
+          <a:noFill/>
+          <a:ln>
+            <a:noFill/>
+          </a:ln>
+        </p:spPr>
+        <p:txBody>
+          <a:bodyPr spcFirstLastPara="1" wrap="square" lIns="91425" tIns="45700" rIns="91425" bIns="45700" anchor="ctr" anchorCtr="0">
+            <a:normAutofit/>
+          </a:bodyPr>
+          <a:lstStyle>
+            <a:lvl1pPr lvl="0" algn="l">
+              <a:lnSpc>
+                <a:spcPct val="90000"/>
+              </a:lnSpc>
+              <a:spcBef>
+                <a:spcPts val="0"/>
+              </a:spcBef>
+              <a:spcAft>
+                <a:spcPts val="0"/>
+              </a:spcAft>
+              <a:buClr>
+                <a:schemeClr val="dk1"/>
+              </a:buClr>
+              <a:buSzPts val="1800"/>
+              <a:buNone/>
+              <a:defRPr/>
+            </a:lvl1pPr>
+            <a:lvl2pPr lvl="1">
+              <a:spcBef>
+                <a:spcPts val="0"/>
+              </a:spcBef>
+              <a:spcAft>
+                <a:spcPts val="0"/>
+              </a:spcAft>
+              <a:buSzPts val="1400"/>
+              <a:buNone/>
+              <a:defRPr/>
+            </a:lvl2pPr>
+            <a:lvl3pPr lvl="2">
+              <a:spcBef>
+                <a:spcPts val="0"/>
+              </a:spcBef>
+              <a:spcAft>
+                <a:spcPts val="0"/>
+              </a:spcAft>
+              <a:buSzPts val="1400"/>
+              <a:buNone/>
+              <a:defRPr/>
+            </a:lvl3pPr>
+            <a:lvl4pPr lvl="3">
+              <a:spcBef>
+                <a:spcPts val="0"/>
+              </a:spcBef>
+              <a:spcAft>
+                <a:spcPts val="0"/>
+              </a:spcAft>
+              <a:buSzPts val="1400"/>
+              <a:buNone/>
+              <a:defRPr/>
+            </a:lvl4pPr>
+            <a:lvl5pPr lvl="4">
+              <a:spcBef>
+                <a:spcPts val="0"/>
+              </a:spcBef>
+              <a:spcAft>
+                <a:spcPts val="0"/>
+              </a:spcAft>
+              <a:buSzPts val="1400"/>
+              <a:buNone/>
+              <a:defRPr/>
+            </a:lvl5pPr>
+            <a:lvl6pPr lvl="5">
+              <a:spcBef>
+                <a:spcPts val="0"/>
+              </a:spcBef>
+              <a:spcAft>
+                <a:spcPts val="0"/>
+              </a:spcAft>
+              <a:buSzPts val="1400"/>
+              <a:buNone/>
+              <a:defRPr/>
+            </a:lvl6pPr>
+            <a:lvl7pPr lvl="6">
+              <a:spcBef>
+                <a:spcPts val="0"/>
+              </a:spcBef>
+              <a:spcAft>
+                <a:spcPts val="0"/>
+              </a:spcAft>
+              <a:buSzPts val="1400"/>
+              <a:buNone/>
+              <a:defRPr/>
+            </a:lvl7pPr>
+            <a:lvl8pPr lvl="7">
+              <a:spcBef>
+                <a:spcPts val="0"/>
+              </a:spcBef>
+              <a:spcAft>
+                <a:spcPts val="0"/>
+              </a:spcAft>
+              <a:buSzPts val="1400"/>
+              <a:buNone/>
+              <a:defRPr/>
+            </a:lvl8pPr>
+            <a:lvl9pPr lvl="8">
+              <a:spcBef>
+                <a:spcPts val="0"/>
+              </a:spcBef>
+              <a:spcAft>
+                <a:spcPts val="0"/>
+              </a:spcAft>
+              <a:buSzPts val="1400"/>
+              <a:buNone/>
+              <a:defRPr/>
+            </a:lvl9pPr>
+          </a:lstStyle>
+          <a:p>
+            <a:endParaRPr/>
+          </a:p>
+        </p:txBody>
+      </p:sp>
+      <p:sp>
+        <p:nvSpPr>
+          <p:cNvPr id="76" name="Google Shape;76;p12"/>
+          <p:cNvSpPr txBox="1">
+            <a:spLocks noGrp="1"/>
+          </p:cNvSpPr>
+          <p:nvPr>
+            <p:ph type="body" idx="1"/>
+          </p:nvPr>
+        </p:nvSpPr>
+        <p:spPr>
+          <a:xfrm rot="5400000">
+            <a:off x="2699147" y="-894159"/>
+            <a:ext cx="8717757" cy="11601450"/>
+          </a:xfrm>
+          <a:prstGeom prst="rect">
+            <a:avLst/>
+          </a:prstGeom>
+          <a:noFill/>
+          <a:ln>
+            <a:noFill/>
+          </a:ln>
+        </p:spPr>
+        <p:txBody>
+          <a:bodyPr spcFirstLastPara="1" wrap="square" lIns="91425" tIns="45700" rIns="91425" bIns="45700" anchor="t" anchorCtr="0">
+            <a:normAutofit/>
+          </a:bodyPr>
+          <a:lstStyle>
+            <a:lvl1pPr marL="685800" lvl="0" indent="-514350" algn="l">
+              <a:lnSpc>
+                <a:spcPct val="90000"/>
+              </a:lnSpc>
+              <a:spcBef>
+                <a:spcPts val="1500"/>
+              </a:spcBef>
+              <a:spcAft>
+                <a:spcPts val="0"/>
+              </a:spcAft>
+              <a:buClr>
+                <a:schemeClr val="dk1"/>
+              </a:buClr>
+              <a:buSzPts val="1800"/>
+              <a:buChar char="•"/>
+              <a:defRPr/>
+            </a:lvl1pPr>
+            <a:lvl2pPr marL="1371600" lvl="1" indent="-514350" algn="l">
+              <a:lnSpc>
+                <a:spcPct val="90000"/>
+              </a:lnSpc>
+              <a:spcBef>
+                <a:spcPts val="750"/>
+              </a:spcBef>
+              <a:spcAft>
+                <a:spcPts val="0"/>
+              </a:spcAft>
+              <a:buClr>
+                <a:schemeClr val="dk1"/>
+              </a:buClr>
+              <a:buSzPts val="1800"/>
+              <a:buChar char="•"/>
+              <a:defRPr/>
+            </a:lvl2pPr>
+            <a:lvl3pPr marL="2057400" lvl="2" indent="-514350" algn="l">
+              <a:lnSpc>
+                <a:spcPct val="90000"/>
+              </a:lnSpc>
+              <a:spcBef>
+                <a:spcPts val="750"/>
+              </a:spcBef>
+              <a:spcAft>
+                <a:spcPts val="0"/>
+              </a:spcAft>
+              <a:buClr>
+                <a:schemeClr val="dk1"/>
+              </a:buClr>
+              <a:buSzPts val="1800"/>
+              <a:buChar char="•"/>
+              <a:defRPr/>
+            </a:lvl3pPr>
+            <a:lvl4pPr marL="2743200" lvl="3" indent="-514350" algn="l">
+              <a:lnSpc>
+                <a:spcPct val="90000"/>
+              </a:lnSpc>
+              <a:spcBef>
+                <a:spcPts val="750"/>
+              </a:spcBef>
+              <a:spcAft>
+                <a:spcPts val="0"/>
+              </a:spcAft>
+              <a:buClr>
+                <a:schemeClr val="dk1"/>
+              </a:buClr>
+              <a:buSzPts val="1800"/>
+              <a:buChar char="•"/>
+              <a:defRPr/>
+            </a:lvl4pPr>
+            <a:lvl5pPr marL="3429000" lvl="4" indent="-514350" algn="l">
+              <a:lnSpc>
+                <a:spcPct val="90000"/>
+              </a:lnSpc>
+              <a:spcBef>
+                <a:spcPts val="750"/>
+              </a:spcBef>
+              <a:spcAft>
+                <a:spcPts val="0"/>
+              </a:spcAft>
+              <a:buClr>
+                <a:schemeClr val="dk1"/>
+              </a:buClr>
+              <a:buSzPts val="1800"/>
+              <a:buChar char="•"/>
+              <a:defRPr/>
+            </a:lvl5pPr>
+            <a:lvl6pPr marL="4114800" lvl="5" indent="-514350" algn="l">
+              <a:lnSpc>
+                <a:spcPct val="90000"/>
+              </a:lnSpc>
+              <a:spcBef>
+                <a:spcPts val="750"/>
+              </a:spcBef>
+              <a:spcAft>
+                <a:spcPts val="0"/>
+              </a:spcAft>
+              <a:buClr>
+                <a:schemeClr val="dk1"/>
+              </a:buClr>
+              <a:buSzPts val="1800"/>
+              <a:buChar char="•"/>
+              <a:defRPr/>
+            </a:lvl6pPr>
+            <a:lvl7pPr marL="4800600" lvl="6" indent="-514350" algn="l">
+              <a:lnSpc>
+                <a:spcPct val="90000"/>
+              </a:lnSpc>
+              <a:spcBef>
+                <a:spcPts val="750"/>
+              </a:spcBef>
+              <a:spcAft>
+                <a:spcPts val="0"/>
+              </a:spcAft>
+              <a:buClr>
+                <a:schemeClr val="dk1"/>
+              </a:buClr>
+              <a:buSzPts val="1800"/>
+              <a:buChar char="•"/>
+              <a:defRPr/>
+            </a:lvl7pPr>
+            <a:lvl8pPr marL="5486400" lvl="7" indent="-514350" algn="l">
+              <a:lnSpc>
+                <a:spcPct val="90000"/>
+              </a:lnSpc>
+              <a:spcBef>
+                <a:spcPts val="750"/>
+              </a:spcBef>
+              <a:spcAft>
+                <a:spcPts val="0"/>
+              </a:spcAft>
+              <a:buClr>
+                <a:schemeClr val="dk1"/>
+              </a:buClr>
+              <a:buSzPts val="1800"/>
+              <a:buChar char="•"/>
+              <a:defRPr/>
+            </a:lvl8pPr>
+            <a:lvl9pPr marL="6172200" lvl="8" indent="-514350" algn="l">
+              <a:lnSpc>
+                <a:spcPct val="90000"/>
+              </a:lnSpc>
+              <a:spcBef>
+                <a:spcPts val="750"/>
+              </a:spcBef>
+              <a:spcAft>
+                <a:spcPts val="0"/>
+              </a:spcAft>
+              <a:buClr>
+                <a:schemeClr val="dk1"/>
+              </a:buClr>
+              <a:buSzPts val="1800"/>
+              <a:buChar char="•"/>
+              <a:defRPr/>
+            </a:lvl9pPr>
+          </a:lstStyle>
+          <a:p>
+            <a:endParaRPr/>
+          </a:p>
+        </p:txBody>
+      </p:sp>
+      <p:sp>
+        <p:nvSpPr>
+          <p:cNvPr id="77" name="Google Shape;77;p12"/>
+          <p:cNvSpPr txBox="1">
+            <a:spLocks noGrp="1"/>
+          </p:cNvSpPr>
+          <p:nvPr>
+            <p:ph type="dt" idx="10"/>
+          </p:nvPr>
+        </p:nvSpPr>
+        <p:spPr>
+          <a:xfrm>
+            <a:off x="1257300" y="9534526"/>
+            <a:ext cx="4114800" cy="547688"/>
+          </a:xfrm>
+          <a:prstGeom prst="rect">
+            <a:avLst/>
+          </a:prstGeom>
+          <a:noFill/>
+          <a:ln>
+            <a:noFill/>
+          </a:ln>
+        </p:spPr>
+        <p:txBody>
+          <a:bodyPr spcFirstLastPara="1" wrap="square" lIns="91425" tIns="45700" rIns="91425" bIns="45700" anchor="ctr" anchorCtr="0">
+            <a:noAutofit/>
+          </a:bodyPr>
+          <a:lstStyle>
+            <a:lvl1pPr lvl="0" algn="l">
+              <a:spcBef>
+                <a:spcPts val="0"/>
+              </a:spcBef>
+              <a:spcAft>
+                <a:spcPts val="0"/>
+              </a:spcAft>
+              <a:buSzPts val="1400"/>
+              <a:buNone/>
+              <a:defRPr/>
+            </a:lvl1pPr>
+            <a:lvl2pPr lvl="1" algn="l">
+              <a:spcBef>
+                <a:spcPts val="0"/>
+              </a:spcBef>
+              <a:spcAft>
+                <a:spcPts val="0"/>
+              </a:spcAft>
+              <a:buSzPts val="1400"/>
+              <a:buNone/>
+              <a:defRPr/>
+            </a:lvl2pPr>
+            <a:lvl3pPr lvl="2" algn="l">
+              <a:spcBef>
+                <a:spcPts val="0"/>
+              </a:spcBef>
+              <a:spcAft>
+                <a:spcPts val="0"/>
+              </a:spcAft>
+              <a:buSzPts val="1400"/>
+              <a:buNone/>
+              <a:defRPr/>
+            </a:lvl3pPr>
+            <a:lvl4pPr lvl="3" algn="l">
+              <a:spcBef>
+                <a:spcPts val="0"/>
+              </a:spcBef>
+              <a:spcAft>
+                <a:spcPts val="0"/>
+              </a:spcAft>
+              <a:buSzPts val="1400"/>
+              <a:buNone/>
+              <a:defRPr/>
+            </a:lvl4pPr>
+            <a:lvl5pPr lvl="4" algn="l">
+              <a:spcBef>
+                <a:spcPts val="0"/>
+              </a:spcBef>
+              <a:spcAft>
+                <a:spcPts val="0"/>
+              </a:spcAft>
+              <a:buSzPts val="1400"/>
+              <a:buNone/>
+              <a:defRPr/>
+            </a:lvl5pPr>
+            <a:lvl6pPr lvl="5" algn="l">
+              <a:spcBef>
+                <a:spcPts val="0"/>
+              </a:spcBef>
+              <a:spcAft>
+                <a:spcPts val="0"/>
+              </a:spcAft>
+              <a:buSzPts val="1400"/>
+              <a:buNone/>
+              <a:defRPr/>
+            </a:lvl6pPr>
+            <a:lvl7pPr lvl="6" algn="l">
+              <a:spcBef>
+                <a:spcPts val="0"/>
+              </a:spcBef>
+              <a:spcAft>
+                <a:spcPts val="0"/>
+              </a:spcAft>
+              <a:buSzPts val="1400"/>
+              <a:buNone/>
+              <a:defRPr/>
+            </a:lvl7pPr>
+            <a:lvl8pPr lvl="7" algn="l">
+              <a:spcBef>
+                <a:spcPts val="0"/>
+              </a:spcBef>
+              <a:spcAft>
+                <a:spcPts val="0"/>
+              </a:spcAft>
+              <a:buSzPts val="1400"/>
+              <a:buNone/>
+              <a:defRPr/>
+            </a:lvl8pPr>
+            <a:lvl9pPr lvl="8" algn="l">
+              <a:spcBef>
+                <a:spcPts val="0"/>
+              </a:spcBef>
+              <a:spcAft>
+                <a:spcPts val="0"/>
+              </a:spcAft>
+              <a:buSzPts val="1400"/>
+              <a:buNone/>
+              <a:defRPr/>
+            </a:lvl9pPr>
+          </a:lstStyle>
+          <a:p>
+            <a:endParaRPr/>
+          </a:p>
+        </p:txBody>
+      </p:sp>
+      <p:sp>
+        <p:nvSpPr>
+          <p:cNvPr id="78" name="Google Shape;78;p12"/>
+          <p:cNvSpPr txBox="1">
+            <a:spLocks noGrp="1"/>
+          </p:cNvSpPr>
+          <p:nvPr>
+            <p:ph type="ftr" idx="11"/>
+          </p:nvPr>
+        </p:nvSpPr>
+        <p:spPr>
+          <a:xfrm>
+            <a:off x="6057900" y="9534526"/>
+            <a:ext cx="6172200" cy="547688"/>
+          </a:xfrm>
+          <a:prstGeom prst="rect">
+            <a:avLst/>
+          </a:prstGeom>
+          <a:noFill/>
+          <a:ln>
+            <a:noFill/>
+          </a:ln>
+        </p:spPr>
+        <p:txBody>
+          <a:bodyPr spcFirstLastPara="1" wrap="square" lIns="91425" tIns="45700" rIns="91425" bIns="45700" anchor="ctr" anchorCtr="0">
+            <a:noAutofit/>
+          </a:bodyPr>
+          <a:lstStyle>
+            <a:lvl1pPr lvl="0" algn="ctr">
+              <a:spcBef>
+                <a:spcPts val="0"/>
+              </a:spcBef>
+              <a:spcAft>
+                <a:spcPts val="0"/>
+              </a:spcAft>
+              <a:buSzPts val="1400"/>
+              <a:buNone/>
+              <a:defRPr/>
+            </a:lvl1pPr>
+            <a:lvl2pPr lvl="1" algn="l">
+              <a:spcBef>
+                <a:spcPts val="0"/>
+              </a:spcBef>
+              <a:spcAft>
+                <a:spcPts val="0"/>
+              </a:spcAft>
+              <a:buSzPts val="1400"/>
+              <a:buNone/>
+              <a:defRPr/>
+            </a:lvl2pPr>
+            <a:lvl3pPr lvl="2" algn="l">
+              <a:spcBef>
+                <a:spcPts val="0"/>
+              </a:spcBef>
+              <a:spcAft>
+                <a:spcPts val="0"/>
+              </a:spcAft>
+              <a:buSzPts val="1400"/>
+              <a:buNone/>
+              <a:defRPr/>
+            </a:lvl3pPr>
+            <a:lvl4pPr lvl="3" algn="l">
+              <a:spcBef>
+                <a:spcPts val="0"/>
+              </a:spcBef>
+              <a:spcAft>
+                <a:spcPts val="0"/>
+              </a:spcAft>
+              <a:buSzPts val="1400"/>
+              <a:buNone/>
+              <a:defRPr/>
+            </a:lvl4pPr>
+            <a:lvl5pPr lvl="4" algn="l">
+              <a:spcBef>
+                <a:spcPts val="0"/>
+              </a:spcBef>
+              <a:spcAft>
+                <a:spcPts val="0"/>
+              </a:spcAft>
+              <a:buSzPts val="1400"/>
+              <a:buNone/>
+              <a:defRPr/>
+            </a:lvl5pPr>
+            <a:lvl6pPr lvl="5" algn="l">
+              <a:spcBef>
+                <a:spcPts val="0"/>
+              </a:spcBef>
+              <a:spcAft>
+                <a:spcPts val="0"/>
+              </a:spcAft>
+              <a:buSzPts val="1400"/>
+              <a:buNone/>
+              <a:defRPr/>
+            </a:lvl6pPr>
+            <a:lvl7pPr lvl="6" algn="l">
+              <a:spcBef>
+                <a:spcPts val="0"/>
+              </a:spcBef>
+              <a:spcAft>
+                <a:spcPts val="0"/>
+              </a:spcAft>
+              <a:buSzPts val="1400"/>
+              <a:buNone/>
+              <a:defRPr/>
+            </a:lvl7pPr>
+            <a:lvl8pPr lvl="7" algn="l">
+              <a:spcBef>
+                <a:spcPts val="0"/>
+              </a:spcBef>
+              <a:spcAft>
+                <a:spcPts val="0"/>
+              </a:spcAft>
+              <a:buSzPts val="1400"/>
+              <a:buNone/>
+              <a:defRPr/>
+            </a:lvl8pPr>
+            <a:lvl9pPr lvl="8" algn="l">
+              <a:spcBef>
+                <a:spcPts val="0"/>
+              </a:spcBef>
+              <a:spcAft>
+                <a:spcPts val="0"/>
+              </a:spcAft>
+              <a:buSzPts val="1400"/>
+              <a:buNone/>
+              <a:defRPr/>
+            </a:lvl9pPr>
+          </a:lstStyle>
+          <a:p>
+            <a:endParaRPr/>
+          </a:p>
+        </p:txBody>
+      </p:sp>
+      <p:sp>
+        <p:nvSpPr>
+          <p:cNvPr id="79" name="Google Shape;79;p12"/>
+          <p:cNvSpPr txBox="1">
+            <a:spLocks noGrp="1"/>
+          </p:cNvSpPr>
+          <p:nvPr>
+            <p:ph type="sldNum" idx="12"/>
+          </p:nvPr>
+        </p:nvSpPr>
+        <p:spPr>
+          <a:xfrm>
+            <a:off x="12915900" y="9534526"/>
             <a:ext cx="4114800" cy="547688"/>
           </a:xfrm>
           <a:prstGeom prst="rect">
@@ -1528,6 +2248,725 @@
 </file>
 
 <file path=ppt/slideLayouts/slideLayout2.xml><?xml version="1.0" encoding="utf-8"?>
+<p:sldLayout xmlns:a="http://schemas.openxmlformats.org/drawingml/2006/main" xmlns:r="http://schemas.openxmlformats.org/officeDocument/2006/relationships" xmlns:p="http://schemas.openxmlformats.org/presentationml/2006/main" matchingName="Title and Content" type="obj">
+  <p:cSld name="OBJECT">
+    <p:spTree>
+      <p:nvGrpSpPr>
+        <p:cNvPr id="1" name="Shape 21"/>
+        <p:cNvGrpSpPr/>
+        <p:nvPr/>
+      </p:nvGrpSpPr>
+      <p:grpSpPr>
+        <a:xfrm>
+          <a:off x="0" y="0"/>
+          <a:ext cx="0" cy="0"/>
+          <a:chOff x="0" y="0"/>
+          <a:chExt cx="0" cy="0"/>
+        </a:xfrm>
+      </p:grpSpPr>
+      <p:sp>
+        <p:nvSpPr>
+          <p:cNvPr id="22" name="Google Shape;22;p4"/>
+          <p:cNvSpPr txBox="1">
+            <a:spLocks noGrp="1"/>
+          </p:cNvSpPr>
+          <p:nvPr>
+            <p:ph type="title"/>
+          </p:nvPr>
+        </p:nvSpPr>
+        <p:spPr>
+          <a:xfrm>
+            <a:off x="1257300" y="547688"/>
+            <a:ext cx="15773400" cy="1988345"/>
+          </a:xfrm>
+          <a:prstGeom prst="rect">
+            <a:avLst/>
+          </a:prstGeom>
+          <a:noFill/>
+          <a:ln>
+            <a:noFill/>
+          </a:ln>
+        </p:spPr>
+        <p:txBody>
+          <a:bodyPr spcFirstLastPara="1" wrap="square" lIns="91425" tIns="45700" rIns="91425" bIns="45700" anchor="ctr" anchorCtr="0">
+            <a:normAutofit/>
+          </a:bodyPr>
+          <a:lstStyle>
+            <a:lvl1pPr lvl="0" algn="l">
+              <a:lnSpc>
+                <a:spcPct val="90000"/>
+              </a:lnSpc>
+              <a:spcBef>
+                <a:spcPts val="0"/>
+              </a:spcBef>
+              <a:spcAft>
+                <a:spcPts val="0"/>
+              </a:spcAft>
+              <a:buClr>
+                <a:schemeClr val="dk1"/>
+              </a:buClr>
+              <a:buSzPts val="1800"/>
+              <a:buNone/>
+              <a:defRPr/>
+            </a:lvl1pPr>
+            <a:lvl2pPr lvl="1">
+              <a:spcBef>
+                <a:spcPts val="0"/>
+              </a:spcBef>
+              <a:spcAft>
+                <a:spcPts val="0"/>
+              </a:spcAft>
+              <a:buSzPts val="1400"/>
+              <a:buNone/>
+              <a:defRPr/>
+            </a:lvl2pPr>
+            <a:lvl3pPr lvl="2">
+              <a:spcBef>
+                <a:spcPts val="0"/>
+              </a:spcBef>
+              <a:spcAft>
+                <a:spcPts val="0"/>
+              </a:spcAft>
+              <a:buSzPts val="1400"/>
+              <a:buNone/>
+              <a:defRPr/>
+            </a:lvl3pPr>
+            <a:lvl4pPr lvl="3">
+              <a:spcBef>
+                <a:spcPts val="0"/>
+              </a:spcBef>
+              <a:spcAft>
+                <a:spcPts val="0"/>
+              </a:spcAft>
+              <a:buSzPts val="1400"/>
+              <a:buNone/>
+              <a:defRPr/>
+            </a:lvl4pPr>
+            <a:lvl5pPr lvl="4">
+              <a:spcBef>
+                <a:spcPts val="0"/>
+              </a:spcBef>
+              <a:spcAft>
+                <a:spcPts val="0"/>
+              </a:spcAft>
+              <a:buSzPts val="1400"/>
+              <a:buNone/>
+              <a:defRPr/>
+            </a:lvl5pPr>
+            <a:lvl6pPr lvl="5">
+              <a:spcBef>
+                <a:spcPts val="0"/>
+              </a:spcBef>
+              <a:spcAft>
+                <a:spcPts val="0"/>
+              </a:spcAft>
+              <a:buSzPts val="1400"/>
+              <a:buNone/>
+              <a:defRPr/>
+            </a:lvl6pPr>
+            <a:lvl7pPr lvl="6">
+              <a:spcBef>
+                <a:spcPts val="0"/>
+              </a:spcBef>
+              <a:spcAft>
+                <a:spcPts val="0"/>
+              </a:spcAft>
+              <a:buSzPts val="1400"/>
+              <a:buNone/>
+              <a:defRPr/>
+            </a:lvl7pPr>
+            <a:lvl8pPr lvl="7">
+              <a:spcBef>
+                <a:spcPts val="0"/>
+              </a:spcBef>
+              <a:spcAft>
+                <a:spcPts val="0"/>
+              </a:spcAft>
+              <a:buSzPts val="1400"/>
+              <a:buNone/>
+              <a:defRPr/>
+            </a:lvl8pPr>
+            <a:lvl9pPr lvl="8">
+              <a:spcBef>
+                <a:spcPts val="0"/>
+              </a:spcBef>
+              <a:spcAft>
+                <a:spcPts val="0"/>
+              </a:spcAft>
+              <a:buSzPts val="1400"/>
+              <a:buNone/>
+              <a:defRPr/>
+            </a:lvl9pPr>
+          </a:lstStyle>
+          <a:p>
+            <a:endParaRPr/>
+          </a:p>
+        </p:txBody>
+      </p:sp>
+      <p:sp>
+        <p:nvSpPr>
+          <p:cNvPr id="23" name="Google Shape;23;p4"/>
+          <p:cNvSpPr txBox="1">
+            <a:spLocks noGrp="1"/>
+          </p:cNvSpPr>
+          <p:nvPr>
+            <p:ph type="body" idx="1"/>
+          </p:nvPr>
+        </p:nvSpPr>
+        <p:spPr>
+          <a:xfrm>
+            <a:off x="1257300" y="2738438"/>
+            <a:ext cx="15773400" cy="6527007"/>
+          </a:xfrm>
+          <a:prstGeom prst="rect">
+            <a:avLst/>
+          </a:prstGeom>
+          <a:noFill/>
+          <a:ln>
+            <a:noFill/>
+          </a:ln>
+        </p:spPr>
+        <p:txBody>
+          <a:bodyPr spcFirstLastPara="1" wrap="square" lIns="91425" tIns="45700" rIns="91425" bIns="45700" anchor="t" anchorCtr="0">
+            <a:normAutofit/>
+          </a:bodyPr>
+          <a:lstStyle>
+            <a:lvl1pPr marL="685800" lvl="0" indent="-514350" algn="l">
+              <a:lnSpc>
+                <a:spcPct val="90000"/>
+              </a:lnSpc>
+              <a:spcBef>
+                <a:spcPts val="1500"/>
+              </a:spcBef>
+              <a:spcAft>
+                <a:spcPts val="0"/>
+              </a:spcAft>
+              <a:buClr>
+                <a:schemeClr val="dk1"/>
+              </a:buClr>
+              <a:buSzPts val="1800"/>
+              <a:buChar char="•"/>
+              <a:defRPr/>
+            </a:lvl1pPr>
+            <a:lvl2pPr marL="1371600" lvl="1" indent="-514350" algn="l">
+              <a:lnSpc>
+                <a:spcPct val="90000"/>
+              </a:lnSpc>
+              <a:spcBef>
+                <a:spcPts val="750"/>
+              </a:spcBef>
+              <a:spcAft>
+                <a:spcPts val="0"/>
+              </a:spcAft>
+              <a:buClr>
+                <a:schemeClr val="dk1"/>
+              </a:buClr>
+              <a:buSzPts val="1800"/>
+              <a:buChar char="•"/>
+              <a:defRPr/>
+            </a:lvl2pPr>
+            <a:lvl3pPr marL="2057400" lvl="2" indent="-514350" algn="l">
+              <a:lnSpc>
+                <a:spcPct val="90000"/>
+              </a:lnSpc>
+              <a:spcBef>
+                <a:spcPts val="750"/>
+              </a:spcBef>
+              <a:spcAft>
+                <a:spcPts val="0"/>
+              </a:spcAft>
+              <a:buClr>
+                <a:schemeClr val="dk1"/>
+              </a:buClr>
+              <a:buSzPts val="1800"/>
+              <a:buChar char="•"/>
+              <a:defRPr/>
+            </a:lvl3pPr>
+            <a:lvl4pPr marL="2743200" lvl="3" indent="-514350" algn="l">
+              <a:lnSpc>
+                <a:spcPct val="90000"/>
+              </a:lnSpc>
+              <a:spcBef>
+                <a:spcPts val="750"/>
+              </a:spcBef>
+              <a:spcAft>
+                <a:spcPts val="0"/>
+              </a:spcAft>
+              <a:buClr>
+                <a:schemeClr val="dk1"/>
+              </a:buClr>
+              <a:buSzPts val="1800"/>
+              <a:buChar char="•"/>
+              <a:defRPr/>
+            </a:lvl4pPr>
+            <a:lvl5pPr marL="3429000" lvl="4" indent="-514350" algn="l">
+              <a:lnSpc>
+                <a:spcPct val="90000"/>
+              </a:lnSpc>
+              <a:spcBef>
+                <a:spcPts val="750"/>
+              </a:spcBef>
+              <a:spcAft>
+                <a:spcPts val="0"/>
+              </a:spcAft>
+              <a:buClr>
+                <a:schemeClr val="dk1"/>
+              </a:buClr>
+              <a:buSzPts val="1800"/>
+              <a:buChar char="•"/>
+              <a:defRPr/>
+            </a:lvl5pPr>
+            <a:lvl6pPr marL="4114800" lvl="5" indent="-514350" algn="l">
+              <a:lnSpc>
+                <a:spcPct val="90000"/>
+              </a:lnSpc>
+              <a:spcBef>
+                <a:spcPts val="750"/>
+              </a:spcBef>
+              <a:spcAft>
+                <a:spcPts val="0"/>
+              </a:spcAft>
+              <a:buClr>
+                <a:schemeClr val="dk1"/>
+              </a:buClr>
+              <a:buSzPts val="1800"/>
+              <a:buChar char="•"/>
+              <a:defRPr/>
+            </a:lvl6pPr>
+            <a:lvl7pPr marL="4800600" lvl="6" indent="-514350" algn="l">
+              <a:lnSpc>
+                <a:spcPct val="90000"/>
+              </a:lnSpc>
+              <a:spcBef>
+                <a:spcPts val="750"/>
+              </a:spcBef>
+              <a:spcAft>
+                <a:spcPts val="0"/>
+              </a:spcAft>
+              <a:buClr>
+                <a:schemeClr val="dk1"/>
+              </a:buClr>
+              <a:buSzPts val="1800"/>
+              <a:buChar char="•"/>
+              <a:defRPr/>
+            </a:lvl7pPr>
+            <a:lvl8pPr marL="5486400" lvl="7" indent="-514350" algn="l">
+              <a:lnSpc>
+                <a:spcPct val="90000"/>
+              </a:lnSpc>
+              <a:spcBef>
+                <a:spcPts val="750"/>
+              </a:spcBef>
+              <a:spcAft>
+                <a:spcPts val="0"/>
+              </a:spcAft>
+              <a:buClr>
+                <a:schemeClr val="dk1"/>
+              </a:buClr>
+              <a:buSzPts val="1800"/>
+              <a:buChar char="•"/>
+              <a:defRPr/>
+            </a:lvl8pPr>
+            <a:lvl9pPr marL="6172200" lvl="8" indent="-514350" algn="l">
+              <a:lnSpc>
+                <a:spcPct val="90000"/>
+              </a:lnSpc>
+              <a:spcBef>
+                <a:spcPts val="750"/>
+              </a:spcBef>
+              <a:spcAft>
+                <a:spcPts val="0"/>
+              </a:spcAft>
+              <a:buClr>
+                <a:schemeClr val="dk1"/>
+              </a:buClr>
+              <a:buSzPts val="1800"/>
+              <a:buChar char="•"/>
+              <a:defRPr/>
+            </a:lvl9pPr>
+          </a:lstStyle>
+          <a:p>
+            <a:endParaRPr/>
+          </a:p>
+        </p:txBody>
+      </p:sp>
+      <p:sp>
+        <p:nvSpPr>
+          <p:cNvPr id="24" name="Google Shape;24;p4"/>
+          <p:cNvSpPr txBox="1">
+            <a:spLocks noGrp="1"/>
+          </p:cNvSpPr>
+          <p:nvPr>
+            <p:ph type="dt" idx="10"/>
+          </p:nvPr>
+        </p:nvSpPr>
+        <p:spPr>
+          <a:xfrm>
+            <a:off x="1257300" y="9534526"/>
+            <a:ext cx="4114800" cy="547688"/>
+          </a:xfrm>
+          <a:prstGeom prst="rect">
+            <a:avLst/>
+          </a:prstGeom>
+          <a:noFill/>
+          <a:ln>
+            <a:noFill/>
+          </a:ln>
+        </p:spPr>
+        <p:txBody>
+          <a:bodyPr spcFirstLastPara="1" wrap="square" lIns="91425" tIns="45700" rIns="91425" bIns="45700" anchor="ctr" anchorCtr="0">
+            <a:noAutofit/>
+          </a:bodyPr>
+          <a:lstStyle>
+            <a:lvl1pPr lvl="0" algn="l">
+              <a:spcBef>
+                <a:spcPts val="0"/>
+              </a:spcBef>
+              <a:spcAft>
+                <a:spcPts val="0"/>
+              </a:spcAft>
+              <a:buSzPts val="1400"/>
+              <a:buNone/>
+              <a:defRPr/>
+            </a:lvl1pPr>
+            <a:lvl2pPr lvl="1" algn="l">
+              <a:spcBef>
+                <a:spcPts val="0"/>
+              </a:spcBef>
+              <a:spcAft>
+                <a:spcPts val="0"/>
+              </a:spcAft>
+              <a:buSzPts val="1400"/>
+              <a:buNone/>
+              <a:defRPr/>
+            </a:lvl2pPr>
+            <a:lvl3pPr lvl="2" algn="l">
+              <a:spcBef>
+                <a:spcPts val="0"/>
+              </a:spcBef>
+              <a:spcAft>
+                <a:spcPts val="0"/>
+              </a:spcAft>
+              <a:buSzPts val="1400"/>
+              <a:buNone/>
+              <a:defRPr/>
+            </a:lvl3pPr>
+            <a:lvl4pPr lvl="3" algn="l">
+              <a:spcBef>
+                <a:spcPts val="0"/>
+              </a:spcBef>
+              <a:spcAft>
+                <a:spcPts val="0"/>
+              </a:spcAft>
+              <a:buSzPts val="1400"/>
+              <a:buNone/>
+              <a:defRPr/>
+            </a:lvl4pPr>
+            <a:lvl5pPr lvl="4" algn="l">
+              <a:spcBef>
+                <a:spcPts val="0"/>
+              </a:spcBef>
+              <a:spcAft>
+                <a:spcPts val="0"/>
+              </a:spcAft>
+              <a:buSzPts val="1400"/>
+              <a:buNone/>
+              <a:defRPr/>
+            </a:lvl5pPr>
+            <a:lvl6pPr lvl="5" algn="l">
+              <a:spcBef>
+                <a:spcPts val="0"/>
+              </a:spcBef>
+              <a:spcAft>
+                <a:spcPts val="0"/>
+              </a:spcAft>
+              <a:buSzPts val="1400"/>
+              <a:buNone/>
+              <a:defRPr/>
+            </a:lvl6pPr>
+            <a:lvl7pPr lvl="6" algn="l">
+              <a:spcBef>
+                <a:spcPts val="0"/>
+              </a:spcBef>
+              <a:spcAft>
+                <a:spcPts val="0"/>
+              </a:spcAft>
+              <a:buSzPts val="1400"/>
+              <a:buNone/>
+              <a:defRPr/>
+            </a:lvl7pPr>
+            <a:lvl8pPr lvl="7" algn="l">
+              <a:spcBef>
+                <a:spcPts val="0"/>
+              </a:spcBef>
+              <a:spcAft>
+                <a:spcPts val="0"/>
+              </a:spcAft>
+              <a:buSzPts val="1400"/>
+              <a:buNone/>
+              <a:defRPr/>
+            </a:lvl8pPr>
+            <a:lvl9pPr lvl="8" algn="l">
+              <a:spcBef>
+                <a:spcPts val="0"/>
+              </a:spcBef>
+              <a:spcAft>
+                <a:spcPts val="0"/>
+              </a:spcAft>
+              <a:buSzPts val="1400"/>
+              <a:buNone/>
+              <a:defRPr/>
+            </a:lvl9pPr>
+          </a:lstStyle>
+          <a:p>
+            <a:endParaRPr/>
+          </a:p>
+        </p:txBody>
+      </p:sp>
+      <p:sp>
+        <p:nvSpPr>
+          <p:cNvPr id="25" name="Google Shape;25;p4"/>
+          <p:cNvSpPr txBox="1">
+            <a:spLocks noGrp="1"/>
+          </p:cNvSpPr>
+          <p:nvPr>
+            <p:ph type="ftr" idx="11"/>
+          </p:nvPr>
+        </p:nvSpPr>
+        <p:spPr>
+          <a:xfrm>
+            <a:off x="6057900" y="9534526"/>
+            <a:ext cx="6172200" cy="547688"/>
+          </a:xfrm>
+          <a:prstGeom prst="rect">
+            <a:avLst/>
+          </a:prstGeom>
+          <a:noFill/>
+          <a:ln>
+            <a:noFill/>
+          </a:ln>
+        </p:spPr>
+        <p:txBody>
+          <a:bodyPr spcFirstLastPara="1" wrap="square" lIns="91425" tIns="45700" rIns="91425" bIns="45700" anchor="ctr" anchorCtr="0">
+            <a:noAutofit/>
+          </a:bodyPr>
+          <a:lstStyle>
+            <a:lvl1pPr lvl="0" algn="ctr">
+              <a:spcBef>
+                <a:spcPts val="0"/>
+              </a:spcBef>
+              <a:spcAft>
+                <a:spcPts val="0"/>
+              </a:spcAft>
+              <a:buSzPts val="1400"/>
+              <a:buNone/>
+              <a:defRPr/>
+            </a:lvl1pPr>
+            <a:lvl2pPr lvl="1" algn="l">
+              <a:spcBef>
+                <a:spcPts val="0"/>
+              </a:spcBef>
+              <a:spcAft>
+                <a:spcPts val="0"/>
+              </a:spcAft>
+              <a:buSzPts val="1400"/>
+              <a:buNone/>
+              <a:defRPr/>
+            </a:lvl2pPr>
+            <a:lvl3pPr lvl="2" algn="l">
+              <a:spcBef>
+                <a:spcPts val="0"/>
+              </a:spcBef>
+              <a:spcAft>
+                <a:spcPts val="0"/>
+              </a:spcAft>
+              <a:buSzPts val="1400"/>
+              <a:buNone/>
+              <a:defRPr/>
+            </a:lvl3pPr>
+            <a:lvl4pPr lvl="3" algn="l">
+              <a:spcBef>
+                <a:spcPts val="0"/>
+              </a:spcBef>
+              <a:spcAft>
+                <a:spcPts val="0"/>
+              </a:spcAft>
+              <a:buSzPts val="1400"/>
+              <a:buNone/>
+              <a:defRPr/>
+            </a:lvl4pPr>
+            <a:lvl5pPr lvl="4" algn="l">
+              <a:spcBef>
+                <a:spcPts val="0"/>
+              </a:spcBef>
+              <a:spcAft>
+                <a:spcPts val="0"/>
+              </a:spcAft>
+              <a:buSzPts val="1400"/>
+              <a:buNone/>
+              <a:defRPr/>
+            </a:lvl5pPr>
+            <a:lvl6pPr lvl="5" algn="l">
+              <a:spcBef>
+                <a:spcPts val="0"/>
+              </a:spcBef>
+              <a:spcAft>
+                <a:spcPts val="0"/>
+              </a:spcAft>
+              <a:buSzPts val="1400"/>
+              <a:buNone/>
+              <a:defRPr/>
+            </a:lvl6pPr>
+            <a:lvl7pPr lvl="6" algn="l">
+              <a:spcBef>
+                <a:spcPts val="0"/>
+              </a:spcBef>
+              <a:spcAft>
+                <a:spcPts val="0"/>
+              </a:spcAft>
+              <a:buSzPts val="1400"/>
+              <a:buNone/>
+              <a:defRPr/>
+            </a:lvl7pPr>
+            <a:lvl8pPr lvl="7" algn="l">
+              <a:spcBef>
+                <a:spcPts val="0"/>
+              </a:spcBef>
+              <a:spcAft>
+                <a:spcPts val="0"/>
+              </a:spcAft>
+              <a:buSzPts val="1400"/>
+              <a:buNone/>
+              <a:defRPr/>
+            </a:lvl8pPr>
+            <a:lvl9pPr lvl="8" algn="l">
+              <a:spcBef>
+                <a:spcPts val="0"/>
+              </a:spcBef>
+              <a:spcAft>
+                <a:spcPts val="0"/>
+              </a:spcAft>
+              <a:buSzPts val="1400"/>
+              <a:buNone/>
+              <a:defRPr/>
+            </a:lvl9pPr>
+          </a:lstStyle>
+          <a:p>
+            <a:endParaRPr/>
+          </a:p>
+        </p:txBody>
+      </p:sp>
+      <p:sp>
+        <p:nvSpPr>
+          <p:cNvPr id="26" name="Google Shape;26;p4"/>
+          <p:cNvSpPr txBox="1">
+            <a:spLocks noGrp="1"/>
+          </p:cNvSpPr>
+          <p:nvPr>
+            <p:ph type="sldNum" idx="12"/>
+          </p:nvPr>
+        </p:nvSpPr>
+        <p:spPr>
+          <a:xfrm>
+            <a:off x="12915900" y="9534526"/>
+            <a:ext cx="4114800" cy="547688"/>
+          </a:xfrm>
+          <a:prstGeom prst="rect">
+            <a:avLst/>
+          </a:prstGeom>
+          <a:noFill/>
+          <a:ln>
+            <a:noFill/>
+          </a:ln>
+        </p:spPr>
+        <p:txBody>
+          <a:bodyPr spcFirstLastPara="1" wrap="square" lIns="91425" tIns="45700" rIns="91425" bIns="45700" anchor="ctr" anchorCtr="0">
+            <a:noAutofit/>
+          </a:bodyPr>
+          <a:lstStyle>
+            <a:lvl1pPr marL="0" lvl="0" indent="0" algn="r">
+              <a:spcBef>
+                <a:spcPts val="0"/>
+              </a:spcBef>
+              <a:buNone/>
+              <a:defRPr/>
+            </a:lvl1pPr>
+            <a:lvl2pPr marL="0" lvl="1" indent="0" algn="r">
+              <a:spcBef>
+                <a:spcPts val="0"/>
+              </a:spcBef>
+              <a:buNone/>
+              <a:defRPr/>
+            </a:lvl2pPr>
+            <a:lvl3pPr marL="0" lvl="2" indent="0" algn="r">
+              <a:spcBef>
+                <a:spcPts val="0"/>
+              </a:spcBef>
+              <a:buNone/>
+              <a:defRPr/>
+            </a:lvl3pPr>
+            <a:lvl4pPr marL="0" lvl="3" indent="0" algn="r">
+              <a:spcBef>
+                <a:spcPts val="0"/>
+              </a:spcBef>
+              <a:buNone/>
+              <a:defRPr/>
+            </a:lvl4pPr>
+            <a:lvl5pPr marL="0" lvl="4" indent="0" algn="r">
+              <a:spcBef>
+                <a:spcPts val="0"/>
+              </a:spcBef>
+              <a:buNone/>
+              <a:defRPr/>
+            </a:lvl5pPr>
+            <a:lvl6pPr marL="0" lvl="5" indent="0" algn="r">
+              <a:spcBef>
+                <a:spcPts val="0"/>
+              </a:spcBef>
+              <a:buNone/>
+              <a:defRPr/>
+            </a:lvl6pPr>
+            <a:lvl7pPr marL="0" lvl="6" indent="0" algn="r">
+              <a:spcBef>
+                <a:spcPts val="0"/>
+              </a:spcBef>
+              <a:buNone/>
+              <a:defRPr/>
+            </a:lvl7pPr>
+            <a:lvl8pPr marL="0" lvl="7" indent="0" algn="r">
+              <a:spcBef>
+                <a:spcPts val="0"/>
+              </a:spcBef>
+              <a:buNone/>
+              <a:defRPr/>
+            </a:lvl8pPr>
+            <a:lvl9pPr marL="0" lvl="8" indent="0" algn="r">
+              <a:spcBef>
+                <a:spcPts val="0"/>
+              </a:spcBef>
+              <a:buNone/>
+              <a:defRPr/>
+            </a:lvl9pPr>
+          </a:lstStyle>
+          <a:p>
+            <a:fld id="{00000000-1234-1234-1234-123412341234}" type="slidenum">
+              <a:rPr lang="en-US" smtClean="0"/>
+              <a:pPr/>
+              <a:t>‹#›</a:t>
+            </a:fld>
+            <a:endParaRPr lang="en-US"/>
+          </a:p>
+        </p:txBody>
+      </p:sp>
+    </p:spTree>
+  </p:cSld>
+  <p:clrMapOvr>
+    <a:masterClrMapping/>
+  </p:clrMapOvr>
+</p:sldLayout>
+</file>
+
+<file path=ppt/slideLayouts/slideLayout3.xml><?xml version="1.0" encoding="utf-8"?>
 <p:sldLayout xmlns:a="http://schemas.openxmlformats.org/drawingml/2006/main" xmlns:r="http://schemas.openxmlformats.org/officeDocument/2006/relationships" xmlns:p="http://schemas.openxmlformats.org/presentationml/2006/main" matchingName="Section Header" type="secHead">
   <p:cSld name="SECTION_HEADER">
     <p:spTree>
@@ -1556,8 +2995,8 @@
         </p:nvSpPr>
         <p:spPr>
           <a:xfrm>
-            <a:off x="1247774" y="2564608"/>
-            <a:ext cx="15773401" cy="4279106"/>
+            <a:off x="1247775" y="2564608"/>
+            <a:ext cx="15773400" cy="4279106"/>
           </a:xfrm>
           <a:prstGeom prst="rect">
             <a:avLst/>
@@ -1696,8 +3135,8 @@
         </p:nvSpPr>
         <p:spPr>
           <a:xfrm>
-            <a:off x="1247774" y="6884196"/>
-            <a:ext cx="15773401" cy="2250281"/>
+            <a:off x="1247775" y="6884195"/>
+            <a:ext cx="15773400" cy="2250281"/>
           </a:xfrm>
           <a:prstGeom prst="rect">
             <a:avLst/>
@@ -1712,7 +3151,7 @@
             <a:normAutofit/>
           </a:bodyPr>
           <a:lstStyle>
-            <a:lvl1pPr marL="685816" lvl="0" indent="-342910" algn="l">
+            <a:lvl1pPr marL="685800" lvl="0" indent="-342900" algn="l">
               <a:lnSpc>
                 <a:spcPct val="90000"/>
               </a:lnSpc>
@@ -1733,7 +3172,7 @@
                 </a:solidFill>
               </a:defRPr>
             </a:lvl1pPr>
-            <a:lvl2pPr marL="1371634" lvl="1" indent="-342910" algn="l">
+            <a:lvl2pPr marL="1371600" lvl="1" indent="-342900" algn="l">
               <a:lnSpc>
                 <a:spcPct val="90000"/>
               </a:lnSpc>
@@ -1754,7 +3193,7 @@
                 </a:solidFill>
               </a:defRPr>
             </a:lvl2pPr>
-            <a:lvl3pPr marL="2057452" lvl="2" indent="-342910" algn="l">
+            <a:lvl3pPr marL="2057400" lvl="2" indent="-342900" algn="l">
               <a:lnSpc>
                 <a:spcPct val="90000"/>
               </a:lnSpc>
@@ -1775,7 +3214,7 @@
                 </a:solidFill>
               </a:defRPr>
             </a:lvl3pPr>
-            <a:lvl4pPr marL="2743268" lvl="3" indent="-342910" algn="l">
+            <a:lvl4pPr marL="2743200" lvl="3" indent="-342900" algn="l">
               <a:lnSpc>
                 <a:spcPct val="90000"/>
               </a:lnSpc>
@@ -1796,7 +3235,7 @@
                 </a:solidFill>
               </a:defRPr>
             </a:lvl4pPr>
-            <a:lvl5pPr marL="3429086" lvl="4" indent="-342910" algn="l">
+            <a:lvl5pPr marL="3429000" lvl="4" indent="-342900" algn="l">
               <a:lnSpc>
                 <a:spcPct val="90000"/>
               </a:lnSpc>
@@ -1817,7 +3256,7 @@
                 </a:solidFill>
               </a:defRPr>
             </a:lvl5pPr>
-            <a:lvl6pPr marL="4114902" lvl="5" indent="-342910" algn="l">
+            <a:lvl6pPr marL="4114800" lvl="5" indent="-342900" algn="l">
               <a:lnSpc>
                 <a:spcPct val="90000"/>
               </a:lnSpc>
@@ -1838,7 +3277,7 @@
                 </a:solidFill>
               </a:defRPr>
             </a:lvl6pPr>
-            <a:lvl7pPr marL="4800720" lvl="6" indent="-342910" algn="l">
+            <a:lvl7pPr marL="4800600" lvl="6" indent="-342900" algn="l">
               <a:lnSpc>
                 <a:spcPct val="90000"/>
               </a:lnSpc>
@@ -1859,7 +3298,7 @@
                 </a:solidFill>
               </a:defRPr>
             </a:lvl7pPr>
-            <a:lvl8pPr marL="5486538" lvl="7" indent="-342910" algn="l">
+            <a:lvl8pPr marL="5486400" lvl="7" indent="-342900" algn="l">
               <a:lnSpc>
                 <a:spcPct val="90000"/>
               </a:lnSpc>
@@ -1880,7 +3319,7 @@
                 </a:solidFill>
               </a:defRPr>
             </a:lvl8pPr>
-            <a:lvl9pPr marL="6172354" lvl="8" indent="-342910" algn="l">
+            <a:lvl9pPr marL="6172200" lvl="8" indent="-342900" algn="l">
               <a:lnSpc>
                 <a:spcPct val="90000"/>
               </a:lnSpc>
@@ -2052,8 +3491,8 @@
         </p:nvSpPr>
         <p:spPr>
           <a:xfrm>
-            <a:off x="6057903" y="9534526"/>
-            <a:ext cx="6172201" cy="547688"/>
+            <a:off x="6057900" y="9534526"/>
+            <a:ext cx="6172200" cy="547688"/>
           </a:xfrm>
           <a:prstGeom prst="rect">
             <a:avLst/>
@@ -2185,7 +3624,7 @@
         </p:nvSpPr>
         <p:spPr>
           <a:xfrm>
-            <a:off x="12915901" y="9534526"/>
+            <a:off x="12915900" y="9534526"/>
             <a:ext cx="4114800" cy="547688"/>
           </a:xfrm>
           <a:prstGeom prst="rect">
@@ -2283,7 +3722,7 @@
 </p:sldLayout>
 </file>
 
-<file path=ppt/slideLayouts/slideLayout3.xml><?xml version="1.0" encoding="utf-8"?>
+<file path=ppt/slideLayouts/slideLayout4.xml><?xml version="1.0" encoding="utf-8"?>
 <p:sldLayout xmlns:a="http://schemas.openxmlformats.org/drawingml/2006/main" xmlns:r="http://schemas.openxmlformats.org/officeDocument/2006/relationships" xmlns:p="http://schemas.openxmlformats.org/presentationml/2006/main" matchingName="Two Content" type="twoObj">
   <p:cSld name="TWO_OBJECTS">
     <p:spTree>
@@ -2312,8 +3751,8 @@
         </p:nvSpPr>
         <p:spPr>
           <a:xfrm>
-            <a:off x="1257301" y="547688"/>
-            <a:ext cx="15773401" cy="1988345"/>
+            <a:off x="1257300" y="547688"/>
+            <a:ext cx="15773400" cy="1988345"/>
           </a:xfrm>
           <a:prstGeom prst="rect">
             <a:avLst/>
@@ -2467,7 +3906,7 @@
             <a:normAutofit/>
           </a:bodyPr>
           <a:lstStyle>
-            <a:lvl1pPr marL="685816" lvl="0" indent="-514362" algn="l">
+            <a:lvl1pPr marL="685800" lvl="0" indent="-514350" algn="l">
               <a:lnSpc>
                 <a:spcPct val="90000"/>
               </a:lnSpc>
@@ -2484,7 +3923,7 @@
               <a:buChar char="•"/>
               <a:defRPr/>
             </a:lvl1pPr>
-            <a:lvl2pPr marL="1371634" lvl="1" indent="-514362" algn="l">
+            <a:lvl2pPr marL="1371600" lvl="1" indent="-514350" algn="l">
               <a:lnSpc>
                 <a:spcPct val="90000"/>
               </a:lnSpc>
@@ -2501,7 +3940,7 @@
               <a:buChar char="•"/>
               <a:defRPr/>
             </a:lvl2pPr>
-            <a:lvl3pPr marL="2057452" lvl="2" indent="-514362" algn="l">
+            <a:lvl3pPr marL="2057400" lvl="2" indent="-514350" algn="l">
               <a:lnSpc>
                 <a:spcPct val="90000"/>
               </a:lnSpc>
@@ -2518,7 +3957,7 @@
               <a:buChar char="•"/>
               <a:defRPr/>
             </a:lvl3pPr>
-            <a:lvl4pPr marL="2743268" lvl="3" indent="-514362" algn="l">
+            <a:lvl4pPr marL="2743200" lvl="3" indent="-514350" algn="l">
               <a:lnSpc>
                 <a:spcPct val="90000"/>
               </a:lnSpc>
@@ -2535,7 +3974,7 @@
               <a:buChar char="•"/>
               <a:defRPr/>
             </a:lvl4pPr>
-            <a:lvl5pPr marL="3429086" lvl="4" indent="-514362" algn="l">
+            <a:lvl5pPr marL="3429000" lvl="4" indent="-514350" algn="l">
               <a:lnSpc>
                 <a:spcPct val="90000"/>
               </a:lnSpc>
@@ -2552,7 +3991,7 @@
               <a:buChar char="•"/>
               <a:defRPr/>
             </a:lvl5pPr>
-            <a:lvl6pPr marL="4114902" lvl="5" indent="-514362" algn="l">
+            <a:lvl6pPr marL="4114800" lvl="5" indent="-514350" algn="l">
               <a:lnSpc>
                 <a:spcPct val="90000"/>
               </a:lnSpc>
@@ -2569,7 +4008,7 @@
               <a:buChar char="•"/>
               <a:defRPr/>
             </a:lvl6pPr>
-            <a:lvl7pPr marL="4800720" lvl="6" indent="-514362" algn="l">
+            <a:lvl7pPr marL="4800600" lvl="6" indent="-514350" algn="l">
               <a:lnSpc>
                 <a:spcPct val="90000"/>
               </a:lnSpc>
@@ -2586,7 +4025,7 @@
               <a:buChar char="•"/>
               <a:defRPr/>
             </a:lvl7pPr>
-            <a:lvl8pPr marL="5486538" lvl="7" indent="-514362" algn="l">
+            <a:lvl8pPr marL="5486400" lvl="7" indent="-514350" algn="l">
               <a:lnSpc>
                 <a:spcPct val="90000"/>
               </a:lnSpc>
@@ -2603,7 +4042,7 @@
               <a:buChar char="•"/>
               <a:defRPr/>
             </a:lvl8pPr>
-            <a:lvl9pPr marL="6172354" lvl="8" indent="-514362" algn="l">
+            <a:lvl9pPr marL="6172200" lvl="8" indent="-514350" algn="l">
               <a:lnSpc>
                 <a:spcPct val="90000"/>
               </a:lnSpc>
@@ -2638,7 +4077,7 @@
         </p:nvSpPr>
         <p:spPr>
           <a:xfrm>
-            <a:off x="9258301" y="2738438"/>
+            <a:off x="9258300" y="2738438"/>
             <a:ext cx="7772400" cy="6527007"/>
           </a:xfrm>
           <a:prstGeom prst="rect">
@@ -2654,7 +4093,7 @@
             <a:normAutofit/>
           </a:bodyPr>
           <a:lstStyle>
-            <a:lvl1pPr marL="685816" lvl="0" indent="-514362" algn="l">
+            <a:lvl1pPr marL="685800" lvl="0" indent="-514350" algn="l">
               <a:lnSpc>
                 <a:spcPct val="90000"/>
               </a:lnSpc>
@@ -2671,7 +4110,7 @@
               <a:buChar char="•"/>
               <a:defRPr/>
             </a:lvl1pPr>
-            <a:lvl2pPr marL="1371634" lvl="1" indent="-514362" algn="l">
+            <a:lvl2pPr marL="1371600" lvl="1" indent="-514350" algn="l">
               <a:lnSpc>
                 <a:spcPct val="90000"/>
               </a:lnSpc>
@@ -2688,7 +4127,7 @@
               <a:buChar char="•"/>
               <a:defRPr/>
             </a:lvl2pPr>
-            <a:lvl3pPr marL="2057452" lvl="2" indent="-514362" algn="l">
+            <a:lvl3pPr marL="2057400" lvl="2" indent="-514350" algn="l">
               <a:lnSpc>
                 <a:spcPct val="90000"/>
               </a:lnSpc>
@@ -2705,7 +4144,7 @@
               <a:buChar char="•"/>
               <a:defRPr/>
             </a:lvl3pPr>
-            <a:lvl4pPr marL="2743268" lvl="3" indent="-514362" algn="l">
+            <a:lvl4pPr marL="2743200" lvl="3" indent="-514350" algn="l">
               <a:lnSpc>
                 <a:spcPct val="90000"/>
               </a:lnSpc>
@@ -2722,7 +4161,7 @@
               <a:buChar char="•"/>
               <a:defRPr/>
             </a:lvl4pPr>
-            <a:lvl5pPr marL="3429086" lvl="4" indent="-514362" algn="l">
+            <a:lvl5pPr marL="3429000" lvl="4" indent="-514350" algn="l">
               <a:lnSpc>
                 <a:spcPct val="90000"/>
               </a:lnSpc>
@@ -2739,7 +4178,7 @@
               <a:buChar char="•"/>
               <a:defRPr/>
             </a:lvl5pPr>
-            <a:lvl6pPr marL="4114902" lvl="5" indent="-514362" algn="l">
+            <a:lvl6pPr marL="4114800" lvl="5" indent="-514350" algn="l">
               <a:lnSpc>
                 <a:spcPct val="90000"/>
               </a:lnSpc>
@@ -2756,7 +4195,7 @@
               <a:buChar char="•"/>
               <a:defRPr/>
             </a:lvl6pPr>
-            <a:lvl7pPr marL="4800720" lvl="6" indent="-514362" algn="l">
+            <a:lvl7pPr marL="4800600" lvl="6" indent="-514350" algn="l">
               <a:lnSpc>
                 <a:spcPct val="90000"/>
               </a:lnSpc>
@@ -2773,7 +4212,7 @@
               <a:buChar char="•"/>
               <a:defRPr/>
             </a:lvl7pPr>
-            <a:lvl8pPr marL="5486538" lvl="7" indent="-514362" algn="l">
+            <a:lvl8pPr marL="5486400" lvl="7" indent="-514350" algn="l">
               <a:lnSpc>
                 <a:spcPct val="90000"/>
               </a:lnSpc>
@@ -2790,7 +4229,7 @@
               <a:buChar char="•"/>
               <a:defRPr/>
             </a:lvl8pPr>
-            <a:lvl9pPr marL="6172354" lvl="8" indent="-514362" algn="l">
+            <a:lvl9pPr marL="6172200" lvl="8" indent="-514350" algn="l">
               <a:lnSpc>
                 <a:spcPct val="90000"/>
               </a:lnSpc>
@@ -2958,8 +4397,8 @@
         </p:nvSpPr>
         <p:spPr>
           <a:xfrm>
-            <a:off x="6057903" y="9534526"/>
-            <a:ext cx="6172201" cy="547688"/>
+            <a:off x="6057900" y="9534526"/>
+            <a:ext cx="6172200" cy="547688"/>
           </a:xfrm>
           <a:prstGeom prst="rect">
             <a:avLst/>
@@ -3091,7 +4530,7 @@
         </p:nvSpPr>
         <p:spPr>
           <a:xfrm>
-            <a:off x="12915901" y="9534526"/>
+            <a:off x="12915900" y="9534526"/>
             <a:ext cx="4114800" cy="547688"/>
           </a:xfrm>
           <a:prstGeom prst="rect">
@@ -3189,7 +4628,7 @@
 </p:sldLayout>
 </file>
 
-<file path=ppt/slideLayouts/slideLayout4.xml><?xml version="1.0" encoding="utf-8"?>
+<file path=ppt/slideLayouts/slideLayout5.xml><?xml version="1.0" encoding="utf-8"?>
 <p:sldLayout xmlns:a="http://schemas.openxmlformats.org/drawingml/2006/main" xmlns:r="http://schemas.openxmlformats.org/officeDocument/2006/relationships" xmlns:p="http://schemas.openxmlformats.org/presentationml/2006/main" matchingName="Comparison" type="twoTxTwoObj">
   <p:cSld name="TWO_OBJECTS_WITH_TEXT">
     <p:spTree>
@@ -3219,7 +4658,7 @@
         <p:spPr>
           <a:xfrm>
             <a:off x="1259682" y="547688"/>
-            <a:ext cx="15773401" cy="1988345"/>
+            <a:ext cx="15773400" cy="1988345"/>
           </a:xfrm>
           <a:prstGeom prst="rect">
             <a:avLst/>
@@ -3357,7 +4796,7 @@
         </p:nvSpPr>
         <p:spPr>
           <a:xfrm>
-            <a:off x="1259686" y="2521745"/>
+            <a:off x="1259683" y="2521745"/>
             <a:ext cx="7736681" cy="1235868"/>
           </a:xfrm>
           <a:prstGeom prst="rect">
@@ -3373,7 +4812,7 @@
             <a:normAutofit/>
           </a:bodyPr>
           <a:lstStyle>
-            <a:lvl1pPr marL="685816" lvl="0" indent="-342910" algn="l">
+            <a:lvl1pPr marL="685800" lvl="0" indent="-342900" algn="l">
               <a:lnSpc>
                 <a:spcPct val="90000"/>
               </a:lnSpc>
@@ -3390,7 +4829,7 @@
               <a:buNone/>
               <a:defRPr sz="3600" b="1"/>
             </a:lvl1pPr>
-            <a:lvl2pPr marL="1371634" lvl="1" indent="-342910" algn="l">
+            <a:lvl2pPr marL="1371600" lvl="1" indent="-342900" algn="l">
               <a:lnSpc>
                 <a:spcPct val="90000"/>
               </a:lnSpc>
@@ -3407,7 +4846,7 @@
               <a:buNone/>
               <a:defRPr sz="3000" b="1"/>
             </a:lvl2pPr>
-            <a:lvl3pPr marL="2057452" lvl="2" indent="-342910" algn="l">
+            <a:lvl3pPr marL="2057400" lvl="2" indent="-342900" algn="l">
               <a:lnSpc>
                 <a:spcPct val="90000"/>
               </a:lnSpc>
@@ -3424,7 +4863,7 @@
               <a:buNone/>
               <a:defRPr sz="2700" b="1"/>
             </a:lvl3pPr>
-            <a:lvl4pPr marL="2743268" lvl="3" indent="-342910" algn="l">
+            <a:lvl4pPr marL="2743200" lvl="3" indent="-342900" algn="l">
               <a:lnSpc>
                 <a:spcPct val="90000"/>
               </a:lnSpc>
@@ -3441,7 +4880,7 @@
               <a:buNone/>
               <a:defRPr sz="2400" b="1"/>
             </a:lvl4pPr>
-            <a:lvl5pPr marL="3429086" lvl="4" indent="-342910" algn="l">
+            <a:lvl5pPr marL="3429000" lvl="4" indent="-342900" algn="l">
               <a:lnSpc>
                 <a:spcPct val="90000"/>
               </a:lnSpc>
@@ -3458,7 +4897,7 @@
               <a:buNone/>
               <a:defRPr sz="2400" b="1"/>
             </a:lvl5pPr>
-            <a:lvl6pPr marL="4114902" lvl="5" indent="-342910" algn="l">
+            <a:lvl6pPr marL="4114800" lvl="5" indent="-342900" algn="l">
               <a:lnSpc>
                 <a:spcPct val="90000"/>
               </a:lnSpc>
@@ -3475,7 +4914,7 @@
               <a:buNone/>
               <a:defRPr sz="2400" b="1"/>
             </a:lvl6pPr>
-            <a:lvl7pPr marL="4800720" lvl="6" indent="-342910" algn="l">
+            <a:lvl7pPr marL="4800600" lvl="6" indent="-342900" algn="l">
               <a:lnSpc>
                 <a:spcPct val="90000"/>
               </a:lnSpc>
@@ -3492,7 +4931,7 @@
               <a:buNone/>
               <a:defRPr sz="2400" b="1"/>
             </a:lvl7pPr>
-            <a:lvl8pPr marL="5486538" lvl="7" indent="-342910" algn="l">
+            <a:lvl8pPr marL="5486400" lvl="7" indent="-342900" algn="l">
               <a:lnSpc>
                 <a:spcPct val="90000"/>
               </a:lnSpc>
@@ -3509,7 +4948,7 @@
               <a:buNone/>
               <a:defRPr sz="2400" b="1"/>
             </a:lvl8pPr>
-            <a:lvl9pPr marL="6172354" lvl="8" indent="-342910" algn="l">
+            <a:lvl9pPr marL="6172200" lvl="8" indent="-342900" algn="l">
               <a:lnSpc>
                 <a:spcPct val="90000"/>
               </a:lnSpc>
@@ -3544,7 +4983,7 @@
         </p:nvSpPr>
         <p:spPr>
           <a:xfrm>
-            <a:off x="1259686" y="3757613"/>
+            <a:off x="1259683" y="3757613"/>
             <a:ext cx="7736681" cy="5526882"/>
           </a:xfrm>
           <a:prstGeom prst="rect">
@@ -3560,7 +4999,7 @@
             <a:normAutofit/>
           </a:bodyPr>
           <a:lstStyle>
-            <a:lvl1pPr marL="685816" lvl="0" indent="-514362" algn="l">
+            <a:lvl1pPr marL="685800" lvl="0" indent="-514350" algn="l">
               <a:lnSpc>
                 <a:spcPct val="90000"/>
               </a:lnSpc>
@@ -3577,7 +5016,7 @@
               <a:buChar char="•"/>
               <a:defRPr/>
             </a:lvl1pPr>
-            <a:lvl2pPr marL="1371634" lvl="1" indent="-514362" algn="l">
+            <a:lvl2pPr marL="1371600" lvl="1" indent="-514350" algn="l">
               <a:lnSpc>
                 <a:spcPct val="90000"/>
               </a:lnSpc>
@@ -3594,7 +5033,7 @@
               <a:buChar char="•"/>
               <a:defRPr/>
             </a:lvl2pPr>
-            <a:lvl3pPr marL="2057452" lvl="2" indent="-514362" algn="l">
+            <a:lvl3pPr marL="2057400" lvl="2" indent="-514350" algn="l">
               <a:lnSpc>
                 <a:spcPct val="90000"/>
               </a:lnSpc>
@@ -3611,7 +5050,7 @@
               <a:buChar char="•"/>
               <a:defRPr/>
             </a:lvl3pPr>
-            <a:lvl4pPr marL="2743268" lvl="3" indent="-514362" algn="l">
+            <a:lvl4pPr marL="2743200" lvl="3" indent="-514350" algn="l">
               <a:lnSpc>
                 <a:spcPct val="90000"/>
               </a:lnSpc>
@@ -3628,7 +5067,7 @@
               <a:buChar char="•"/>
               <a:defRPr/>
             </a:lvl4pPr>
-            <a:lvl5pPr marL="3429086" lvl="4" indent="-514362" algn="l">
+            <a:lvl5pPr marL="3429000" lvl="4" indent="-514350" algn="l">
               <a:lnSpc>
                 <a:spcPct val="90000"/>
               </a:lnSpc>
@@ -3645,7 +5084,7 @@
               <a:buChar char="•"/>
               <a:defRPr/>
             </a:lvl5pPr>
-            <a:lvl6pPr marL="4114902" lvl="5" indent="-514362" algn="l">
+            <a:lvl6pPr marL="4114800" lvl="5" indent="-514350" algn="l">
               <a:lnSpc>
                 <a:spcPct val="90000"/>
               </a:lnSpc>
@@ -3662,7 +5101,7 @@
               <a:buChar char="•"/>
               <a:defRPr/>
             </a:lvl6pPr>
-            <a:lvl7pPr marL="4800720" lvl="6" indent="-514362" algn="l">
+            <a:lvl7pPr marL="4800600" lvl="6" indent="-514350" algn="l">
               <a:lnSpc>
                 <a:spcPct val="90000"/>
               </a:lnSpc>
@@ -3679,7 +5118,7 @@
               <a:buChar char="•"/>
               <a:defRPr/>
             </a:lvl7pPr>
-            <a:lvl8pPr marL="5486538" lvl="7" indent="-514362" algn="l">
+            <a:lvl8pPr marL="5486400" lvl="7" indent="-514350" algn="l">
               <a:lnSpc>
                 <a:spcPct val="90000"/>
               </a:lnSpc>
@@ -3696,7 +5135,7 @@
               <a:buChar char="•"/>
               <a:defRPr/>
             </a:lvl8pPr>
-            <a:lvl9pPr marL="6172354" lvl="8" indent="-514362" algn="l">
+            <a:lvl9pPr marL="6172200" lvl="8" indent="-514350" algn="l">
               <a:lnSpc>
                 <a:spcPct val="90000"/>
               </a:lnSpc>
@@ -3731,7 +5170,7 @@
         </p:nvSpPr>
         <p:spPr>
           <a:xfrm>
-            <a:off x="9258301" y="2521745"/>
+            <a:off x="9258300" y="2521745"/>
             <a:ext cx="7774782" cy="1235868"/>
           </a:xfrm>
           <a:prstGeom prst="rect">
@@ -3747,7 +5186,7 @@
             <a:normAutofit/>
           </a:bodyPr>
           <a:lstStyle>
-            <a:lvl1pPr marL="685816" lvl="0" indent="-342910" algn="l">
+            <a:lvl1pPr marL="685800" lvl="0" indent="-342900" algn="l">
               <a:lnSpc>
                 <a:spcPct val="90000"/>
               </a:lnSpc>
@@ -3764,7 +5203,7 @@
               <a:buNone/>
               <a:defRPr sz="3600" b="1"/>
             </a:lvl1pPr>
-            <a:lvl2pPr marL="1371634" lvl="1" indent="-342910" algn="l">
+            <a:lvl2pPr marL="1371600" lvl="1" indent="-342900" algn="l">
               <a:lnSpc>
                 <a:spcPct val="90000"/>
               </a:lnSpc>
@@ -3781,7 +5220,7 @@
               <a:buNone/>
               <a:defRPr sz="3000" b="1"/>
             </a:lvl2pPr>
-            <a:lvl3pPr marL="2057452" lvl="2" indent="-342910" algn="l">
+            <a:lvl3pPr marL="2057400" lvl="2" indent="-342900" algn="l">
               <a:lnSpc>
                 <a:spcPct val="90000"/>
               </a:lnSpc>
@@ -3798,7 +5237,7 @@
               <a:buNone/>
               <a:defRPr sz="2700" b="1"/>
             </a:lvl3pPr>
-            <a:lvl4pPr marL="2743268" lvl="3" indent="-342910" algn="l">
+            <a:lvl4pPr marL="2743200" lvl="3" indent="-342900" algn="l">
               <a:lnSpc>
                 <a:spcPct val="90000"/>
               </a:lnSpc>
@@ -3815,7 +5254,7 @@
               <a:buNone/>
               <a:defRPr sz="2400" b="1"/>
             </a:lvl4pPr>
-            <a:lvl5pPr marL="3429086" lvl="4" indent="-342910" algn="l">
+            <a:lvl5pPr marL="3429000" lvl="4" indent="-342900" algn="l">
               <a:lnSpc>
                 <a:spcPct val="90000"/>
               </a:lnSpc>
@@ -3832,7 +5271,7 @@
               <a:buNone/>
               <a:defRPr sz="2400" b="1"/>
             </a:lvl5pPr>
-            <a:lvl6pPr marL="4114902" lvl="5" indent="-342910" algn="l">
+            <a:lvl6pPr marL="4114800" lvl="5" indent="-342900" algn="l">
               <a:lnSpc>
                 <a:spcPct val="90000"/>
               </a:lnSpc>
@@ -3849,7 +5288,7 @@
               <a:buNone/>
               <a:defRPr sz="2400" b="1"/>
             </a:lvl6pPr>
-            <a:lvl7pPr marL="4800720" lvl="6" indent="-342910" algn="l">
+            <a:lvl7pPr marL="4800600" lvl="6" indent="-342900" algn="l">
               <a:lnSpc>
                 <a:spcPct val="90000"/>
               </a:lnSpc>
@@ -3866,7 +5305,7 @@
               <a:buNone/>
               <a:defRPr sz="2400" b="1"/>
             </a:lvl7pPr>
-            <a:lvl8pPr marL="5486538" lvl="7" indent="-342910" algn="l">
+            <a:lvl8pPr marL="5486400" lvl="7" indent="-342900" algn="l">
               <a:lnSpc>
                 <a:spcPct val="90000"/>
               </a:lnSpc>
@@ -3883,7 +5322,7 @@
               <a:buNone/>
               <a:defRPr sz="2400" b="1"/>
             </a:lvl8pPr>
-            <a:lvl9pPr marL="6172354" lvl="8" indent="-342910" algn="l">
+            <a:lvl9pPr marL="6172200" lvl="8" indent="-342900" algn="l">
               <a:lnSpc>
                 <a:spcPct val="90000"/>
               </a:lnSpc>
@@ -3918,7 +5357,7 @@
         </p:nvSpPr>
         <p:spPr>
           <a:xfrm>
-            <a:off x="9258301" y="3757613"/>
+            <a:off x="9258300" y="3757613"/>
             <a:ext cx="7774782" cy="5526882"/>
           </a:xfrm>
           <a:prstGeom prst="rect">
@@ -3934,7 +5373,7 @@
             <a:normAutofit/>
           </a:bodyPr>
           <a:lstStyle>
-            <a:lvl1pPr marL="685816" lvl="0" indent="-514362" algn="l">
+            <a:lvl1pPr marL="685800" lvl="0" indent="-514350" algn="l">
               <a:lnSpc>
                 <a:spcPct val="90000"/>
               </a:lnSpc>
@@ -3951,7 +5390,7 @@
               <a:buChar char="•"/>
               <a:defRPr/>
             </a:lvl1pPr>
-            <a:lvl2pPr marL="1371634" lvl="1" indent="-514362" algn="l">
+            <a:lvl2pPr marL="1371600" lvl="1" indent="-514350" algn="l">
               <a:lnSpc>
                 <a:spcPct val="90000"/>
               </a:lnSpc>
@@ -3968,7 +5407,7 @@
               <a:buChar char="•"/>
               <a:defRPr/>
             </a:lvl2pPr>
-            <a:lvl3pPr marL="2057452" lvl="2" indent="-514362" algn="l">
+            <a:lvl3pPr marL="2057400" lvl="2" indent="-514350" algn="l">
               <a:lnSpc>
                 <a:spcPct val="90000"/>
               </a:lnSpc>
@@ -3985,7 +5424,7 @@
               <a:buChar char="•"/>
               <a:defRPr/>
             </a:lvl3pPr>
-            <a:lvl4pPr marL="2743268" lvl="3" indent="-514362" algn="l">
+            <a:lvl4pPr marL="2743200" lvl="3" indent="-514350" algn="l">
               <a:lnSpc>
                 <a:spcPct val="90000"/>
               </a:lnSpc>
@@ -4002,7 +5441,7 @@
               <a:buChar char="•"/>
               <a:defRPr/>
             </a:lvl4pPr>
-            <a:lvl5pPr marL="3429086" lvl="4" indent="-514362" algn="l">
+            <a:lvl5pPr marL="3429000" lvl="4" indent="-514350" algn="l">
               <a:lnSpc>
                 <a:spcPct val="90000"/>
               </a:lnSpc>
@@ -4019,7 +5458,7 @@
               <a:buChar char="•"/>
               <a:defRPr/>
             </a:lvl5pPr>
-            <a:lvl6pPr marL="4114902" lvl="5" indent="-514362" algn="l">
+            <a:lvl6pPr marL="4114800" lvl="5" indent="-514350" algn="l">
               <a:lnSpc>
                 <a:spcPct val="90000"/>
               </a:lnSpc>
@@ -4036,7 +5475,7 @@
               <a:buChar char="•"/>
               <a:defRPr/>
             </a:lvl6pPr>
-            <a:lvl7pPr marL="4800720" lvl="6" indent="-514362" algn="l">
+            <a:lvl7pPr marL="4800600" lvl="6" indent="-514350" algn="l">
               <a:lnSpc>
                 <a:spcPct val="90000"/>
               </a:lnSpc>
@@ -4053,7 +5492,7 @@
               <a:buChar char="•"/>
               <a:defRPr/>
             </a:lvl7pPr>
-            <a:lvl8pPr marL="5486538" lvl="7" indent="-514362" algn="l">
+            <a:lvl8pPr marL="5486400" lvl="7" indent="-514350" algn="l">
               <a:lnSpc>
                 <a:spcPct val="90000"/>
               </a:lnSpc>
@@ -4070,7 +5509,7 @@
               <a:buChar char="•"/>
               <a:defRPr/>
             </a:lvl8pPr>
-            <a:lvl9pPr marL="6172354" lvl="8" indent="-514362" algn="l">
+            <a:lvl9pPr marL="6172200" lvl="8" indent="-514350" algn="l">
               <a:lnSpc>
                 <a:spcPct val="90000"/>
               </a:lnSpc>
@@ -4238,8 +5677,8 @@
         </p:nvSpPr>
         <p:spPr>
           <a:xfrm>
-            <a:off x="6057903" y="9534526"/>
-            <a:ext cx="6172201" cy="547688"/>
+            <a:off x="6057900" y="9534526"/>
+            <a:ext cx="6172200" cy="547688"/>
           </a:xfrm>
           <a:prstGeom prst="rect">
             <a:avLst/>
@@ -4371,7 +5810,7 @@
         </p:nvSpPr>
         <p:spPr>
           <a:xfrm>
-            <a:off x="12915901" y="9534526"/>
+            <a:off x="12915900" y="9534526"/>
             <a:ext cx="4114800" cy="547688"/>
           </a:xfrm>
           <a:prstGeom prst="rect">
@@ -4469,7 +5908,7 @@
 </p:sldLayout>
 </file>
 
-<file path=ppt/slideLayouts/slideLayout5.xml><?xml version="1.0" encoding="utf-8"?>
+<file path=ppt/slideLayouts/slideLayout6.xml><?xml version="1.0" encoding="utf-8"?>
 <p:sldLayout xmlns:a="http://schemas.openxmlformats.org/drawingml/2006/main" xmlns:r="http://schemas.openxmlformats.org/officeDocument/2006/relationships" xmlns:p="http://schemas.openxmlformats.org/presentationml/2006/main" matchingName="Title Only" type="titleOnly">
   <p:cSld name="TITLE_ONLY">
     <p:spTree>
@@ -4498,8 +5937,8 @@
         </p:nvSpPr>
         <p:spPr>
           <a:xfrm>
-            <a:off x="1257301" y="547688"/>
-            <a:ext cx="15773401" cy="1988345"/>
+            <a:off x="1257300" y="547688"/>
+            <a:ext cx="15773400" cy="1988345"/>
           </a:xfrm>
           <a:prstGeom prst="rect">
             <a:avLst/>
@@ -4770,8 +6209,8 @@
         </p:nvSpPr>
         <p:spPr>
           <a:xfrm>
-            <a:off x="6057903" y="9534526"/>
-            <a:ext cx="6172201" cy="547688"/>
+            <a:off x="6057900" y="9534526"/>
+            <a:ext cx="6172200" cy="547688"/>
           </a:xfrm>
           <a:prstGeom prst="rect">
             <a:avLst/>
@@ -4903,7 +6342,7 @@
         </p:nvSpPr>
         <p:spPr>
           <a:xfrm>
-            <a:off x="12915901" y="9534526"/>
+            <a:off x="12915900" y="9534526"/>
             <a:ext cx="4114800" cy="547688"/>
           </a:xfrm>
           <a:prstGeom prst="rect">
@@ -5001,7 +6440,7 @@
 </p:sldLayout>
 </file>
 
-<file path=ppt/slideLayouts/slideLayout6.xml><?xml version="1.0" encoding="utf-8"?>
+<file path=ppt/slideLayouts/slideLayout7.xml><?xml version="1.0" encoding="utf-8"?>
 <p:sldLayout xmlns:a="http://schemas.openxmlformats.org/drawingml/2006/main" xmlns:r="http://schemas.openxmlformats.org/officeDocument/2006/relationships" xmlns:p="http://schemas.openxmlformats.org/presentationml/2006/main" matchingName="Content with Caption" type="objTx">
   <p:cSld name="OBJECT_WITH_CAPTION_TEXT">
     <p:spTree>
@@ -5030,7 +6469,7 @@
         </p:nvSpPr>
         <p:spPr>
           <a:xfrm>
-            <a:off x="1259684" y="685800"/>
+            <a:off x="1259683" y="685800"/>
             <a:ext cx="5898356" cy="2400300"/>
           </a:xfrm>
           <a:prstGeom prst="rect">
@@ -5186,7 +6625,7 @@
             <a:normAutofit/>
           </a:bodyPr>
           <a:lstStyle>
-            <a:lvl1pPr marL="685816" lvl="0" indent="-647716" algn="l">
+            <a:lvl1pPr marL="685800" lvl="0" indent="-647700" algn="l">
               <a:lnSpc>
                 <a:spcPct val="90000"/>
               </a:lnSpc>
@@ -5203,7 +6642,7 @@
               <a:buChar char="•"/>
               <a:defRPr sz="4800"/>
             </a:lvl1pPr>
-            <a:lvl2pPr marL="1371634" lvl="1" indent="-609616" algn="l">
+            <a:lvl2pPr marL="1371600" lvl="1" indent="-609600" algn="l">
               <a:lnSpc>
                 <a:spcPct val="90000"/>
               </a:lnSpc>
@@ -5220,7 +6659,7 @@
               <a:buChar char="•"/>
               <a:defRPr sz="4200"/>
             </a:lvl2pPr>
-            <a:lvl3pPr marL="2057452" lvl="2" indent="-571514" algn="l">
+            <a:lvl3pPr marL="2057400" lvl="2" indent="-571500" algn="l">
               <a:lnSpc>
                 <a:spcPct val="90000"/>
               </a:lnSpc>
@@ -5237,7 +6676,7 @@
               <a:buChar char="•"/>
               <a:defRPr sz="3600"/>
             </a:lvl3pPr>
-            <a:lvl4pPr marL="2743268" lvl="3" indent="-533414" algn="l">
+            <a:lvl4pPr marL="2743200" lvl="3" indent="-533400" algn="l">
               <a:lnSpc>
                 <a:spcPct val="90000"/>
               </a:lnSpc>
@@ -5254,7 +6693,7 @@
               <a:buChar char="•"/>
               <a:defRPr sz="3000"/>
             </a:lvl4pPr>
-            <a:lvl5pPr marL="3429086" lvl="4" indent="-533414" algn="l">
+            <a:lvl5pPr marL="3429000" lvl="4" indent="-533400" algn="l">
               <a:lnSpc>
                 <a:spcPct val="90000"/>
               </a:lnSpc>
@@ -5271,7 +6710,7 @@
               <a:buChar char="•"/>
               <a:defRPr sz="3000"/>
             </a:lvl5pPr>
-            <a:lvl6pPr marL="4114902" lvl="5" indent="-533414" algn="l">
+            <a:lvl6pPr marL="4114800" lvl="5" indent="-533400" algn="l">
               <a:lnSpc>
                 <a:spcPct val="90000"/>
               </a:lnSpc>
@@ -5288,7 +6727,7 @@
               <a:buChar char="•"/>
               <a:defRPr sz="3000"/>
             </a:lvl6pPr>
-            <a:lvl7pPr marL="4800720" lvl="6" indent="-533414" algn="l">
+            <a:lvl7pPr marL="4800600" lvl="6" indent="-533400" algn="l">
               <a:lnSpc>
                 <a:spcPct val="90000"/>
               </a:lnSpc>
@@ -5305,7 +6744,7 @@
               <a:buChar char="•"/>
               <a:defRPr sz="3000"/>
             </a:lvl7pPr>
-            <a:lvl8pPr marL="5486538" lvl="7" indent="-533414" algn="l">
+            <a:lvl8pPr marL="5486400" lvl="7" indent="-533400" algn="l">
               <a:lnSpc>
                 <a:spcPct val="90000"/>
               </a:lnSpc>
@@ -5322,7 +6761,7 @@
               <a:buChar char="•"/>
               <a:defRPr sz="3000"/>
             </a:lvl8pPr>
-            <a:lvl9pPr marL="6172354" lvl="8" indent="-533414" algn="l">
+            <a:lvl9pPr marL="6172200" lvl="8" indent="-533400" algn="l">
               <a:lnSpc>
                 <a:spcPct val="90000"/>
               </a:lnSpc>
@@ -5357,7 +6796,7 @@
         </p:nvSpPr>
         <p:spPr>
           <a:xfrm>
-            <a:off x="1259684" y="3086100"/>
+            <a:off x="1259683" y="3086100"/>
             <a:ext cx="5898356" cy="5717382"/>
           </a:xfrm>
           <a:prstGeom prst="rect">
@@ -5373,7 +6812,7 @@
             <a:normAutofit/>
           </a:bodyPr>
           <a:lstStyle>
-            <a:lvl1pPr marL="685816" lvl="0" indent="-342910" algn="l">
+            <a:lvl1pPr marL="685800" lvl="0" indent="-342900" algn="l">
               <a:lnSpc>
                 <a:spcPct val="90000"/>
               </a:lnSpc>
@@ -5390,7 +6829,7 @@
               <a:buNone/>
               <a:defRPr sz="2400"/>
             </a:lvl1pPr>
-            <a:lvl2pPr marL="1371634" lvl="1" indent="-342910" algn="l">
+            <a:lvl2pPr marL="1371600" lvl="1" indent="-342900" algn="l">
               <a:lnSpc>
                 <a:spcPct val="90000"/>
               </a:lnSpc>
@@ -5407,7 +6846,7 @@
               <a:buNone/>
               <a:defRPr sz="2100"/>
             </a:lvl2pPr>
-            <a:lvl3pPr marL="2057452" lvl="2" indent="-342910" algn="l">
+            <a:lvl3pPr marL="2057400" lvl="2" indent="-342900" algn="l">
               <a:lnSpc>
                 <a:spcPct val="90000"/>
               </a:lnSpc>
@@ -5424,7 +6863,7 @@
               <a:buNone/>
               <a:defRPr sz="1800"/>
             </a:lvl3pPr>
-            <a:lvl4pPr marL="2743268" lvl="3" indent="-342910" algn="l">
+            <a:lvl4pPr marL="2743200" lvl="3" indent="-342900" algn="l">
               <a:lnSpc>
                 <a:spcPct val="90000"/>
               </a:lnSpc>
@@ -5441,7 +6880,7 @@
               <a:buNone/>
               <a:defRPr sz="1500"/>
             </a:lvl4pPr>
-            <a:lvl5pPr marL="3429086" lvl="4" indent="-342910" algn="l">
+            <a:lvl5pPr marL="3429000" lvl="4" indent="-342900" algn="l">
               <a:lnSpc>
                 <a:spcPct val="90000"/>
               </a:lnSpc>
@@ -5458,7 +6897,7 @@
               <a:buNone/>
               <a:defRPr sz="1500"/>
             </a:lvl5pPr>
-            <a:lvl6pPr marL="4114902" lvl="5" indent="-342910" algn="l">
+            <a:lvl6pPr marL="4114800" lvl="5" indent="-342900" algn="l">
               <a:lnSpc>
                 <a:spcPct val="90000"/>
               </a:lnSpc>
@@ -5475,7 +6914,7 @@
               <a:buNone/>
               <a:defRPr sz="1500"/>
             </a:lvl6pPr>
-            <a:lvl7pPr marL="4800720" lvl="6" indent="-342910" algn="l">
+            <a:lvl7pPr marL="4800600" lvl="6" indent="-342900" algn="l">
               <a:lnSpc>
                 <a:spcPct val="90000"/>
               </a:lnSpc>
@@ -5492,7 +6931,7 @@
               <a:buNone/>
               <a:defRPr sz="1500"/>
             </a:lvl7pPr>
-            <a:lvl8pPr marL="5486538" lvl="7" indent="-342910" algn="l">
+            <a:lvl8pPr marL="5486400" lvl="7" indent="-342900" algn="l">
               <a:lnSpc>
                 <a:spcPct val="90000"/>
               </a:lnSpc>
@@ -5509,7 +6948,7 @@
               <a:buNone/>
               <a:defRPr sz="1500"/>
             </a:lvl8pPr>
-            <a:lvl9pPr marL="6172354" lvl="8" indent="-342910" algn="l">
+            <a:lvl9pPr marL="6172200" lvl="8" indent="-342900" algn="l">
               <a:lnSpc>
                 <a:spcPct val="90000"/>
               </a:lnSpc>
@@ -5677,8 +7116,8 @@
         </p:nvSpPr>
         <p:spPr>
           <a:xfrm>
-            <a:off x="6057903" y="9534526"/>
-            <a:ext cx="6172201" cy="547688"/>
+            <a:off x="6057900" y="9534526"/>
+            <a:ext cx="6172200" cy="547688"/>
           </a:xfrm>
           <a:prstGeom prst="rect">
             <a:avLst/>
@@ -5810,7 +7249,7 @@
         </p:nvSpPr>
         <p:spPr>
           <a:xfrm>
-            <a:off x="12915901" y="9534526"/>
+            <a:off x="12915900" y="9534526"/>
             <a:ext cx="4114800" cy="547688"/>
           </a:xfrm>
           <a:prstGeom prst="rect">
@@ -5908,7 +7347,7 @@
 </p:sldLayout>
 </file>
 
-<file path=ppt/slideLayouts/slideLayout7.xml><?xml version="1.0" encoding="utf-8"?>
+<file path=ppt/slideLayouts/slideLayout8.xml><?xml version="1.0" encoding="utf-8"?>
 <p:sldLayout xmlns:a="http://schemas.openxmlformats.org/drawingml/2006/main" xmlns:r="http://schemas.openxmlformats.org/officeDocument/2006/relationships" xmlns:p="http://schemas.openxmlformats.org/presentationml/2006/main" matchingName="Picture with Caption" type="picTx">
   <p:cSld name="PICTURE_WITH_CAPTION_TEXT">
     <p:spTree>
@@ -5937,7 +7376,7 @@
         </p:nvSpPr>
         <p:spPr>
           <a:xfrm>
-            <a:off x="1259684" y="685800"/>
+            <a:off x="1259683" y="685800"/>
             <a:ext cx="5898356" cy="2400300"/>
           </a:xfrm>
           <a:prstGeom prst="rect">
@@ -6101,7 +7540,7 @@
         </p:nvSpPr>
         <p:spPr>
           <a:xfrm>
-            <a:off x="1259684" y="3086100"/>
+            <a:off x="1259683" y="3086100"/>
             <a:ext cx="5898356" cy="5717382"/>
           </a:xfrm>
           <a:prstGeom prst="rect">
@@ -6117,7 +7556,7 @@
             <a:normAutofit/>
           </a:bodyPr>
           <a:lstStyle>
-            <a:lvl1pPr marL="685816" lvl="0" indent="-342910" algn="l">
+            <a:lvl1pPr marL="685800" lvl="0" indent="-342900" algn="l">
               <a:lnSpc>
                 <a:spcPct val="90000"/>
               </a:lnSpc>
@@ -6134,7 +7573,7 @@
               <a:buNone/>
               <a:defRPr sz="2400"/>
             </a:lvl1pPr>
-            <a:lvl2pPr marL="1371634" lvl="1" indent="-342910" algn="l">
+            <a:lvl2pPr marL="1371600" lvl="1" indent="-342900" algn="l">
               <a:lnSpc>
                 <a:spcPct val="90000"/>
               </a:lnSpc>
@@ -6151,7 +7590,7 @@
               <a:buNone/>
               <a:defRPr sz="2100"/>
             </a:lvl2pPr>
-            <a:lvl3pPr marL="2057452" lvl="2" indent="-342910" algn="l">
+            <a:lvl3pPr marL="2057400" lvl="2" indent="-342900" algn="l">
               <a:lnSpc>
                 <a:spcPct val="90000"/>
               </a:lnSpc>
@@ -6168,7 +7607,7 @@
               <a:buNone/>
               <a:defRPr sz="1800"/>
             </a:lvl3pPr>
-            <a:lvl4pPr marL="2743268" lvl="3" indent="-342910" algn="l">
+            <a:lvl4pPr marL="2743200" lvl="3" indent="-342900" algn="l">
               <a:lnSpc>
                 <a:spcPct val="90000"/>
               </a:lnSpc>
@@ -6185,7 +7624,7 @@
               <a:buNone/>
               <a:defRPr sz="1500"/>
             </a:lvl4pPr>
-            <a:lvl5pPr marL="3429086" lvl="4" indent="-342910" algn="l">
+            <a:lvl5pPr marL="3429000" lvl="4" indent="-342900" algn="l">
               <a:lnSpc>
                 <a:spcPct val="90000"/>
               </a:lnSpc>
@@ -6202,7 +7641,7 @@
               <a:buNone/>
               <a:defRPr sz="1500"/>
             </a:lvl5pPr>
-            <a:lvl6pPr marL="4114902" lvl="5" indent="-342910" algn="l">
+            <a:lvl6pPr marL="4114800" lvl="5" indent="-342900" algn="l">
               <a:lnSpc>
                 <a:spcPct val="90000"/>
               </a:lnSpc>
@@ -6219,7 +7658,7 @@
               <a:buNone/>
               <a:defRPr sz="1500"/>
             </a:lvl6pPr>
-            <a:lvl7pPr marL="4800720" lvl="6" indent="-342910" algn="l">
+            <a:lvl7pPr marL="4800600" lvl="6" indent="-342900" algn="l">
               <a:lnSpc>
                 <a:spcPct val="90000"/>
               </a:lnSpc>
@@ -6236,7 +7675,7 @@
               <a:buNone/>
               <a:defRPr sz="1500"/>
             </a:lvl7pPr>
-            <a:lvl8pPr marL="5486538" lvl="7" indent="-342910" algn="l">
+            <a:lvl8pPr marL="5486400" lvl="7" indent="-342900" algn="l">
               <a:lnSpc>
                 <a:spcPct val="90000"/>
               </a:lnSpc>
@@ -6253,7 +7692,7 @@
               <a:buNone/>
               <a:defRPr sz="1500"/>
             </a:lvl8pPr>
-            <a:lvl9pPr marL="6172354" lvl="8" indent="-342910" algn="l">
+            <a:lvl9pPr marL="6172200" lvl="8" indent="-342900" algn="l">
               <a:lnSpc>
                 <a:spcPct val="90000"/>
               </a:lnSpc>
@@ -6421,8 +7860,8 @@
         </p:nvSpPr>
         <p:spPr>
           <a:xfrm>
-            <a:off x="6057903" y="9534526"/>
-            <a:ext cx="6172201" cy="547688"/>
+            <a:off x="6057900" y="9534526"/>
+            <a:ext cx="6172200" cy="547688"/>
           </a:xfrm>
           <a:prstGeom prst="rect">
             <a:avLst/>
@@ -6554,7 +7993,7 @@
         </p:nvSpPr>
         <p:spPr>
           <a:xfrm>
-            <a:off x="12915901" y="9534526"/>
+            <a:off x="12915900" y="9534526"/>
             <a:ext cx="4114800" cy="547688"/>
           </a:xfrm>
           <a:prstGeom prst="rect">
@@ -6652,7 +8091,7 @@
 </p:sldLayout>
 </file>
 
-<file path=ppt/slideLayouts/slideLayout8.xml><?xml version="1.0" encoding="utf-8"?>
+<file path=ppt/slideLayouts/slideLayout9.xml><?xml version="1.0" encoding="utf-8"?>
 <p:sldLayout xmlns:a="http://schemas.openxmlformats.org/drawingml/2006/main" xmlns:r="http://schemas.openxmlformats.org/officeDocument/2006/relationships" xmlns:p="http://schemas.openxmlformats.org/presentationml/2006/main" matchingName="Title and Vertical Text" type="vertTx">
   <p:cSld name="VERTICAL_TEXT">
     <p:spTree>
@@ -6681,8 +8120,8 @@
         </p:nvSpPr>
         <p:spPr>
           <a:xfrm>
-            <a:off x="1257301" y="547688"/>
-            <a:ext cx="15773401" cy="1988345"/>
+            <a:off x="1257300" y="547688"/>
+            <a:ext cx="15773400" cy="1988345"/>
           </a:xfrm>
           <a:prstGeom prst="rect">
             <a:avLst/>
@@ -6820,8 +8259,8 @@
         </p:nvSpPr>
         <p:spPr>
           <a:xfrm rot="5400000">
-            <a:off x="5880498" y="-1884760"/>
-            <a:ext cx="6527007" cy="15773401"/>
+            <a:off x="5880497" y="-1884759"/>
+            <a:ext cx="6527007" cy="15773400"/>
           </a:xfrm>
           <a:prstGeom prst="rect">
             <a:avLst/>
@@ -6836,7 +8275,7 @@
             <a:normAutofit/>
           </a:bodyPr>
           <a:lstStyle>
-            <a:lvl1pPr marL="685816" lvl="0" indent="-514362" algn="l">
+            <a:lvl1pPr marL="685800" lvl="0" indent="-514350" algn="l">
               <a:lnSpc>
                 <a:spcPct val="90000"/>
               </a:lnSpc>
@@ -6853,7 +8292,7 @@
               <a:buChar char="•"/>
               <a:defRPr/>
             </a:lvl1pPr>
-            <a:lvl2pPr marL="1371634" lvl="1" indent="-514362" algn="l">
+            <a:lvl2pPr marL="1371600" lvl="1" indent="-514350" algn="l">
               <a:lnSpc>
                 <a:spcPct val="90000"/>
               </a:lnSpc>
@@ -6870,7 +8309,7 @@
               <a:buChar char="•"/>
               <a:defRPr/>
             </a:lvl2pPr>
-            <a:lvl3pPr marL="2057452" lvl="2" indent="-514362" algn="l">
+            <a:lvl3pPr marL="2057400" lvl="2" indent="-514350" algn="l">
               <a:lnSpc>
                 <a:spcPct val="90000"/>
               </a:lnSpc>
@@ -6887,7 +8326,7 @@
               <a:buChar char="•"/>
               <a:defRPr/>
             </a:lvl3pPr>
-            <a:lvl4pPr marL="2743268" lvl="3" indent="-514362" algn="l">
+            <a:lvl4pPr marL="2743200" lvl="3" indent="-514350" algn="l">
               <a:lnSpc>
                 <a:spcPct val="90000"/>
               </a:lnSpc>
@@ -6904,7 +8343,7 @@
               <a:buChar char="•"/>
               <a:defRPr/>
             </a:lvl4pPr>
-            <a:lvl5pPr marL="3429086" lvl="4" indent="-514362" algn="l">
+            <a:lvl5pPr marL="3429000" lvl="4" indent="-514350" algn="l">
               <a:lnSpc>
                 <a:spcPct val="90000"/>
               </a:lnSpc>
@@ -6921,7 +8360,7 @@
               <a:buChar char="•"/>
               <a:defRPr/>
             </a:lvl5pPr>
-            <a:lvl6pPr marL="4114902" lvl="5" indent="-514362" algn="l">
+            <a:lvl6pPr marL="4114800" lvl="5" indent="-514350" algn="l">
               <a:lnSpc>
                 <a:spcPct val="90000"/>
               </a:lnSpc>
@@ -6938,7 +8377,7 @@
               <a:buChar char="•"/>
               <a:defRPr/>
             </a:lvl6pPr>
-            <a:lvl7pPr marL="4800720" lvl="6" indent="-514362" algn="l">
+            <a:lvl7pPr marL="4800600" lvl="6" indent="-514350" algn="l">
               <a:lnSpc>
                 <a:spcPct val="90000"/>
               </a:lnSpc>
@@ -6955,7 +8394,7 @@
               <a:buChar char="•"/>
               <a:defRPr/>
             </a:lvl7pPr>
-            <a:lvl8pPr marL="5486538" lvl="7" indent="-514362" algn="l">
+            <a:lvl8pPr marL="5486400" lvl="7" indent="-514350" algn="l">
               <a:lnSpc>
                 <a:spcPct val="90000"/>
               </a:lnSpc>
@@ -6972,7 +8411,7 @@
               <a:buChar char="•"/>
               <a:defRPr/>
             </a:lvl8pPr>
-            <a:lvl9pPr marL="6172354" lvl="8" indent="-514362" algn="l">
+            <a:lvl9pPr marL="6172200" lvl="8" indent="-514350" algn="l">
               <a:lnSpc>
                 <a:spcPct val="90000"/>
               </a:lnSpc>
@@ -7140,8 +8579,8 @@
         </p:nvSpPr>
         <p:spPr>
           <a:xfrm>
-            <a:off x="6057903" y="9534526"/>
-            <a:ext cx="6172201" cy="547688"/>
+            <a:off x="6057900" y="9534526"/>
+            <a:ext cx="6172200" cy="547688"/>
           </a:xfrm>
           <a:prstGeom prst="rect">
             <a:avLst/>
@@ -7273,726 +8712,7 @@
         </p:nvSpPr>
         <p:spPr>
           <a:xfrm>
-            <a:off x="12915901" y="9534526"/>
-            <a:ext cx="4114800" cy="547688"/>
-          </a:xfrm>
-          <a:prstGeom prst="rect">
-            <a:avLst/>
-          </a:prstGeom>
-          <a:noFill/>
-          <a:ln>
-            <a:noFill/>
-          </a:ln>
-        </p:spPr>
-        <p:txBody>
-          <a:bodyPr spcFirstLastPara="1" wrap="square" lIns="91425" tIns="45700" rIns="91425" bIns="45700" anchor="ctr" anchorCtr="0">
-            <a:noAutofit/>
-          </a:bodyPr>
-          <a:lstStyle>
-            <a:lvl1pPr marL="0" lvl="0" indent="0" algn="r">
-              <a:spcBef>
-                <a:spcPts val="0"/>
-              </a:spcBef>
-              <a:buNone/>
-              <a:defRPr/>
-            </a:lvl1pPr>
-            <a:lvl2pPr marL="0" lvl="1" indent="0" algn="r">
-              <a:spcBef>
-                <a:spcPts val="0"/>
-              </a:spcBef>
-              <a:buNone/>
-              <a:defRPr/>
-            </a:lvl2pPr>
-            <a:lvl3pPr marL="0" lvl="2" indent="0" algn="r">
-              <a:spcBef>
-                <a:spcPts val="0"/>
-              </a:spcBef>
-              <a:buNone/>
-              <a:defRPr/>
-            </a:lvl3pPr>
-            <a:lvl4pPr marL="0" lvl="3" indent="0" algn="r">
-              <a:spcBef>
-                <a:spcPts val="0"/>
-              </a:spcBef>
-              <a:buNone/>
-              <a:defRPr/>
-            </a:lvl4pPr>
-            <a:lvl5pPr marL="0" lvl="4" indent="0" algn="r">
-              <a:spcBef>
-                <a:spcPts val="0"/>
-              </a:spcBef>
-              <a:buNone/>
-              <a:defRPr/>
-            </a:lvl5pPr>
-            <a:lvl6pPr marL="0" lvl="5" indent="0" algn="r">
-              <a:spcBef>
-                <a:spcPts val="0"/>
-              </a:spcBef>
-              <a:buNone/>
-              <a:defRPr/>
-            </a:lvl6pPr>
-            <a:lvl7pPr marL="0" lvl="6" indent="0" algn="r">
-              <a:spcBef>
-                <a:spcPts val="0"/>
-              </a:spcBef>
-              <a:buNone/>
-              <a:defRPr/>
-            </a:lvl7pPr>
-            <a:lvl8pPr marL="0" lvl="7" indent="0" algn="r">
-              <a:spcBef>
-                <a:spcPts val="0"/>
-              </a:spcBef>
-              <a:buNone/>
-              <a:defRPr/>
-            </a:lvl8pPr>
-            <a:lvl9pPr marL="0" lvl="8" indent="0" algn="r">
-              <a:spcBef>
-                <a:spcPts val="0"/>
-              </a:spcBef>
-              <a:buNone/>
-              <a:defRPr/>
-            </a:lvl9pPr>
-          </a:lstStyle>
-          <a:p>
-            <a:fld id="{00000000-1234-1234-1234-123412341234}" type="slidenum">
-              <a:rPr lang="en-US" smtClean="0"/>
-              <a:pPr/>
-              <a:t>‹#›</a:t>
-            </a:fld>
-            <a:endParaRPr lang="en-US"/>
-          </a:p>
-        </p:txBody>
-      </p:sp>
-    </p:spTree>
-  </p:cSld>
-  <p:clrMapOvr>
-    <a:masterClrMapping/>
-  </p:clrMapOvr>
-</p:sldLayout>
-</file>
-
-<file path=ppt/slideLayouts/slideLayout9.xml><?xml version="1.0" encoding="utf-8"?>
-<p:sldLayout xmlns:a="http://schemas.openxmlformats.org/drawingml/2006/main" xmlns:r="http://schemas.openxmlformats.org/officeDocument/2006/relationships" xmlns:p="http://schemas.openxmlformats.org/presentationml/2006/main" matchingName="Vertical Title and Text" type="vertTitleAndTx">
-  <p:cSld name="VERTICAL_TITLE_AND_VERTICAL_TEXT">
-    <p:spTree>
-      <p:nvGrpSpPr>
-        <p:cNvPr id="1" name="Shape 74"/>
-        <p:cNvGrpSpPr/>
-        <p:nvPr/>
-      </p:nvGrpSpPr>
-      <p:grpSpPr>
-        <a:xfrm>
-          <a:off x="0" y="0"/>
-          <a:ext cx="0" cy="0"/>
-          <a:chOff x="0" y="0"/>
-          <a:chExt cx="0" cy="0"/>
-        </a:xfrm>
-      </p:grpSpPr>
-      <p:sp>
-        <p:nvSpPr>
-          <p:cNvPr id="75" name="Google Shape;75;p12"/>
-          <p:cNvSpPr txBox="1">
-            <a:spLocks noGrp="1"/>
-          </p:cNvSpPr>
-          <p:nvPr>
-            <p:ph type="title"/>
-          </p:nvPr>
-        </p:nvSpPr>
-        <p:spPr>
-          <a:xfrm rot="5400000">
-            <a:off x="10700151" y="2934893"/>
-            <a:ext cx="8717757" cy="3943349"/>
-          </a:xfrm>
-          <a:prstGeom prst="rect">
-            <a:avLst/>
-          </a:prstGeom>
-          <a:noFill/>
-          <a:ln>
-            <a:noFill/>
-          </a:ln>
-        </p:spPr>
-        <p:txBody>
-          <a:bodyPr spcFirstLastPara="1" wrap="square" lIns="91425" tIns="45700" rIns="91425" bIns="45700" anchor="ctr" anchorCtr="0">
-            <a:normAutofit/>
-          </a:bodyPr>
-          <a:lstStyle>
-            <a:lvl1pPr lvl="0" algn="l">
-              <a:lnSpc>
-                <a:spcPct val="90000"/>
-              </a:lnSpc>
-              <a:spcBef>
-                <a:spcPts val="0"/>
-              </a:spcBef>
-              <a:spcAft>
-                <a:spcPts val="0"/>
-              </a:spcAft>
-              <a:buClr>
-                <a:schemeClr val="dk1"/>
-              </a:buClr>
-              <a:buSzPts val="1800"/>
-              <a:buNone/>
-              <a:defRPr/>
-            </a:lvl1pPr>
-            <a:lvl2pPr lvl="1">
-              <a:spcBef>
-                <a:spcPts val="0"/>
-              </a:spcBef>
-              <a:spcAft>
-                <a:spcPts val="0"/>
-              </a:spcAft>
-              <a:buSzPts val="1400"/>
-              <a:buNone/>
-              <a:defRPr/>
-            </a:lvl2pPr>
-            <a:lvl3pPr lvl="2">
-              <a:spcBef>
-                <a:spcPts val="0"/>
-              </a:spcBef>
-              <a:spcAft>
-                <a:spcPts val="0"/>
-              </a:spcAft>
-              <a:buSzPts val="1400"/>
-              <a:buNone/>
-              <a:defRPr/>
-            </a:lvl3pPr>
-            <a:lvl4pPr lvl="3">
-              <a:spcBef>
-                <a:spcPts val="0"/>
-              </a:spcBef>
-              <a:spcAft>
-                <a:spcPts val="0"/>
-              </a:spcAft>
-              <a:buSzPts val="1400"/>
-              <a:buNone/>
-              <a:defRPr/>
-            </a:lvl4pPr>
-            <a:lvl5pPr lvl="4">
-              <a:spcBef>
-                <a:spcPts val="0"/>
-              </a:spcBef>
-              <a:spcAft>
-                <a:spcPts val="0"/>
-              </a:spcAft>
-              <a:buSzPts val="1400"/>
-              <a:buNone/>
-              <a:defRPr/>
-            </a:lvl5pPr>
-            <a:lvl6pPr lvl="5">
-              <a:spcBef>
-                <a:spcPts val="0"/>
-              </a:spcBef>
-              <a:spcAft>
-                <a:spcPts val="0"/>
-              </a:spcAft>
-              <a:buSzPts val="1400"/>
-              <a:buNone/>
-              <a:defRPr/>
-            </a:lvl6pPr>
-            <a:lvl7pPr lvl="6">
-              <a:spcBef>
-                <a:spcPts val="0"/>
-              </a:spcBef>
-              <a:spcAft>
-                <a:spcPts val="0"/>
-              </a:spcAft>
-              <a:buSzPts val="1400"/>
-              <a:buNone/>
-              <a:defRPr/>
-            </a:lvl7pPr>
-            <a:lvl8pPr lvl="7">
-              <a:spcBef>
-                <a:spcPts val="0"/>
-              </a:spcBef>
-              <a:spcAft>
-                <a:spcPts val="0"/>
-              </a:spcAft>
-              <a:buSzPts val="1400"/>
-              <a:buNone/>
-              <a:defRPr/>
-            </a:lvl8pPr>
-            <a:lvl9pPr lvl="8">
-              <a:spcBef>
-                <a:spcPts val="0"/>
-              </a:spcBef>
-              <a:spcAft>
-                <a:spcPts val="0"/>
-              </a:spcAft>
-              <a:buSzPts val="1400"/>
-              <a:buNone/>
-              <a:defRPr/>
-            </a:lvl9pPr>
-          </a:lstStyle>
-          <a:p>
-            <a:endParaRPr/>
-          </a:p>
-        </p:txBody>
-      </p:sp>
-      <p:sp>
-        <p:nvSpPr>
-          <p:cNvPr id="76" name="Google Shape;76;p12"/>
-          <p:cNvSpPr txBox="1">
-            <a:spLocks noGrp="1"/>
-          </p:cNvSpPr>
-          <p:nvPr>
-            <p:ph type="body" idx="1"/>
-          </p:nvPr>
-        </p:nvSpPr>
-        <p:spPr>
-          <a:xfrm rot="5400000">
-            <a:off x="2699150" y="-894160"/>
-            <a:ext cx="8717757" cy="11601451"/>
-          </a:xfrm>
-          <a:prstGeom prst="rect">
-            <a:avLst/>
-          </a:prstGeom>
-          <a:noFill/>
-          <a:ln>
-            <a:noFill/>
-          </a:ln>
-        </p:spPr>
-        <p:txBody>
-          <a:bodyPr spcFirstLastPara="1" wrap="square" lIns="91425" tIns="45700" rIns="91425" bIns="45700" anchor="t" anchorCtr="0">
-            <a:normAutofit/>
-          </a:bodyPr>
-          <a:lstStyle>
-            <a:lvl1pPr marL="685816" lvl="0" indent="-514362" algn="l">
-              <a:lnSpc>
-                <a:spcPct val="90000"/>
-              </a:lnSpc>
-              <a:spcBef>
-                <a:spcPts val="1500"/>
-              </a:spcBef>
-              <a:spcAft>
-                <a:spcPts val="0"/>
-              </a:spcAft>
-              <a:buClr>
-                <a:schemeClr val="dk1"/>
-              </a:buClr>
-              <a:buSzPts val="1800"/>
-              <a:buChar char="•"/>
-              <a:defRPr/>
-            </a:lvl1pPr>
-            <a:lvl2pPr marL="1371634" lvl="1" indent="-514362" algn="l">
-              <a:lnSpc>
-                <a:spcPct val="90000"/>
-              </a:lnSpc>
-              <a:spcBef>
-                <a:spcPts val="750"/>
-              </a:spcBef>
-              <a:spcAft>
-                <a:spcPts val="0"/>
-              </a:spcAft>
-              <a:buClr>
-                <a:schemeClr val="dk1"/>
-              </a:buClr>
-              <a:buSzPts val="1800"/>
-              <a:buChar char="•"/>
-              <a:defRPr/>
-            </a:lvl2pPr>
-            <a:lvl3pPr marL="2057452" lvl="2" indent="-514362" algn="l">
-              <a:lnSpc>
-                <a:spcPct val="90000"/>
-              </a:lnSpc>
-              <a:spcBef>
-                <a:spcPts val="750"/>
-              </a:spcBef>
-              <a:spcAft>
-                <a:spcPts val="0"/>
-              </a:spcAft>
-              <a:buClr>
-                <a:schemeClr val="dk1"/>
-              </a:buClr>
-              <a:buSzPts val="1800"/>
-              <a:buChar char="•"/>
-              <a:defRPr/>
-            </a:lvl3pPr>
-            <a:lvl4pPr marL="2743268" lvl="3" indent="-514362" algn="l">
-              <a:lnSpc>
-                <a:spcPct val="90000"/>
-              </a:lnSpc>
-              <a:spcBef>
-                <a:spcPts val="750"/>
-              </a:spcBef>
-              <a:spcAft>
-                <a:spcPts val="0"/>
-              </a:spcAft>
-              <a:buClr>
-                <a:schemeClr val="dk1"/>
-              </a:buClr>
-              <a:buSzPts val="1800"/>
-              <a:buChar char="•"/>
-              <a:defRPr/>
-            </a:lvl4pPr>
-            <a:lvl5pPr marL="3429086" lvl="4" indent="-514362" algn="l">
-              <a:lnSpc>
-                <a:spcPct val="90000"/>
-              </a:lnSpc>
-              <a:spcBef>
-                <a:spcPts val="750"/>
-              </a:spcBef>
-              <a:spcAft>
-                <a:spcPts val="0"/>
-              </a:spcAft>
-              <a:buClr>
-                <a:schemeClr val="dk1"/>
-              </a:buClr>
-              <a:buSzPts val="1800"/>
-              <a:buChar char="•"/>
-              <a:defRPr/>
-            </a:lvl5pPr>
-            <a:lvl6pPr marL="4114902" lvl="5" indent="-514362" algn="l">
-              <a:lnSpc>
-                <a:spcPct val="90000"/>
-              </a:lnSpc>
-              <a:spcBef>
-                <a:spcPts val="750"/>
-              </a:spcBef>
-              <a:spcAft>
-                <a:spcPts val="0"/>
-              </a:spcAft>
-              <a:buClr>
-                <a:schemeClr val="dk1"/>
-              </a:buClr>
-              <a:buSzPts val="1800"/>
-              <a:buChar char="•"/>
-              <a:defRPr/>
-            </a:lvl6pPr>
-            <a:lvl7pPr marL="4800720" lvl="6" indent="-514362" algn="l">
-              <a:lnSpc>
-                <a:spcPct val="90000"/>
-              </a:lnSpc>
-              <a:spcBef>
-                <a:spcPts val="750"/>
-              </a:spcBef>
-              <a:spcAft>
-                <a:spcPts val="0"/>
-              </a:spcAft>
-              <a:buClr>
-                <a:schemeClr val="dk1"/>
-              </a:buClr>
-              <a:buSzPts val="1800"/>
-              <a:buChar char="•"/>
-              <a:defRPr/>
-            </a:lvl7pPr>
-            <a:lvl8pPr marL="5486538" lvl="7" indent="-514362" algn="l">
-              <a:lnSpc>
-                <a:spcPct val="90000"/>
-              </a:lnSpc>
-              <a:spcBef>
-                <a:spcPts val="750"/>
-              </a:spcBef>
-              <a:spcAft>
-                <a:spcPts val="0"/>
-              </a:spcAft>
-              <a:buClr>
-                <a:schemeClr val="dk1"/>
-              </a:buClr>
-              <a:buSzPts val="1800"/>
-              <a:buChar char="•"/>
-              <a:defRPr/>
-            </a:lvl8pPr>
-            <a:lvl9pPr marL="6172354" lvl="8" indent="-514362" algn="l">
-              <a:lnSpc>
-                <a:spcPct val="90000"/>
-              </a:lnSpc>
-              <a:spcBef>
-                <a:spcPts val="750"/>
-              </a:spcBef>
-              <a:spcAft>
-                <a:spcPts val="0"/>
-              </a:spcAft>
-              <a:buClr>
-                <a:schemeClr val="dk1"/>
-              </a:buClr>
-              <a:buSzPts val="1800"/>
-              <a:buChar char="•"/>
-              <a:defRPr/>
-            </a:lvl9pPr>
-          </a:lstStyle>
-          <a:p>
-            <a:endParaRPr/>
-          </a:p>
-        </p:txBody>
-      </p:sp>
-      <p:sp>
-        <p:nvSpPr>
-          <p:cNvPr id="77" name="Google Shape;77;p12"/>
-          <p:cNvSpPr txBox="1">
-            <a:spLocks noGrp="1"/>
-          </p:cNvSpPr>
-          <p:nvPr>
-            <p:ph type="dt" idx="10"/>
-          </p:nvPr>
-        </p:nvSpPr>
-        <p:spPr>
-          <a:xfrm>
-            <a:off x="1257300" y="9534526"/>
-            <a:ext cx="4114800" cy="547688"/>
-          </a:xfrm>
-          <a:prstGeom prst="rect">
-            <a:avLst/>
-          </a:prstGeom>
-          <a:noFill/>
-          <a:ln>
-            <a:noFill/>
-          </a:ln>
-        </p:spPr>
-        <p:txBody>
-          <a:bodyPr spcFirstLastPara="1" wrap="square" lIns="91425" tIns="45700" rIns="91425" bIns="45700" anchor="ctr" anchorCtr="0">
-            <a:noAutofit/>
-          </a:bodyPr>
-          <a:lstStyle>
-            <a:lvl1pPr lvl="0" algn="l">
-              <a:spcBef>
-                <a:spcPts val="0"/>
-              </a:spcBef>
-              <a:spcAft>
-                <a:spcPts val="0"/>
-              </a:spcAft>
-              <a:buSzPts val="1400"/>
-              <a:buNone/>
-              <a:defRPr/>
-            </a:lvl1pPr>
-            <a:lvl2pPr lvl="1" algn="l">
-              <a:spcBef>
-                <a:spcPts val="0"/>
-              </a:spcBef>
-              <a:spcAft>
-                <a:spcPts val="0"/>
-              </a:spcAft>
-              <a:buSzPts val="1400"/>
-              <a:buNone/>
-              <a:defRPr/>
-            </a:lvl2pPr>
-            <a:lvl3pPr lvl="2" algn="l">
-              <a:spcBef>
-                <a:spcPts val="0"/>
-              </a:spcBef>
-              <a:spcAft>
-                <a:spcPts val="0"/>
-              </a:spcAft>
-              <a:buSzPts val="1400"/>
-              <a:buNone/>
-              <a:defRPr/>
-            </a:lvl3pPr>
-            <a:lvl4pPr lvl="3" algn="l">
-              <a:spcBef>
-                <a:spcPts val="0"/>
-              </a:spcBef>
-              <a:spcAft>
-                <a:spcPts val="0"/>
-              </a:spcAft>
-              <a:buSzPts val="1400"/>
-              <a:buNone/>
-              <a:defRPr/>
-            </a:lvl4pPr>
-            <a:lvl5pPr lvl="4" algn="l">
-              <a:spcBef>
-                <a:spcPts val="0"/>
-              </a:spcBef>
-              <a:spcAft>
-                <a:spcPts val="0"/>
-              </a:spcAft>
-              <a:buSzPts val="1400"/>
-              <a:buNone/>
-              <a:defRPr/>
-            </a:lvl5pPr>
-            <a:lvl6pPr lvl="5" algn="l">
-              <a:spcBef>
-                <a:spcPts val="0"/>
-              </a:spcBef>
-              <a:spcAft>
-                <a:spcPts val="0"/>
-              </a:spcAft>
-              <a:buSzPts val="1400"/>
-              <a:buNone/>
-              <a:defRPr/>
-            </a:lvl6pPr>
-            <a:lvl7pPr lvl="6" algn="l">
-              <a:spcBef>
-                <a:spcPts val="0"/>
-              </a:spcBef>
-              <a:spcAft>
-                <a:spcPts val="0"/>
-              </a:spcAft>
-              <a:buSzPts val="1400"/>
-              <a:buNone/>
-              <a:defRPr/>
-            </a:lvl7pPr>
-            <a:lvl8pPr lvl="7" algn="l">
-              <a:spcBef>
-                <a:spcPts val="0"/>
-              </a:spcBef>
-              <a:spcAft>
-                <a:spcPts val="0"/>
-              </a:spcAft>
-              <a:buSzPts val="1400"/>
-              <a:buNone/>
-              <a:defRPr/>
-            </a:lvl8pPr>
-            <a:lvl9pPr lvl="8" algn="l">
-              <a:spcBef>
-                <a:spcPts val="0"/>
-              </a:spcBef>
-              <a:spcAft>
-                <a:spcPts val="0"/>
-              </a:spcAft>
-              <a:buSzPts val="1400"/>
-              <a:buNone/>
-              <a:defRPr/>
-            </a:lvl9pPr>
-          </a:lstStyle>
-          <a:p>
-            <a:endParaRPr/>
-          </a:p>
-        </p:txBody>
-      </p:sp>
-      <p:sp>
-        <p:nvSpPr>
-          <p:cNvPr id="78" name="Google Shape;78;p12"/>
-          <p:cNvSpPr txBox="1">
-            <a:spLocks noGrp="1"/>
-          </p:cNvSpPr>
-          <p:nvPr>
-            <p:ph type="ftr" idx="11"/>
-          </p:nvPr>
-        </p:nvSpPr>
-        <p:spPr>
-          <a:xfrm>
-            <a:off x="6057903" y="9534526"/>
-            <a:ext cx="6172201" cy="547688"/>
-          </a:xfrm>
-          <a:prstGeom prst="rect">
-            <a:avLst/>
-          </a:prstGeom>
-          <a:noFill/>
-          <a:ln>
-            <a:noFill/>
-          </a:ln>
-        </p:spPr>
-        <p:txBody>
-          <a:bodyPr spcFirstLastPara="1" wrap="square" lIns="91425" tIns="45700" rIns="91425" bIns="45700" anchor="ctr" anchorCtr="0">
-            <a:noAutofit/>
-          </a:bodyPr>
-          <a:lstStyle>
-            <a:lvl1pPr lvl="0" algn="ctr">
-              <a:spcBef>
-                <a:spcPts val="0"/>
-              </a:spcBef>
-              <a:spcAft>
-                <a:spcPts val="0"/>
-              </a:spcAft>
-              <a:buSzPts val="1400"/>
-              <a:buNone/>
-              <a:defRPr/>
-            </a:lvl1pPr>
-            <a:lvl2pPr lvl="1" algn="l">
-              <a:spcBef>
-                <a:spcPts val="0"/>
-              </a:spcBef>
-              <a:spcAft>
-                <a:spcPts val="0"/>
-              </a:spcAft>
-              <a:buSzPts val="1400"/>
-              <a:buNone/>
-              <a:defRPr/>
-            </a:lvl2pPr>
-            <a:lvl3pPr lvl="2" algn="l">
-              <a:spcBef>
-                <a:spcPts val="0"/>
-              </a:spcBef>
-              <a:spcAft>
-                <a:spcPts val="0"/>
-              </a:spcAft>
-              <a:buSzPts val="1400"/>
-              <a:buNone/>
-              <a:defRPr/>
-            </a:lvl3pPr>
-            <a:lvl4pPr lvl="3" algn="l">
-              <a:spcBef>
-                <a:spcPts val="0"/>
-              </a:spcBef>
-              <a:spcAft>
-                <a:spcPts val="0"/>
-              </a:spcAft>
-              <a:buSzPts val="1400"/>
-              <a:buNone/>
-              <a:defRPr/>
-            </a:lvl4pPr>
-            <a:lvl5pPr lvl="4" algn="l">
-              <a:spcBef>
-                <a:spcPts val="0"/>
-              </a:spcBef>
-              <a:spcAft>
-                <a:spcPts val="0"/>
-              </a:spcAft>
-              <a:buSzPts val="1400"/>
-              <a:buNone/>
-              <a:defRPr/>
-            </a:lvl5pPr>
-            <a:lvl6pPr lvl="5" algn="l">
-              <a:spcBef>
-                <a:spcPts val="0"/>
-              </a:spcBef>
-              <a:spcAft>
-                <a:spcPts val="0"/>
-              </a:spcAft>
-              <a:buSzPts val="1400"/>
-              <a:buNone/>
-              <a:defRPr/>
-            </a:lvl6pPr>
-            <a:lvl7pPr lvl="6" algn="l">
-              <a:spcBef>
-                <a:spcPts val="0"/>
-              </a:spcBef>
-              <a:spcAft>
-                <a:spcPts val="0"/>
-              </a:spcAft>
-              <a:buSzPts val="1400"/>
-              <a:buNone/>
-              <a:defRPr/>
-            </a:lvl7pPr>
-            <a:lvl8pPr lvl="7" algn="l">
-              <a:spcBef>
-                <a:spcPts val="0"/>
-              </a:spcBef>
-              <a:spcAft>
-                <a:spcPts val="0"/>
-              </a:spcAft>
-              <a:buSzPts val="1400"/>
-              <a:buNone/>
-              <a:defRPr/>
-            </a:lvl8pPr>
-            <a:lvl9pPr lvl="8" algn="l">
-              <a:spcBef>
-                <a:spcPts val="0"/>
-              </a:spcBef>
-              <a:spcAft>
-                <a:spcPts val="0"/>
-              </a:spcAft>
-              <a:buSzPts val="1400"/>
-              <a:buNone/>
-              <a:defRPr/>
-            </a:lvl9pPr>
-          </a:lstStyle>
-          <a:p>
-            <a:endParaRPr/>
-          </a:p>
-        </p:txBody>
-      </p:sp>
-      <p:sp>
-        <p:nvSpPr>
-          <p:cNvPr id="79" name="Google Shape;79;p12"/>
-          <p:cNvSpPr txBox="1">
-            <a:spLocks noGrp="1"/>
-          </p:cNvSpPr>
-          <p:nvPr>
-            <p:ph type="sldNum" idx="12"/>
-          </p:nvPr>
-        </p:nvSpPr>
-        <p:spPr>
-          <a:xfrm>
-            <a:off x="12915901" y="9534526"/>
+            <a:off x="12915900" y="9534526"/>
             <a:ext cx="4114800" cy="547688"/>
           </a:xfrm>
           <a:prstGeom prst="rect">
@@ -8127,8 +8847,8 @@
         </p:nvSpPr>
         <p:spPr>
           <a:xfrm>
-            <a:off x="1257301" y="547688"/>
-            <a:ext cx="15773401" cy="1988345"/>
+            <a:off x="1257300" y="547688"/>
+            <a:ext cx="15773400" cy="1988345"/>
           </a:xfrm>
           <a:prstGeom prst="rect">
             <a:avLst/>
@@ -8275,8 +8995,8 @@
         </p:nvSpPr>
         <p:spPr>
           <a:xfrm>
-            <a:off x="1257301" y="2738438"/>
-            <a:ext cx="15773401" cy="6527007"/>
+            <a:off x="1257300" y="2738438"/>
+            <a:ext cx="15773400" cy="6527007"/>
           </a:xfrm>
           <a:prstGeom prst="rect">
             <a:avLst/>
@@ -8748,8 +9468,8 @@
         </p:nvSpPr>
         <p:spPr>
           <a:xfrm>
-            <a:off x="6057903" y="9534526"/>
-            <a:ext cx="6172201" cy="547688"/>
+            <a:off x="6057900" y="9534526"/>
+            <a:ext cx="6172200" cy="547688"/>
           </a:xfrm>
           <a:prstGeom prst="rect">
             <a:avLst/>
@@ -8953,7 +9673,7 @@
         </p:nvSpPr>
         <p:spPr>
           <a:xfrm>
-            <a:off x="12915901" y="9534526"/>
+            <a:off x="12915900" y="9534526"/>
             <a:ext cx="4114800" cy="547688"/>
           </a:xfrm>
           <a:prstGeom prst="rect">
@@ -9120,14 +9840,15 @@
   <p:clrMap bg1="lt1" tx1="dk1" bg2="dk2" tx2="lt2" accent1="accent1" accent2="accent2" accent3="accent3" accent4="accent4" accent5="accent5" accent6="accent6" hlink="hlink" folHlink="folHlink"/>
   <p:sldLayoutIdLst>
     <p:sldLayoutId id="2147483648" r:id="rId1"/>
-    <p:sldLayoutId id="2147483651" r:id="rId2"/>
-    <p:sldLayoutId id="2147483652" r:id="rId3"/>
-    <p:sldLayoutId id="2147483653" r:id="rId4"/>
-    <p:sldLayoutId id="2147483654" r:id="rId5"/>
-    <p:sldLayoutId id="2147483655" r:id="rId6"/>
-    <p:sldLayoutId id="2147483656" r:id="rId7"/>
-    <p:sldLayoutId id="2147483657" r:id="rId8"/>
-    <p:sldLayoutId id="2147483658" r:id="rId9"/>
+    <p:sldLayoutId id="2147483650" r:id="rId2"/>
+    <p:sldLayoutId id="2147483651" r:id="rId3"/>
+    <p:sldLayoutId id="2147483652" r:id="rId4"/>
+    <p:sldLayoutId id="2147483653" r:id="rId5"/>
+    <p:sldLayoutId id="2147483654" r:id="rId6"/>
+    <p:sldLayoutId id="2147483655" r:id="rId7"/>
+    <p:sldLayoutId id="2147483656" r:id="rId8"/>
+    <p:sldLayoutId id="2147483657" r:id="rId9"/>
+    <p:sldLayoutId id="2147483658" r:id="rId10"/>
   </p:sldLayoutIdLst>
   <p:hf sldNum="0" hdr="0" ftr="0" dt="0"/>
   <p:txStyles>
@@ -9856,7 +10577,7 @@
         <p:spPr>
           <a:xfrm>
             <a:off x="12447113" y="6092513"/>
-            <a:ext cx="5726700" cy="3846150"/>
+            <a:ext cx="5726700" cy="3394350"/>
           </a:xfrm>
           <a:prstGeom prst="roundRect">
             <a:avLst>
@@ -10378,8 +11099,8 @@
         </p:nvSpPr>
         <p:spPr>
           <a:xfrm>
-            <a:off x="98744" y="976576"/>
-            <a:ext cx="5639317" cy="3185443"/>
+            <a:off x="77988" y="976576"/>
+            <a:ext cx="5639850" cy="3531692"/>
           </a:xfrm>
           <a:prstGeom prst="rect">
             <a:avLst/>
@@ -10504,26 +11225,16 @@
                 <a:cs typeface="Calibri"/>
                 <a:sym typeface="Calibri"/>
               </a:rPr>
-              <a:t>+ </a:t>
+              <a:t>+ Chili					$1.00</a:t>
             </a:r>
-            <a:r>
-              <a:rPr lang="en-US" sz="2700" b="1" dirty="0" err="1">
-                <a:latin typeface="Calibri"/>
-                <a:ea typeface="Calibri"/>
-                <a:cs typeface="Calibri"/>
-                <a:sym typeface="Calibri"/>
-              </a:rPr>
-              <a:t>Chilli</a:t>
-            </a:r>
-            <a:r>
-              <a:rPr lang="en-US" sz="2700" b="1" dirty="0">
-                <a:latin typeface="Calibri"/>
-                <a:ea typeface="Calibri"/>
-                <a:cs typeface="Calibri"/>
-                <a:sym typeface="Calibri"/>
-              </a:rPr>
-              <a:t>				$1.00</a:t>
-            </a:r>
+            <a:endParaRPr sz="2700" b="1" dirty="0">
+              <a:latin typeface="Calibri"/>
+              <a:ea typeface="Calibri"/>
+              <a:cs typeface="Calibri"/>
+              <a:sym typeface="Calibri"/>
+            </a:endParaRPr>
+          </a:p>
+          <a:p>
             <a:endParaRPr sz="2250" b="1" dirty="0">
               <a:latin typeface="Calibri"/>
               <a:ea typeface="Calibri"/>
@@ -10541,8 +11252,8 @@
         </p:nvSpPr>
         <p:spPr>
           <a:xfrm>
-            <a:off x="169200" y="5444626"/>
-            <a:ext cx="5717305" cy="1938948"/>
+            <a:off x="257480" y="5444626"/>
+            <a:ext cx="5639849" cy="1938948"/>
           </a:xfrm>
           <a:prstGeom prst="rect">
             <a:avLst/>
@@ -10635,8 +11346,8 @@
         </p:nvSpPr>
         <p:spPr>
           <a:xfrm>
-            <a:off x="610913" y="8473950"/>
-            <a:ext cx="3902514" cy="1523450"/>
+            <a:off x="473603" y="8473950"/>
+            <a:ext cx="3924129" cy="1523450"/>
           </a:xfrm>
           <a:prstGeom prst="rect">
             <a:avLst/>
@@ -10659,7 +11370,7 @@
                 <a:cs typeface="Calibri"/>
                 <a:sym typeface="Calibri"/>
               </a:rPr>
-              <a:t>Icees</a:t>
+              <a:t>Icee</a:t>
             </a:r>
             <a:r>
               <a:rPr lang="en-US" sz="2700" b="1" dirty="0">
@@ -10721,8 +11432,8 @@
         </p:nvSpPr>
         <p:spPr>
           <a:xfrm>
-            <a:off x="7290283" y="6638363"/>
-            <a:ext cx="3851166" cy="1107951"/>
+            <a:off x="7196288" y="6638363"/>
+            <a:ext cx="4002308" cy="1107951"/>
           </a:xfrm>
           <a:prstGeom prst="rect">
             <a:avLst/>
@@ -10748,7 +11459,7 @@
                 <a:cs typeface="Calibri"/>
                 <a:sym typeface="Calibri"/>
               </a:rPr>
-              <a:t>3 &amp; Under	Free</a:t>
+              <a:t>3 &amp; Under		Free</a:t>
             </a:r>
             <a:br>
               <a:rPr lang="en-US" sz="2700" b="1" dirty="0">
@@ -10771,19 +11482,7 @@
                 <a:cs typeface="Calibri"/>
                 <a:sym typeface="Calibri"/>
               </a:rPr>
-              <a:t>4+	</a:t>
-            </a:r>
-            <a:r>
-              <a:rPr lang="en-US" sz="2700" b="1">
-                <a:solidFill>
-                  <a:schemeClr val="lt1"/>
-                </a:solidFill>
-                <a:latin typeface="Calibri"/>
-                <a:ea typeface="Calibri"/>
-                <a:cs typeface="Calibri"/>
-                <a:sym typeface="Calibri"/>
-              </a:rPr>
-              <a:t>	$3.00</a:t>
+              <a:t>4+			$3.00</a:t>
             </a:r>
             <a:endParaRPr sz="3150" dirty="0">
               <a:latin typeface="Calibri"/>
@@ -10802,8 +11501,8 @@
         </p:nvSpPr>
         <p:spPr>
           <a:xfrm>
-            <a:off x="12545726" y="1228725"/>
-            <a:ext cx="5680800" cy="4016440"/>
+            <a:off x="12484355" y="1150668"/>
+            <a:ext cx="5680799" cy="4016440"/>
           </a:xfrm>
           <a:prstGeom prst="rect">
             <a:avLst/>
@@ -10981,8 +11680,8 @@
         </p:nvSpPr>
         <p:spPr>
           <a:xfrm>
-            <a:off x="12463496" y="6914588"/>
-            <a:ext cx="5726700" cy="2769945"/>
+            <a:off x="12492900" y="6866963"/>
+            <a:ext cx="5672254" cy="3185443"/>
           </a:xfrm>
           <a:prstGeom prst="rect">
             <a:avLst/>
@@ -11039,7 +11738,7 @@
                 <a:cs typeface="Calibri"/>
                 <a:sym typeface="Calibri"/>
               </a:rPr>
-              <a:t>Airheads				$1.00</a:t>
+              <a:t>Sweet Tart Rope			$2.00</a:t>
             </a:r>
             <a:endParaRPr sz="2700" b="1" dirty="0">
               <a:latin typeface="Calibri"/>
@@ -11073,7 +11772,7 @@
                 <a:cs typeface="Calibri"/>
                 <a:sym typeface="Calibri"/>
               </a:rPr>
-              <a:t>Sweet Tart Rope			$1.00</a:t>
+              <a:t>Airheads				$1.00</a:t>
             </a:r>
             <a:endParaRPr sz="2700" b="1" dirty="0">
               <a:latin typeface="Calibri"/>
@@ -11083,15 +11782,14 @@
             </a:endParaRPr>
           </a:p>
           <a:p>
-            <a:r>
-              <a:rPr lang="en-US" sz="2700" b="1" dirty="0">
-                <a:latin typeface="Calibri"/>
-                <a:ea typeface="Calibri"/>
-                <a:cs typeface="Calibri"/>
-                <a:sym typeface="Calibri"/>
-              </a:rPr>
-              <a:t>Assorted Candy			$1.00</a:t>
-            </a:r>
+            <a:endParaRPr sz="2700" b="1" dirty="0">
+              <a:latin typeface="Calibri"/>
+              <a:ea typeface="Calibri"/>
+              <a:cs typeface="Calibri"/>
+              <a:sym typeface="Calibri"/>
+            </a:endParaRPr>
+          </a:p>
+          <a:p>
             <a:endParaRPr sz="2700" b="1" dirty="0">
               <a:latin typeface="Calibri"/>
               <a:ea typeface="Calibri"/>

--- a/Assets/Menu/Menu.pptx
+++ b/Assets/Menu/Menu.pptx
@@ -11704,7 +11704,7 @@
                 <a:cs typeface="Calibri"/>
                 <a:sym typeface="Calibri"/>
               </a:rPr>
-              <a:t>Candy Bars				$1.00</a:t>
+              <a:t>Candy Bars				$2.00</a:t>
             </a:r>
             <a:endParaRPr sz="2700" b="1" dirty="0">
               <a:latin typeface="Calibri"/>

--- a/Assets/Menu/Menu.pptx
+++ b/Assets/Menu/Menu.pptx
@@ -10576,7 +10576,7 @@
         </p:nvSpPr>
         <p:spPr>
           <a:xfrm>
-            <a:off x="12447113" y="6092513"/>
+            <a:off x="12208577" y="6092513"/>
             <a:ext cx="5726700" cy="3394350"/>
           </a:xfrm>
           <a:prstGeom prst="roundRect">
@@ -10639,8 +10639,8 @@
         </p:nvSpPr>
         <p:spPr>
           <a:xfrm>
-            <a:off x="201275" y="4620231"/>
-            <a:ext cx="5639850" cy="2809350"/>
+            <a:off x="479567" y="4736776"/>
+            <a:ext cx="5639850" cy="2506710"/>
           </a:xfrm>
           <a:prstGeom prst="roundRect">
             <a:avLst>
@@ -10702,7 +10702,7 @@
         </p:nvSpPr>
         <p:spPr>
           <a:xfrm>
-            <a:off x="401775" y="7673816"/>
+            <a:off x="680067" y="7673816"/>
             <a:ext cx="4111650" cy="2432700"/>
           </a:xfrm>
           <a:prstGeom prst="roundRect">
@@ -10754,7 +10754,7 @@
         </p:nvSpPr>
         <p:spPr>
           <a:xfrm>
-            <a:off x="12492900" y="457200"/>
+            <a:off x="12254364" y="457200"/>
             <a:ext cx="5680800" cy="4931550"/>
           </a:xfrm>
           <a:prstGeom prst="roundRect">
@@ -10783,7 +10783,7 @@
           <a:p>
             <a:pPr algn="ctr"/>
             <a:r>
-              <a:rPr lang="en-US" sz="4800">
+              <a:rPr lang="en-US" sz="4800" dirty="0">
                 <a:solidFill>
                   <a:schemeClr val="lt1"/>
                 </a:solidFill>
@@ -10794,7 +10794,7 @@
               </a:rPr>
               <a:t>Snacks</a:t>
             </a:r>
-            <a:endParaRPr sz="2700">
+            <a:endParaRPr sz="2700" dirty="0">
               <a:solidFill>
                 <a:schemeClr val="lt1"/>
               </a:solidFill>
@@ -10805,7 +10805,7 @@
             </a:endParaRPr>
           </a:p>
           <a:p>
-            <a:endParaRPr sz="3150"/>
+            <a:endParaRPr sz="3150" dirty="0"/>
           </a:p>
         </p:txBody>
       </p:sp>
@@ -10817,7 +10817,7 @@
         </p:nvSpPr>
         <p:spPr>
           <a:xfrm>
-            <a:off x="102536" y="187388"/>
+            <a:off x="380828" y="187388"/>
             <a:ext cx="5639850" cy="4188600"/>
           </a:xfrm>
           <a:prstGeom prst="roundRect">
@@ -10969,8 +10969,8 @@
         </p:blipFill>
         <p:spPr>
           <a:xfrm>
-            <a:off x="5886506" y="-740250"/>
-            <a:ext cx="6515100" cy="6515100"/>
+            <a:off x="6208686" y="-628725"/>
+            <a:ext cx="5868172" cy="5820825"/>
           </a:xfrm>
           <a:prstGeom prst="rect">
             <a:avLst/>
@@ -11099,7 +11099,7 @@
         </p:nvSpPr>
         <p:spPr>
           <a:xfrm>
-            <a:off x="77988" y="976576"/>
+            <a:off x="356280" y="976576"/>
             <a:ext cx="5639850" cy="3531692"/>
           </a:xfrm>
           <a:prstGeom prst="rect">
@@ -11208,7 +11208,7 @@
                 <a:cs typeface="Calibri"/>
                 <a:sym typeface="Calibri"/>
               </a:rPr>
-              <a:t>+Cheese				$1.00</a:t>
+              <a:t>+ Cheese				$1.00</a:t>
             </a:r>
             <a:endParaRPr sz="2700" b="1" dirty="0">
               <a:latin typeface="Calibri"/>
@@ -11252,8 +11252,8 @@
         </p:nvSpPr>
         <p:spPr>
           <a:xfrm>
-            <a:off x="257480" y="5444626"/>
-            <a:ext cx="5639849" cy="1938948"/>
+            <a:off x="535772" y="5498416"/>
+            <a:ext cx="5639849" cy="1523450"/>
           </a:xfrm>
           <a:prstGeom prst="rect">
             <a:avLst/>
@@ -11310,31 +11310,8 @@
                 <a:cs typeface="Calibri"/>
                 <a:sym typeface="Calibri"/>
               </a:rPr>
-              <a:t>Gatorade				$2.00</a:t>
+              <a:t>Gatorade		         $3.00 / $4.00</a:t>
             </a:r>
-            <a:endParaRPr sz="2700" b="1" dirty="0">
-              <a:latin typeface="Calibri"/>
-              <a:ea typeface="Calibri"/>
-              <a:cs typeface="Calibri"/>
-              <a:sym typeface="Calibri"/>
-            </a:endParaRPr>
-          </a:p>
-          <a:p>
-            <a:r>
-              <a:rPr lang="en-US" sz="2700" b="1" dirty="0">
-                <a:latin typeface="Calibri"/>
-                <a:ea typeface="Calibri"/>
-                <a:cs typeface="Calibri"/>
-                <a:sym typeface="Calibri"/>
-              </a:rPr>
-              <a:t>Coffee &amp; Hot Chocolate		$1.00</a:t>
-            </a:r>
-            <a:endParaRPr sz="2700" b="1" dirty="0">
-              <a:latin typeface="Calibri"/>
-              <a:ea typeface="Calibri"/>
-              <a:cs typeface="Calibri"/>
-              <a:sym typeface="Calibri"/>
-            </a:endParaRPr>
           </a:p>
         </p:txBody>
       </p:sp>
@@ -11346,7 +11323,7 @@
         </p:nvSpPr>
         <p:spPr>
           <a:xfrm>
-            <a:off x="473603" y="8473950"/>
+            <a:off x="751895" y="8473950"/>
             <a:ext cx="3924129" cy="1523450"/>
           </a:xfrm>
           <a:prstGeom prst="rect">
@@ -11501,7 +11478,7 @@
         </p:nvSpPr>
         <p:spPr>
           <a:xfrm>
-            <a:off x="12484355" y="1150668"/>
+            <a:off x="12245819" y="1150668"/>
             <a:ext cx="5680799" cy="4016440"/>
           </a:xfrm>
           <a:prstGeom prst="rect">
@@ -11525,7 +11502,7 @@
                 <a:cs typeface="Calibri"/>
                 <a:sym typeface="Calibri"/>
               </a:rPr>
-              <a:t>Large Popcorn			$2.00</a:t>
+              <a:t>Large Popcorn			$3.00</a:t>
             </a:r>
             <a:endParaRPr sz="2700" b="1" dirty="0">
               <a:latin typeface="Calibri"/>
@@ -11542,7 +11519,7 @@
                 <a:cs typeface="Calibri"/>
                 <a:sym typeface="Calibri"/>
               </a:rPr>
-              <a:t>Small Popcorn			$1.00</a:t>
+              <a:t>Small Popcorn			$2.00</a:t>
             </a:r>
             <a:endParaRPr sz="2700" b="1" dirty="0">
               <a:latin typeface="Calibri"/>
@@ -11593,7 +11570,7 @@
                 <a:cs typeface="Calibri"/>
                 <a:sym typeface="Calibri"/>
               </a:rPr>
-              <a:t>Slim Jim				$1.00</a:t>
+              <a:t>Slim Jim				$2.00</a:t>
             </a:r>
             <a:endParaRPr sz="2700" b="1" dirty="0">
               <a:latin typeface="Calibri"/>
@@ -11610,7 +11587,7 @@
                 <a:cs typeface="Calibri"/>
                 <a:sym typeface="Calibri"/>
               </a:rPr>
-              <a:t>Sunflower Seeds			$1.00</a:t>
+              <a:t>Sunflower Seeds			$3.00</a:t>
             </a:r>
             <a:endParaRPr sz="2700" b="1" dirty="0">
               <a:latin typeface="Calibri"/>
@@ -11627,7 +11604,7 @@
                 <a:cs typeface="Calibri"/>
                 <a:sym typeface="Calibri"/>
               </a:rPr>
-              <a:t>Chips					$1.00</a:t>
+              <a:t>Chips					$2.00</a:t>
             </a:r>
             <a:endParaRPr sz="2700" b="1" dirty="0">
               <a:latin typeface="Calibri"/>
@@ -11680,7 +11657,7 @@
         </p:nvSpPr>
         <p:spPr>
           <a:xfrm>
-            <a:off x="12492900" y="6866963"/>
+            <a:off x="12254364" y="6866963"/>
             <a:ext cx="5672254" cy="3185443"/>
           </a:xfrm>
           <a:prstGeom prst="rect">
@@ -11755,7 +11732,7 @@
                 <a:cs typeface="Calibri"/>
                 <a:sym typeface="Calibri"/>
               </a:rPr>
-              <a:t>2 Blow Pops				$1.00</a:t>
+              <a:t>Ring Pop				$1.00</a:t>
             </a:r>
             <a:endParaRPr sz="2700" b="1" dirty="0">
               <a:latin typeface="Calibri"/>

--- a/Assets/Menu/Menu.pptx
+++ b/Assets/Menu/Menu.pptx
@@ -14,16 +14,9 @@
   <p:notesSz cx="6858000" cy="9144000"/>
   <p:embeddedFontLst>
     <p:embeddedFont>
-      <p:font typeface="Calibri" panose="020F0502020204030204" pitchFamily="34" charset="0"/>
+      <p:font typeface="Corben" panose="020B0604020202020204" charset="0"/>
       <p:regular r:id="rId4"/>
       <p:bold r:id="rId5"/>
-      <p:italic r:id="rId6"/>
-      <p:boldItalic r:id="rId7"/>
-    </p:embeddedFont>
-    <p:embeddedFont>
-      <p:font typeface="Corben" panose="020B0604020202020204" charset="0"/>
-      <p:regular r:id="rId8"/>
-      <p:bold r:id="rId9"/>
     </p:embeddedFont>
   </p:embeddedFontLst>
   <p:defaultTextStyle>
@@ -10576,8 +10569,8 @@
         </p:nvSpPr>
         <p:spPr>
           <a:xfrm>
-            <a:off x="12208577" y="6092513"/>
-            <a:ext cx="5726700" cy="3394350"/>
+            <a:off x="12226372" y="5305431"/>
+            <a:ext cx="5726700" cy="4016440"/>
           </a:xfrm>
           <a:prstGeom prst="roundRect">
             <a:avLst>
@@ -10605,7 +10598,7 @@
           <a:p>
             <a:pPr algn="ctr"/>
             <a:r>
-              <a:rPr lang="en-US" sz="4800">
+              <a:rPr lang="en-US" sz="4800" dirty="0">
                 <a:solidFill>
                   <a:schemeClr val="lt1"/>
                 </a:solidFill>
@@ -10616,7 +10609,7 @@
               </a:rPr>
               <a:t>Candy</a:t>
             </a:r>
-            <a:endParaRPr sz="2700">
+            <a:endParaRPr sz="2700" dirty="0">
               <a:solidFill>
                 <a:schemeClr val="dk1"/>
               </a:solidFill>
@@ -10627,7 +10620,7 @@
             </a:endParaRPr>
           </a:p>
           <a:p>
-            <a:endParaRPr sz="3150"/>
+            <a:endParaRPr sz="3150" dirty="0"/>
           </a:p>
         </p:txBody>
       </p:sp>
@@ -10639,8 +10632,8 @@
         </p:nvSpPr>
         <p:spPr>
           <a:xfrm>
-            <a:off x="479567" y="4736776"/>
-            <a:ext cx="5639850" cy="2506710"/>
+            <a:off x="424774" y="5080575"/>
+            <a:ext cx="5595904" cy="2232856"/>
           </a:xfrm>
           <a:prstGeom prst="roundRect">
             <a:avLst>
@@ -10702,8 +10695,8 @@
         </p:nvSpPr>
         <p:spPr>
           <a:xfrm>
-            <a:off x="680067" y="7673816"/>
-            <a:ext cx="4111650" cy="2432700"/>
+            <a:off x="389397" y="7725907"/>
+            <a:ext cx="5639849" cy="2432700"/>
           </a:xfrm>
           <a:prstGeom prst="roundRect">
             <a:avLst>
@@ -10754,8 +10747,8 @@
         </p:nvSpPr>
         <p:spPr>
           <a:xfrm>
-            <a:off x="12254364" y="457200"/>
-            <a:ext cx="5680800" cy="4931550"/>
+            <a:off x="12226372" y="512243"/>
+            <a:ext cx="5680800" cy="4197799"/>
           </a:xfrm>
           <a:prstGeom prst="roundRect">
             <a:avLst>
@@ -10818,7 +10811,7 @@
         <p:spPr>
           <a:xfrm>
             <a:off x="380828" y="187388"/>
-            <a:ext cx="5639850" cy="4188600"/>
+            <a:ext cx="5639850" cy="4532802"/>
           </a:xfrm>
           <a:prstGeom prst="roundRect">
             <a:avLst>
@@ -10846,7 +10839,7 @@
           <a:p>
             <a:pPr algn="ctr"/>
             <a:r>
-              <a:rPr lang="en-US" sz="4800">
+              <a:rPr lang="en-US" sz="4800" dirty="0">
                 <a:solidFill>
                   <a:schemeClr val="lt1"/>
                 </a:solidFill>
@@ -10857,7 +10850,7 @@
               </a:rPr>
               <a:t>Food</a:t>
             </a:r>
-            <a:endParaRPr sz="2700" b="1">
+            <a:endParaRPr sz="2700" b="1" dirty="0">
               <a:solidFill>
                 <a:schemeClr val="dk1"/>
               </a:solidFill>
@@ -10868,7 +10861,7 @@
             </a:endParaRPr>
           </a:p>
           <a:p>
-            <a:endParaRPr sz="3150"/>
+            <a:endParaRPr sz="3150" dirty="0"/>
           </a:p>
         </p:txBody>
       </p:sp>
@@ -10954,33 +10947,6 @@
           </a:p>
         </p:txBody>
       </p:sp>
-      <p:pic>
-        <p:nvPicPr>
-          <p:cNvPr id="90" name="Google Shape;90;p13"/>
-          <p:cNvPicPr preferRelativeResize="0"/>
-          <p:nvPr/>
-        </p:nvPicPr>
-        <p:blipFill rotWithShape="1">
-          <a:blip r:embed="rId3">
-            <a:alphaModFix/>
-          </a:blip>
-          <a:srcRect/>
-          <a:stretch/>
-        </p:blipFill>
-        <p:spPr>
-          <a:xfrm>
-            <a:off x="6208686" y="-628725"/>
-            <a:ext cx="5868172" cy="5820825"/>
-          </a:xfrm>
-          <a:prstGeom prst="rect">
-            <a:avLst/>
-          </a:prstGeom>
-          <a:noFill/>
-          <a:ln>
-            <a:noFill/>
-          </a:ln>
-        </p:spPr>
-      </p:pic>
       <p:sp>
         <p:nvSpPr>
           <p:cNvPr id="91" name="Google Shape;91;p13"/>
@@ -10989,7 +10955,7 @@
         </p:nvSpPr>
         <p:spPr>
           <a:xfrm>
-            <a:off x="6120210" y="9486900"/>
+            <a:off x="6120210" y="9575388"/>
             <a:ext cx="6047550" cy="553950"/>
           </a:xfrm>
           <a:prstGeom prst="rect">
@@ -11008,7 +10974,7 @@
           <a:p>
             <a:pPr algn="ctr"/>
             <a:r>
-              <a:rPr lang="en-US" sz="2700" b="1" u="sng">
+              <a:rPr lang="en-US" sz="2700" b="1" u="sng" dirty="0">
                 <a:solidFill>
                   <a:schemeClr val="lt1"/>
                 </a:solidFill>
@@ -11019,7 +10985,7 @@
               </a:rPr>
               <a:t>StantonKY.gov/parks</a:t>
             </a:r>
-            <a:endParaRPr sz="2700" u="sng">
+            <a:endParaRPr sz="2700" u="sng" dirty="0">
               <a:solidFill>
                 <a:schemeClr val="dk1"/>
               </a:solidFill>
@@ -11077,7 +11043,7 @@
                 <a:cs typeface="Calibri"/>
                 <a:sym typeface="Calibri"/>
               </a:rPr>
-              <a:t>Ask us about renting our Pavilions or Splash Park for your next private party!</a:t>
+              <a:t>Go to our website to rent our Pavilions or Splash Park for your next private party!</a:t>
             </a:r>
             <a:endParaRPr sz="2400" b="1" dirty="0">
               <a:solidFill>
@@ -11099,8 +11065,8 @@
         </p:nvSpPr>
         <p:spPr>
           <a:xfrm>
-            <a:off x="356280" y="976576"/>
-            <a:ext cx="5639850" cy="3531692"/>
+            <a:off x="366112" y="888088"/>
+            <a:ext cx="4048572" cy="3600941"/>
           </a:xfrm>
           <a:prstGeom prst="rect">
             <a:avLst/>
@@ -11123,14 +11089,8 @@
                 <a:cs typeface="Calibri"/>
                 <a:sym typeface="Calibri"/>
               </a:rPr>
-              <a:t>Pizza					$2.00</a:t>
+              <a:t>Pork Tenderloin Sandwich</a:t>
             </a:r>
-            <a:endParaRPr sz="2700" b="1" dirty="0">
-              <a:latin typeface="Calibri"/>
-              <a:ea typeface="Calibri"/>
-              <a:cs typeface="Calibri"/>
-              <a:sym typeface="Calibri"/>
-            </a:endParaRPr>
           </a:p>
           <a:p>
             <a:r>
@@ -11140,14 +11100,8 @@
                 <a:cs typeface="Calibri"/>
                 <a:sym typeface="Calibri"/>
               </a:rPr>
-              <a:t>Hot Dog				$2.00</a:t>
+              <a:t>BBQ Sandwich</a:t>
             </a:r>
-            <a:endParaRPr sz="2700" b="1" dirty="0">
-              <a:latin typeface="Calibri"/>
-              <a:ea typeface="Calibri"/>
-              <a:cs typeface="Calibri"/>
-              <a:sym typeface="Calibri"/>
-            </a:endParaRPr>
           </a:p>
           <a:p>
             <a:r>
@@ -11157,14 +11111,8 @@
                 <a:cs typeface="Calibri"/>
                 <a:sym typeface="Calibri"/>
               </a:rPr>
-              <a:t>Corn Dog				$2.00</a:t>
+              <a:t>Pizza</a:t>
             </a:r>
-            <a:endParaRPr sz="2700" b="1" dirty="0">
-              <a:latin typeface="Calibri"/>
-              <a:ea typeface="Calibri"/>
-              <a:cs typeface="Calibri"/>
-              <a:sym typeface="Calibri"/>
-            </a:endParaRPr>
           </a:p>
           <a:p>
             <a:r>
@@ -11174,14 +11122,8 @@
                 <a:cs typeface="Calibri"/>
                 <a:sym typeface="Calibri"/>
               </a:rPr>
-              <a:t>Hamburger				$2.00</a:t>
+              <a:t>Hot Dog</a:t>
             </a:r>
-            <a:endParaRPr sz="2700" b="1" dirty="0">
-              <a:latin typeface="Calibri"/>
-              <a:ea typeface="Calibri"/>
-              <a:cs typeface="Calibri"/>
-              <a:sym typeface="Calibri"/>
-            </a:endParaRPr>
           </a:p>
           <a:p>
             <a:r>
@@ -11191,14 +11133,8 @@
                 <a:cs typeface="Calibri"/>
                 <a:sym typeface="Calibri"/>
               </a:rPr>
-              <a:t>Pork Tenderloin Sandwich	$3.00</a:t>
+              <a:t>Hamburger</a:t>
             </a:r>
-            <a:endParaRPr sz="2700" b="1" dirty="0">
-              <a:latin typeface="Calibri"/>
-              <a:ea typeface="Calibri"/>
-              <a:cs typeface="Calibri"/>
-              <a:sym typeface="Calibri"/>
-            </a:endParaRPr>
           </a:p>
           <a:p>
             <a:r>
@@ -11208,14 +11144,8 @@
                 <a:cs typeface="Calibri"/>
                 <a:sym typeface="Calibri"/>
               </a:rPr>
-              <a:t>+ Cheese				$1.00</a:t>
+              <a:t>+ Cheese</a:t>
             </a:r>
-            <a:endParaRPr sz="2700" b="1" dirty="0">
-              <a:latin typeface="Calibri"/>
-              <a:ea typeface="Calibri"/>
-              <a:cs typeface="Calibri"/>
-              <a:sym typeface="Calibri"/>
-            </a:endParaRPr>
           </a:p>
           <a:p>
             <a:r>
@@ -11225,22 +11155,19 @@
                 <a:cs typeface="Calibri"/>
                 <a:sym typeface="Calibri"/>
               </a:rPr>
-              <a:t>+ Chili					$1.00</a:t>
+              <a:t>+ Chili</a:t>
             </a:r>
-            <a:endParaRPr sz="2700" b="1" dirty="0">
-              <a:latin typeface="Calibri"/>
-              <a:ea typeface="Calibri"/>
-              <a:cs typeface="Calibri"/>
-              <a:sym typeface="Calibri"/>
-            </a:endParaRPr>
-          </a:p>
-          <a:p>
-            <a:endParaRPr sz="2250" b="1" dirty="0">
-              <a:latin typeface="Calibri"/>
-              <a:ea typeface="Calibri"/>
-              <a:cs typeface="Calibri"/>
-              <a:sym typeface="Calibri"/>
-            </a:endParaRPr>
+          </a:p>
+          <a:p>
+            <a:r>
+              <a:rPr lang="en-US" sz="2700" b="1" dirty="0">
+                <a:latin typeface="Calibri"/>
+                <a:ea typeface="Calibri"/>
+                <a:cs typeface="Calibri"/>
+                <a:sym typeface="Calibri"/>
+              </a:rPr>
+              <a:t>+ Jalapeños</a:t>
+            </a:r>
           </a:p>
         </p:txBody>
       </p:sp>
@@ -11252,8 +11179,8 @@
         </p:nvSpPr>
         <p:spPr>
           <a:xfrm>
-            <a:off x="535772" y="5498416"/>
-            <a:ext cx="5639849" cy="1523450"/>
+            <a:off x="385008" y="5789981"/>
+            <a:ext cx="1728928" cy="1523450"/>
           </a:xfrm>
           <a:prstGeom prst="rect">
             <a:avLst/>
@@ -11276,14 +11203,8 @@
                 <a:cs typeface="Calibri"/>
                 <a:sym typeface="Calibri"/>
               </a:rPr>
-              <a:t>Water					$1.00</a:t>
+              <a:t>Gatorade</a:t>
             </a:r>
-            <a:endParaRPr sz="2700" b="1" dirty="0">
-              <a:latin typeface="Calibri"/>
-              <a:ea typeface="Calibri"/>
-              <a:cs typeface="Calibri"/>
-              <a:sym typeface="Calibri"/>
-            </a:endParaRPr>
           </a:p>
           <a:p>
             <a:r>
@@ -11293,14 +11214,8 @@
                 <a:cs typeface="Calibri"/>
                 <a:sym typeface="Calibri"/>
               </a:rPr>
-              <a:t>Can Pop				$1.00</a:t>
+              <a:t>Water	</a:t>
             </a:r>
-            <a:endParaRPr sz="2700" b="1" dirty="0">
-              <a:latin typeface="Calibri"/>
-              <a:ea typeface="Calibri"/>
-              <a:cs typeface="Calibri"/>
-              <a:sym typeface="Calibri"/>
-            </a:endParaRPr>
           </a:p>
           <a:p>
             <a:r>
@@ -11310,7 +11225,7 @@
                 <a:cs typeface="Calibri"/>
                 <a:sym typeface="Calibri"/>
               </a:rPr>
-              <a:t>Gatorade		         $3.00 / $4.00</a:t>
+              <a:t>Can Pop</a:t>
             </a:r>
           </a:p>
         </p:txBody>
@@ -11323,8 +11238,8 @@
         </p:nvSpPr>
         <p:spPr>
           <a:xfrm>
-            <a:off x="751895" y="8473950"/>
-            <a:ext cx="3924129" cy="1523450"/>
+            <a:off x="428303" y="8429438"/>
+            <a:ext cx="2098588" cy="1523450"/>
           </a:xfrm>
           <a:prstGeom prst="rect">
             <a:avLst/>
@@ -11347,7 +11262,7 @@
                 <a:cs typeface="Calibri"/>
                 <a:sym typeface="Calibri"/>
               </a:rPr>
-              <a:t>Icee</a:t>
+              <a:t>Dippin</a:t>
             </a:r>
             <a:r>
               <a:rPr lang="en-US" sz="2700" b="1" dirty="0">
@@ -11356,14 +11271,8 @@
                 <a:cs typeface="Calibri"/>
                 <a:sym typeface="Calibri"/>
               </a:rPr>
-              <a:t>			$2.00</a:t>
+              <a:t>’ Dots</a:t>
             </a:r>
-            <a:endParaRPr sz="2700" b="1" dirty="0">
-              <a:latin typeface="Calibri"/>
-              <a:ea typeface="Calibri"/>
-              <a:cs typeface="Calibri"/>
-              <a:sym typeface="Calibri"/>
-            </a:endParaRPr>
           </a:p>
           <a:p>
             <a:r>
@@ -11373,26 +11282,20 @@
                 <a:cs typeface="Calibri"/>
                 <a:sym typeface="Calibri"/>
               </a:rPr>
-              <a:t>Ice Cream		$3.00</a:t>
+              <a:t>Ice Cream</a:t>
             </a:r>
-            <a:endParaRPr sz="2700" b="1" dirty="0">
-              <a:latin typeface="Calibri"/>
-              <a:ea typeface="Calibri"/>
-              <a:cs typeface="Calibri"/>
-              <a:sym typeface="Calibri"/>
-            </a:endParaRPr>
           </a:p>
           <a:p>
             <a:r>
-              <a:rPr lang="en-US" sz="2700" b="1" dirty="0">
+              <a:rPr lang="en-US" sz="2700" b="1" dirty="0" err="1">
                 <a:latin typeface="Calibri"/>
                 <a:ea typeface="Calibri"/>
                 <a:cs typeface="Calibri"/>
                 <a:sym typeface="Calibri"/>
               </a:rPr>
-              <a:t>Popsicle		$3.00</a:t>
+              <a:t>Icee</a:t>
             </a:r>
-            <a:endParaRPr sz="2700" b="1" dirty="0">
+            <a:endParaRPr lang="en-US" sz="2700" b="1" dirty="0">
               <a:latin typeface="Calibri"/>
               <a:ea typeface="Calibri"/>
               <a:cs typeface="Calibri"/>
@@ -11410,7 +11313,7 @@
         <p:spPr>
           <a:xfrm>
             <a:off x="7196288" y="6638363"/>
-            <a:ext cx="4002308" cy="1107951"/>
+            <a:ext cx="1819893" cy="1107951"/>
           </a:xfrm>
           <a:prstGeom prst="rect">
             <a:avLst/>
@@ -11436,7 +11339,979 @@
                 <a:cs typeface="Calibri"/>
                 <a:sym typeface="Calibri"/>
               </a:rPr>
-              <a:t>3 &amp; Under		Free</a:t>
+              <a:t>3 &amp; Under</a:t>
+            </a:r>
+          </a:p>
+          <a:p>
+            <a:r>
+              <a:rPr lang="en-US" sz="2700" b="1" dirty="0">
+                <a:solidFill>
+                  <a:schemeClr val="lt1"/>
+                </a:solidFill>
+                <a:latin typeface="Calibri"/>
+                <a:ea typeface="Calibri"/>
+                <a:cs typeface="Calibri"/>
+                <a:sym typeface="Calibri"/>
+              </a:rPr>
+              <a:t>4+</a:t>
+            </a:r>
+            <a:endParaRPr sz="3150" dirty="0">
+              <a:latin typeface="Calibri"/>
+              <a:ea typeface="Calibri"/>
+              <a:cs typeface="Calibri"/>
+              <a:sym typeface="Calibri"/>
+            </a:endParaRPr>
+          </a:p>
+        </p:txBody>
+      </p:sp>
+      <p:sp>
+        <p:nvSpPr>
+          <p:cNvPr id="97" name="Google Shape;97;p13"/>
+          <p:cNvSpPr txBox="1"/>
+          <p:nvPr/>
+        </p:nvSpPr>
+        <p:spPr>
+          <a:xfrm>
+            <a:off x="12217827" y="1205711"/>
+            <a:ext cx="2794273" cy="3185443"/>
+          </a:xfrm>
+          <a:prstGeom prst="rect">
+            <a:avLst/>
+          </a:prstGeom>
+          <a:noFill/>
+          <a:ln>
+            <a:noFill/>
+          </a:ln>
+        </p:spPr>
+        <p:txBody>
+          <a:bodyPr spcFirstLastPara="1" wrap="square" lIns="137138" tIns="137138" rIns="137138" bIns="137138" anchor="t" anchorCtr="0">
+            <a:spAutoFit/>
+          </a:bodyPr>
+          <a:lstStyle/>
+          <a:p>
+            <a:r>
+              <a:rPr lang="en-US" sz="2700" b="1" dirty="0">
+                <a:latin typeface="Calibri"/>
+                <a:ea typeface="Calibri"/>
+                <a:cs typeface="Calibri"/>
+                <a:sym typeface="Calibri"/>
+              </a:rPr>
+              <a:t>Sunflower Seeds</a:t>
+            </a:r>
+          </a:p>
+          <a:p>
+            <a:r>
+              <a:rPr lang="en-US" sz="2700" b="1" dirty="0">
+                <a:latin typeface="Calibri"/>
+                <a:ea typeface="Calibri"/>
+                <a:cs typeface="Calibri"/>
+                <a:sym typeface="Calibri"/>
+              </a:rPr>
+              <a:t>Popcorn</a:t>
+            </a:r>
+          </a:p>
+          <a:p>
+            <a:r>
+              <a:rPr lang="en-US" sz="2700" b="1" dirty="0">
+                <a:latin typeface="Calibri"/>
+                <a:ea typeface="Calibri"/>
+                <a:cs typeface="Calibri"/>
+                <a:sym typeface="Calibri"/>
+              </a:rPr>
+              <a:t>Nachos &amp; Cheese</a:t>
+            </a:r>
+          </a:p>
+          <a:p>
+            <a:r>
+              <a:rPr lang="en-US" sz="2700" b="1" dirty="0">
+                <a:latin typeface="Calibri"/>
+                <a:ea typeface="Calibri"/>
+                <a:cs typeface="Calibri"/>
+                <a:sym typeface="Calibri"/>
+              </a:rPr>
+              <a:t>Slim Jim</a:t>
+            </a:r>
+          </a:p>
+          <a:p>
+            <a:r>
+              <a:rPr lang="en-US" sz="2700" b="1" dirty="0">
+                <a:latin typeface="Calibri"/>
+                <a:ea typeface="Calibri"/>
+                <a:cs typeface="Calibri"/>
+                <a:sym typeface="Calibri"/>
+              </a:rPr>
+              <a:t>Chips</a:t>
+            </a:r>
+          </a:p>
+          <a:p>
+            <a:r>
+              <a:rPr lang="en-US" sz="2700" b="1" dirty="0">
+                <a:latin typeface="Calibri"/>
+                <a:ea typeface="Calibri"/>
+                <a:cs typeface="Calibri"/>
+                <a:sym typeface="Calibri"/>
+              </a:rPr>
+              <a:t>Pickle</a:t>
+            </a:r>
+          </a:p>
+          <a:p>
+            <a:r>
+              <a:rPr lang="en-US" sz="2700" b="1" dirty="0">
+                <a:latin typeface="Calibri"/>
+                <a:ea typeface="Calibri"/>
+                <a:cs typeface="Calibri"/>
+                <a:sym typeface="Calibri"/>
+              </a:rPr>
+              <a:t>Peanuts</a:t>
+            </a:r>
+            <a:endParaRPr sz="2700" b="1" dirty="0">
+              <a:latin typeface="Calibri"/>
+              <a:ea typeface="Calibri"/>
+              <a:cs typeface="Calibri"/>
+              <a:sym typeface="Calibri"/>
+            </a:endParaRPr>
+          </a:p>
+        </p:txBody>
+      </p:sp>
+      <p:sp>
+        <p:nvSpPr>
+          <p:cNvPr id="98" name="Google Shape;98;p13"/>
+          <p:cNvSpPr txBox="1"/>
+          <p:nvPr/>
+        </p:nvSpPr>
+        <p:spPr>
+          <a:xfrm>
+            <a:off x="12264303" y="6022264"/>
+            <a:ext cx="2765592" cy="3185443"/>
+          </a:xfrm>
+          <a:prstGeom prst="rect">
+            <a:avLst/>
+          </a:prstGeom>
+          <a:noFill/>
+          <a:ln>
+            <a:noFill/>
+          </a:ln>
+        </p:spPr>
+        <p:txBody>
+          <a:bodyPr spcFirstLastPara="1" wrap="square" lIns="137138" tIns="137138" rIns="137138" bIns="137138" anchor="t" anchorCtr="0">
+            <a:spAutoFit/>
+          </a:bodyPr>
+          <a:lstStyle/>
+          <a:p>
+            <a:r>
+              <a:rPr lang="en-US" sz="2700" b="1" dirty="0">
+                <a:latin typeface="Calibri"/>
+                <a:ea typeface="Calibri"/>
+                <a:cs typeface="Calibri"/>
+                <a:sym typeface="Calibri"/>
+              </a:rPr>
+              <a:t>Candy</a:t>
+            </a:r>
+          </a:p>
+          <a:p>
+            <a:r>
+              <a:rPr lang="en-US" sz="2700" b="1" dirty="0">
+                <a:latin typeface="Calibri"/>
+                <a:ea typeface="Calibri"/>
+                <a:cs typeface="Calibri"/>
+                <a:sym typeface="Calibri"/>
+              </a:rPr>
+              <a:t>Cotton Candy</a:t>
+            </a:r>
+          </a:p>
+          <a:p>
+            <a:r>
+              <a:rPr lang="en-US" sz="2700" b="1" dirty="0">
+                <a:latin typeface="Calibri"/>
+                <a:ea typeface="Calibri"/>
+                <a:cs typeface="Calibri"/>
+                <a:sym typeface="Calibri"/>
+              </a:rPr>
+              <a:t>Big League Chew</a:t>
+            </a:r>
+          </a:p>
+          <a:p>
+            <a:r>
+              <a:rPr lang="en-US" sz="2700" b="1" dirty="0">
+                <a:latin typeface="Calibri"/>
+                <a:ea typeface="Calibri"/>
+                <a:cs typeface="Calibri"/>
+                <a:sym typeface="Calibri"/>
+              </a:rPr>
+              <a:t>Ring Pop</a:t>
+            </a:r>
+          </a:p>
+          <a:p>
+            <a:r>
+              <a:rPr lang="en-US" sz="2700" b="1" dirty="0">
+                <a:latin typeface="Calibri"/>
+                <a:ea typeface="Calibri"/>
+                <a:cs typeface="Calibri"/>
+                <a:sym typeface="Calibri"/>
+              </a:rPr>
+              <a:t>Blow Pop</a:t>
+            </a:r>
+          </a:p>
+          <a:p>
+            <a:r>
+              <a:rPr lang="en-US" sz="2700" b="1" dirty="0">
+                <a:latin typeface="Calibri"/>
+                <a:ea typeface="Calibri"/>
+                <a:cs typeface="Calibri"/>
+                <a:sym typeface="Calibri"/>
+              </a:rPr>
+              <a:t>Airheads</a:t>
+            </a:r>
+          </a:p>
+          <a:p>
+            <a:r>
+              <a:rPr lang="en-US" sz="2700" b="1" dirty="0">
+                <a:latin typeface="Calibri"/>
+                <a:ea typeface="Calibri"/>
+                <a:cs typeface="Calibri"/>
+                <a:sym typeface="Calibri"/>
+              </a:rPr>
+              <a:t>Bubble Gum</a:t>
+            </a:r>
+          </a:p>
+        </p:txBody>
+      </p:sp>
+      <p:pic>
+        <p:nvPicPr>
+          <p:cNvPr id="3" name="Picture 2" descr="A logo with text and images&#10;&#10;Description automatically generated">
+            <a:extLst>
+              <a:ext uri="{FF2B5EF4-FFF2-40B4-BE49-F238E27FC236}">
+                <a16:creationId xmlns:a16="http://schemas.microsoft.com/office/drawing/2014/main" id="{A140BA81-C294-3C49-CE13-809A6A584E15}"/>
+              </a:ext>
+            </a:extLst>
+          </p:cNvPr>
+          <p:cNvPicPr>
+            <a:picLocks noChangeAspect="1"/>
+          </p:cNvPicPr>
+          <p:nvPr/>
+        </p:nvPicPr>
+        <p:blipFill>
+          <a:blip r:embed="rId3"/>
+          <a:stretch>
+            <a:fillRect/>
+          </a:stretch>
+        </p:blipFill>
+        <p:spPr>
+          <a:xfrm>
+            <a:off x="5986811" y="-666974"/>
+            <a:ext cx="6301420" cy="6301420"/>
+          </a:xfrm>
+          <a:prstGeom prst="rect">
+            <a:avLst/>
+          </a:prstGeom>
+        </p:spPr>
+      </p:pic>
+      <p:sp>
+        <p:nvSpPr>
+          <p:cNvPr id="6" name="Google Shape;93;p13">
+            <a:extLst>
+              <a:ext uri="{FF2B5EF4-FFF2-40B4-BE49-F238E27FC236}">
+                <a16:creationId xmlns:a16="http://schemas.microsoft.com/office/drawing/2014/main" id="{1F53A13E-BC7F-8565-4538-6A65BF07B3BC}"/>
+              </a:ext>
+            </a:extLst>
+          </p:cNvPr>
+          <p:cNvSpPr txBox="1"/>
+          <p:nvPr/>
+        </p:nvSpPr>
+        <p:spPr>
+          <a:xfrm>
+            <a:off x="4548998" y="875860"/>
+            <a:ext cx="1303499" cy="3947190"/>
+          </a:xfrm>
+          <a:prstGeom prst="rect">
+            <a:avLst/>
+          </a:prstGeom>
+          <a:noFill/>
+          <a:ln>
+            <a:noFill/>
+          </a:ln>
+        </p:spPr>
+        <p:txBody>
+          <a:bodyPr spcFirstLastPara="1" wrap="square" lIns="137138" tIns="137138" rIns="137138" bIns="137138" anchor="t" anchorCtr="0">
+            <a:spAutoFit/>
+          </a:bodyPr>
+          <a:lstStyle/>
+          <a:p>
+            <a:pPr algn="r"/>
+            <a:r>
+              <a:rPr lang="en-US" sz="2700" b="1" dirty="0">
+                <a:latin typeface="Calibri"/>
+                <a:ea typeface="Calibri"/>
+                <a:cs typeface="Calibri"/>
+                <a:sym typeface="Calibri"/>
+              </a:rPr>
+              <a:t>$4.00</a:t>
+            </a:r>
+            <a:endParaRPr sz="2700" b="1" dirty="0">
+              <a:latin typeface="Calibri"/>
+              <a:ea typeface="Calibri"/>
+              <a:cs typeface="Calibri"/>
+              <a:sym typeface="Calibri"/>
+            </a:endParaRPr>
+          </a:p>
+          <a:p>
+            <a:pPr algn="r"/>
+            <a:r>
+              <a:rPr lang="en-US" sz="2700" b="1" dirty="0">
+                <a:latin typeface="Calibri"/>
+                <a:ea typeface="Calibri"/>
+                <a:cs typeface="Calibri"/>
+                <a:sym typeface="Calibri"/>
+              </a:rPr>
+              <a:t>$3.00</a:t>
+            </a:r>
+            <a:endParaRPr sz="2700" b="1" dirty="0">
+              <a:latin typeface="Calibri"/>
+              <a:ea typeface="Calibri"/>
+              <a:cs typeface="Calibri"/>
+              <a:sym typeface="Calibri"/>
+            </a:endParaRPr>
+          </a:p>
+          <a:p>
+            <a:pPr algn="r"/>
+            <a:r>
+              <a:rPr lang="en-US" sz="2700" b="1" dirty="0">
+                <a:latin typeface="Calibri"/>
+                <a:ea typeface="Calibri"/>
+                <a:cs typeface="Calibri"/>
+                <a:sym typeface="Calibri"/>
+              </a:rPr>
+              <a:t>$2.00</a:t>
+            </a:r>
+            <a:endParaRPr sz="2700" b="1" dirty="0">
+              <a:latin typeface="Calibri"/>
+              <a:ea typeface="Calibri"/>
+              <a:cs typeface="Calibri"/>
+              <a:sym typeface="Calibri"/>
+            </a:endParaRPr>
+          </a:p>
+          <a:p>
+            <a:pPr algn="r"/>
+            <a:r>
+              <a:rPr lang="en-US" sz="2700" b="1" dirty="0">
+                <a:latin typeface="Calibri"/>
+                <a:ea typeface="Calibri"/>
+                <a:cs typeface="Calibri"/>
+                <a:sym typeface="Calibri"/>
+              </a:rPr>
+              <a:t>$2.00</a:t>
+            </a:r>
+            <a:endParaRPr sz="2700" b="1" dirty="0">
+              <a:latin typeface="Calibri"/>
+              <a:ea typeface="Calibri"/>
+              <a:cs typeface="Calibri"/>
+              <a:sym typeface="Calibri"/>
+            </a:endParaRPr>
+          </a:p>
+          <a:p>
+            <a:pPr algn="r"/>
+            <a:r>
+              <a:rPr lang="en-US" sz="2700" b="1" dirty="0">
+                <a:latin typeface="Calibri"/>
+                <a:ea typeface="Calibri"/>
+                <a:cs typeface="Calibri"/>
+                <a:sym typeface="Calibri"/>
+              </a:rPr>
+              <a:t>$2.00</a:t>
+            </a:r>
+            <a:endParaRPr sz="2700" b="1" dirty="0">
+              <a:latin typeface="Calibri"/>
+              <a:ea typeface="Calibri"/>
+              <a:cs typeface="Calibri"/>
+              <a:sym typeface="Calibri"/>
+            </a:endParaRPr>
+          </a:p>
+          <a:p>
+            <a:pPr algn="r"/>
+            <a:r>
+              <a:rPr lang="en-US" sz="2700" b="1" dirty="0">
+                <a:latin typeface="Calibri"/>
+                <a:ea typeface="Calibri"/>
+                <a:cs typeface="Calibri"/>
+                <a:sym typeface="Calibri"/>
+              </a:rPr>
+              <a:t>$0.50</a:t>
+            </a:r>
+            <a:endParaRPr sz="2700" b="1" dirty="0">
+              <a:latin typeface="Calibri"/>
+              <a:ea typeface="Calibri"/>
+              <a:cs typeface="Calibri"/>
+              <a:sym typeface="Calibri"/>
+            </a:endParaRPr>
+          </a:p>
+          <a:p>
+            <a:pPr algn="r"/>
+            <a:r>
+              <a:rPr lang="en-US" sz="2700" b="1" dirty="0">
+                <a:latin typeface="Calibri"/>
+                <a:ea typeface="Calibri"/>
+                <a:cs typeface="Calibri"/>
+                <a:sym typeface="Calibri"/>
+              </a:rPr>
+              <a:t>$0.50</a:t>
+            </a:r>
+          </a:p>
+          <a:p>
+            <a:pPr algn="r"/>
+            <a:r>
+              <a:rPr lang="en-US" sz="2700" b="1" dirty="0">
+                <a:latin typeface="Calibri"/>
+                <a:ea typeface="Calibri"/>
+                <a:cs typeface="Calibri"/>
+                <a:sym typeface="Calibri"/>
+              </a:rPr>
+              <a:t>$0.50</a:t>
+            </a:r>
+            <a:endParaRPr sz="2700" b="1" dirty="0">
+              <a:latin typeface="Calibri"/>
+              <a:ea typeface="Calibri"/>
+              <a:cs typeface="Calibri"/>
+              <a:sym typeface="Calibri"/>
+            </a:endParaRPr>
+          </a:p>
+          <a:p>
+            <a:pPr algn="r"/>
+            <a:endParaRPr sz="2250" b="1" dirty="0">
+              <a:latin typeface="Calibri"/>
+              <a:ea typeface="Calibri"/>
+              <a:cs typeface="Calibri"/>
+              <a:sym typeface="Calibri"/>
+            </a:endParaRPr>
+          </a:p>
+        </p:txBody>
+      </p:sp>
+      <p:sp>
+        <p:nvSpPr>
+          <p:cNvPr id="7" name="Google Shape;94;p13">
+            <a:extLst>
+              <a:ext uri="{FF2B5EF4-FFF2-40B4-BE49-F238E27FC236}">
+                <a16:creationId xmlns:a16="http://schemas.microsoft.com/office/drawing/2014/main" id="{62947C0C-DF09-8682-D88B-73DDCB7FCE97}"/>
+              </a:ext>
+            </a:extLst>
+          </p:cNvPr>
+          <p:cNvSpPr txBox="1"/>
+          <p:nvPr/>
+        </p:nvSpPr>
+        <p:spPr>
+          <a:xfrm>
+            <a:off x="4560393" y="5789981"/>
+            <a:ext cx="1280708" cy="1523450"/>
+          </a:xfrm>
+          <a:prstGeom prst="rect">
+            <a:avLst/>
+          </a:prstGeom>
+          <a:noFill/>
+          <a:ln>
+            <a:noFill/>
+          </a:ln>
+        </p:spPr>
+        <p:txBody>
+          <a:bodyPr spcFirstLastPara="1" wrap="square" lIns="137138" tIns="137138" rIns="137138" bIns="137138" anchor="t" anchorCtr="0">
+            <a:spAutoFit/>
+          </a:bodyPr>
+          <a:lstStyle/>
+          <a:p>
+            <a:pPr algn="r"/>
+            <a:r>
+              <a:rPr lang="en-US" sz="2700" b="1" dirty="0">
+                <a:latin typeface="Calibri"/>
+                <a:ea typeface="Calibri"/>
+                <a:cs typeface="Calibri"/>
+                <a:sym typeface="Calibri"/>
+              </a:rPr>
+              <a:t>$3.00</a:t>
+            </a:r>
+            <a:endParaRPr sz="2700" b="1" dirty="0">
+              <a:latin typeface="Calibri"/>
+              <a:ea typeface="Calibri"/>
+              <a:cs typeface="Calibri"/>
+              <a:sym typeface="Calibri"/>
+            </a:endParaRPr>
+          </a:p>
+          <a:p>
+            <a:pPr algn="r"/>
+            <a:r>
+              <a:rPr lang="en-US" sz="2700" b="1" dirty="0">
+                <a:latin typeface="Calibri"/>
+                <a:ea typeface="Calibri"/>
+                <a:cs typeface="Calibri"/>
+                <a:sym typeface="Calibri"/>
+              </a:rPr>
+              <a:t>$1.00</a:t>
+            </a:r>
+            <a:endParaRPr sz="2700" b="1" dirty="0">
+              <a:latin typeface="Calibri"/>
+              <a:ea typeface="Calibri"/>
+              <a:cs typeface="Calibri"/>
+              <a:sym typeface="Calibri"/>
+            </a:endParaRPr>
+          </a:p>
+          <a:p>
+            <a:pPr algn="r"/>
+            <a:r>
+              <a:rPr lang="en-US" sz="2700" b="1" dirty="0">
+                <a:latin typeface="Calibri"/>
+                <a:ea typeface="Calibri"/>
+                <a:cs typeface="Calibri"/>
+                <a:sym typeface="Calibri"/>
+              </a:rPr>
+              <a:t>$1.00</a:t>
+            </a:r>
+          </a:p>
+        </p:txBody>
+      </p:sp>
+      <p:sp>
+        <p:nvSpPr>
+          <p:cNvPr id="8" name="Google Shape;95;p13">
+            <a:extLst>
+              <a:ext uri="{FF2B5EF4-FFF2-40B4-BE49-F238E27FC236}">
+                <a16:creationId xmlns:a16="http://schemas.microsoft.com/office/drawing/2014/main" id="{9B0F4187-B8F8-5B3F-A13D-5C3FC97DEE9B}"/>
+              </a:ext>
+            </a:extLst>
+          </p:cNvPr>
+          <p:cNvSpPr txBox="1"/>
+          <p:nvPr/>
+        </p:nvSpPr>
+        <p:spPr>
+          <a:xfrm>
+            <a:off x="3629442" y="8429438"/>
+            <a:ext cx="2211659" cy="1523450"/>
+          </a:xfrm>
+          <a:prstGeom prst="rect">
+            <a:avLst/>
+          </a:prstGeom>
+          <a:noFill/>
+          <a:ln>
+            <a:noFill/>
+          </a:ln>
+        </p:spPr>
+        <p:txBody>
+          <a:bodyPr spcFirstLastPara="1" wrap="square" lIns="137138" tIns="137138" rIns="137138" bIns="137138" anchor="t" anchorCtr="0">
+            <a:spAutoFit/>
+          </a:bodyPr>
+          <a:lstStyle/>
+          <a:p>
+            <a:pPr algn="r"/>
+            <a:r>
+              <a:rPr lang="en-US" sz="2700" b="1" dirty="0">
+                <a:latin typeface="Calibri"/>
+                <a:ea typeface="Calibri"/>
+                <a:cs typeface="Calibri"/>
+                <a:sym typeface="Calibri"/>
+              </a:rPr>
+              <a:t>$5.00</a:t>
+            </a:r>
+            <a:endParaRPr sz="2700" b="1" dirty="0">
+              <a:latin typeface="Calibri"/>
+              <a:ea typeface="Calibri"/>
+              <a:cs typeface="Calibri"/>
+              <a:sym typeface="Calibri"/>
+            </a:endParaRPr>
+          </a:p>
+          <a:p>
+            <a:pPr algn="r"/>
+            <a:r>
+              <a:rPr lang="en-US" sz="2700" b="1" dirty="0">
+                <a:latin typeface="Calibri"/>
+                <a:ea typeface="Calibri"/>
+                <a:cs typeface="Calibri"/>
+                <a:sym typeface="Calibri"/>
+              </a:rPr>
+              <a:t>$1.00 - $3.00</a:t>
+            </a:r>
+            <a:endParaRPr sz="2700" b="1" dirty="0">
+              <a:latin typeface="Calibri"/>
+              <a:ea typeface="Calibri"/>
+              <a:cs typeface="Calibri"/>
+              <a:sym typeface="Calibri"/>
+            </a:endParaRPr>
+          </a:p>
+          <a:p>
+            <a:pPr algn="r"/>
+            <a:r>
+              <a:rPr lang="en-US" sz="2700" b="1" dirty="0">
+                <a:latin typeface="Calibri"/>
+                <a:ea typeface="Calibri"/>
+                <a:cs typeface="Calibri"/>
+                <a:sym typeface="Calibri"/>
+              </a:rPr>
+              <a:t>$2.00</a:t>
+            </a:r>
+            <a:endParaRPr sz="2700" b="1" dirty="0">
+              <a:latin typeface="Calibri"/>
+              <a:ea typeface="Calibri"/>
+              <a:cs typeface="Calibri"/>
+              <a:sym typeface="Calibri"/>
+            </a:endParaRPr>
+          </a:p>
+        </p:txBody>
+      </p:sp>
+      <p:sp>
+        <p:nvSpPr>
+          <p:cNvPr id="9" name="Google Shape;97;p13">
+            <a:extLst>
+              <a:ext uri="{FF2B5EF4-FFF2-40B4-BE49-F238E27FC236}">
+                <a16:creationId xmlns:a16="http://schemas.microsoft.com/office/drawing/2014/main" id="{9EE1B95F-CD3F-A7D2-DA60-CF6FF5A03971}"/>
+              </a:ext>
+            </a:extLst>
+          </p:cNvPr>
+          <p:cNvSpPr txBox="1"/>
+          <p:nvPr/>
+        </p:nvSpPr>
+        <p:spPr>
+          <a:xfrm>
+            <a:off x="15603668" y="1215869"/>
+            <a:ext cx="2235010" cy="3185443"/>
+          </a:xfrm>
+          <a:prstGeom prst="rect">
+            <a:avLst/>
+          </a:prstGeom>
+          <a:noFill/>
+          <a:ln>
+            <a:noFill/>
+          </a:ln>
+        </p:spPr>
+        <p:txBody>
+          <a:bodyPr spcFirstLastPara="1" wrap="square" lIns="137138" tIns="137138" rIns="137138" bIns="137138" anchor="t" anchorCtr="0">
+            <a:spAutoFit/>
+          </a:bodyPr>
+          <a:lstStyle/>
+          <a:p>
+            <a:pPr algn="r"/>
+            <a:r>
+              <a:rPr lang="en-US" sz="2700" b="1" dirty="0">
+                <a:latin typeface="Calibri"/>
+                <a:ea typeface="Calibri"/>
+                <a:cs typeface="Calibri"/>
+                <a:sym typeface="Calibri"/>
+              </a:rPr>
+              <a:t>$3.00</a:t>
+            </a:r>
+          </a:p>
+          <a:p>
+            <a:pPr algn="r"/>
+            <a:r>
+              <a:rPr lang="en-US" sz="2700" b="1" dirty="0">
+                <a:latin typeface="Calibri"/>
+                <a:ea typeface="Calibri"/>
+                <a:cs typeface="Calibri"/>
+                <a:sym typeface="Calibri"/>
+              </a:rPr>
+              <a:t>$2.00 / $3.00</a:t>
+            </a:r>
+            <a:endParaRPr sz="2700" b="1" dirty="0">
+              <a:latin typeface="Calibri"/>
+              <a:ea typeface="Calibri"/>
+              <a:cs typeface="Calibri"/>
+              <a:sym typeface="Calibri"/>
+            </a:endParaRPr>
+          </a:p>
+          <a:p>
+            <a:pPr algn="r"/>
+            <a:r>
+              <a:rPr lang="en-US" sz="2700" b="1" dirty="0">
+                <a:latin typeface="Calibri"/>
+                <a:ea typeface="Calibri"/>
+                <a:cs typeface="Calibri"/>
+                <a:sym typeface="Calibri"/>
+              </a:rPr>
+              <a:t>$2.00</a:t>
+            </a:r>
+            <a:endParaRPr sz="2700" b="1" dirty="0">
+              <a:latin typeface="Calibri"/>
+              <a:ea typeface="Calibri"/>
+              <a:cs typeface="Calibri"/>
+              <a:sym typeface="Calibri"/>
+            </a:endParaRPr>
+          </a:p>
+          <a:p>
+            <a:pPr algn="r"/>
+            <a:r>
+              <a:rPr lang="en-US" sz="2700" b="1" dirty="0">
+                <a:latin typeface="Calibri"/>
+                <a:ea typeface="Calibri"/>
+                <a:cs typeface="Calibri"/>
+                <a:sym typeface="Calibri"/>
+              </a:rPr>
+              <a:t>$2.00</a:t>
+            </a:r>
+            <a:endParaRPr sz="2700" b="1" dirty="0">
+              <a:latin typeface="Calibri"/>
+              <a:ea typeface="Calibri"/>
+              <a:cs typeface="Calibri"/>
+              <a:sym typeface="Calibri"/>
+            </a:endParaRPr>
+          </a:p>
+          <a:p>
+            <a:pPr algn="r"/>
+            <a:r>
+              <a:rPr lang="en-US" sz="2700" b="1" dirty="0">
+                <a:latin typeface="Calibri"/>
+                <a:ea typeface="Calibri"/>
+                <a:cs typeface="Calibri"/>
+                <a:sym typeface="Calibri"/>
+              </a:rPr>
+              <a:t>$2.00</a:t>
+            </a:r>
+          </a:p>
+          <a:p>
+            <a:pPr algn="r"/>
+            <a:r>
+              <a:rPr lang="en-US" sz="2700" b="1" dirty="0">
+                <a:latin typeface="Calibri"/>
+                <a:ea typeface="Calibri"/>
+                <a:cs typeface="Calibri"/>
+                <a:sym typeface="Calibri"/>
+              </a:rPr>
+              <a:t>$1.00</a:t>
+            </a:r>
+          </a:p>
+          <a:p>
+            <a:pPr algn="r"/>
+            <a:r>
+              <a:rPr lang="en-US" sz="2700" b="1" dirty="0">
+                <a:latin typeface="Calibri"/>
+                <a:ea typeface="Calibri"/>
+                <a:cs typeface="Calibri"/>
+                <a:sym typeface="Calibri"/>
+              </a:rPr>
+              <a:t>$1.00</a:t>
+            </a:r>
+            <a:endParaRPr sz="2700" b="1" dirty="0">
+              <a:latin typeface="Calibri"/>
+              <a:ea typeface="Calibri"/>
+              <a:cs typeface="Calibri"/>
+              <a:sym typeface="Calibri"/>
+            </a:endParaRPr>
+          </a:p>
+        </p:txBody>
+      </p:sp>
+      <p:sp>
+        <p:nvSpPr>
+          <p:cNvPr id="10" name="Google Shape;91;p13">
+            <a:extLst>
+              <a:ext uri="{FF2B5EF4-FFF2-40B4-BE49-F238E27FC236}">
+                <a16:creationId xmlns:a16="http://schemas.microsoft.com/office/drawing/2014/main" id="{E768E4BB-7294-C79C-DC9A-3463E11732F0}"/>
+              </a:ext>
+            </a:extLst>
+          </p:cNvPr>
+          <p:cNvSpPr/>
+          <p:nvPr/>
+        </p:nvSpPr>
+        <p:spPr>
+          <a:xfrm>
+            <a:off x="12764787" y="9630601"/>
+            <a:ext cx="4635695" cy="553950"/>
+          </a:xfrm>
+          <a:prstGeom prst="rect">
+            <a:avLst/>
+          </a:prstGeom>
+          <a:noFill/>
+          <a:ln>
+            <a:noFill/>
+          </a:ln>
+        </p:spPr>
+        <p:txBody>
+          <a:bodyPr spcFirstLastPara="1" wrap="square" lIns="137138" tIns="68550" rIns="137138" bIns="68550" anchor="t" anchorCtr="0">
+            <a:noAutofit/>
+          </a:bodyPr>
+          <a:lstStyle/>
+          <a:p>
+            <a:pPr algn="ctr"/>
+            <a:r>
+              <a:rPr lang="en-US" sz="1800" b="1" dirty="0">
+                <a:solidFill>
+                  <a:schemeClr val="lt1"/>
+                </a:solidFill>
+                <a:latin typeface="Calibri"/>
+                <a:ea typeface="Calibri"/>
+                <a:cs typeface="Calibri"/>
+                <a:sym typeface="Calibri"/>
+              </a:rPr>
+              <a:t>* All prices subject to change without notice</a:t>
+            </a:r>
+            <a:endParaRPr sz="1800" dirty="0">
+              <a:solidFill>
+                <a:schemeClr val="dk1"/>
+              </a:solidFill>
+              <a:latin typeface="Calibri"/>
+              <a:ea typeface="Calibri"/>
+              <a:cs typeface="Calibri"/>
+              <a:sym typeface="Calibri"/>
+            </a:endParaRPr>
+          </a:p>
+        </p:txBody>
+      </p:sp>
+      <p:sp>
+        <p:nvSpPr>
+          <p:cNvPr id="11" name="Google Shape;98;p13">
+            <a:extLst>
+              <a:ext uri="{FF2B5EF4-FFF2-40B4-BE49-F238E27FC236}">
+                <a16:creationId xmlns:a16="http://schemas.microsoft.com/office/drawing/2014/main" id="{9F9E3A06-0A0F-C025-E6F2-8911E904EE99}"/>
+              </a:ext>
+            </a:extLst>
+          </p:cNvPr>
+          <p:cNvSpPr txBox="1"/>
+          <p:nvPr/>
+        </p:nvSpPr>
+        <p:spPr>
+          <a:xfrm>
+            <a:off x="16566160" y="6032011"/>
+            <a:ext cx="1290313" cy="3185443"/>
+          </a:xfrm>
+          <a:prstGeom prst="rect">
+            <a:avLst/>
+          </a:prstGeom>
+          <a:noFill/>
+          <a:ln>
+            <a:noFill/>
+          </a:ln>
+        </p:spPr>
+        <p:txBody>
+          <a:bodyPr spcFirstLastPara="1" wrap="square" lIns="137138" tIns="137138" rIns="137138" bIns="137138" anchor="t" anchorCtr="0">
+            <a:spAutoFit/>
+          </a:bodyPr>
+          <a:lstStyle/>
+          <a:p>
+            <a:pPr algn="r"/>
+            <a:r>
+              <a:rPr lang="en-US" sz="2700" b="1" dirty="0">
+                <a:latin typeface="Calibri"/>
+                <a:ea typeface="Calibri"/>
+                <a:cs typeface="Calibri"/>
+                <a:sym typeface="Calibri"/>
+              </a:rPr>
+              <a:t>$2.00</a:t>
+            </a:r>
+          </a:p>
+          <a:p>
+            <a:pPr algn="r"/>
+            <a:r>
+              <a:rPr lang="en-US" sz="2700" b="1" dirty="0">
+                <a:latin typeface="Calibri"/>
+                <a:ea typeface="Calibri"/>
+                <a:cs typeface="Calibri"/>
+                <a:sym typeface="Calibri"/>
+              </a:rPr>
+              <a:t>$2.00</a:t>
+            </a:r>
+          </a:p>
+          <a:p>
+            <a:pPr algn="r"/>
+            <a:r>
+              <a:rPr lang="en-US" sz="2700" b="1" dirty="0">
+                <a:latin typeface="Calibri"/>
+                <a:ea typeface="Calibri"/>
+                <a:cs typeface="Calibri"/>
+                <a:sym typeface="Calibri"/>
+              </a:rPr>
+              <a:t>$2.00</a:t>
+            </a:r>
+          </a:p>
+          <a:p>
+            <a:pPr algn="r"/>
+            <a:r>
+              <a:rPr lang="en-US" sz="2700" b="1" dirty="0">
+                <a:latin typeface="Calibri"/>
+                <a:ea typeface="Calibri"/>
+                <a:cs typeface="Calibri"/>
+                <a:sym typeface="Calibri"/>
+              </a:rPr>
+              <a:t>$1.00</a:t>
+            </a:r>
+          </a:p>
+          <a:p>
+            <a:pPr algn="r"/>
+            <a:r>
+              <a:rPr lang="en-US" sz="2700" b="1" dirty="0">
+                <a:latin typeface="Calibri"/>
+                <a:ea typeface="Calibri"/>
+                <a:cs typeface="Calibri"/>
+                <a:sym typeface="Calibri"/>
+              </a:rPr>
+              <a:t>$1.00</a:t>
+            </a:r>
+          </a:p>
+          <a:p>
+            <a:pPr algn="r"/>
+            <a:r>
+              <a:rPr lang="en-US" sz="2700" b="1" dirty="0">
+                <a:latin typeface="Calibri"/>
+                <a:ea typeface="Calibri"/>
+                <a:cs typeface="Calibri"/>
+                <a:sym typeface="Calibri"/>
+              </a:rPr>
+              <a:t>$1.00</a:t>
+            </a:r>
+          </a:p>
+          <a:p>
+            <a:pPr algn="r"/>
+            <a:r>
+              <a:rPr lang="en-US" sz="2700" b="1" dirty="0">
+                <a:latin typeface="Calibri"/>
+                <a:ea typeface="Calibri"/>
+                <a:cs typeface="Calibri"/>
+                <a:sym typeface="Calibri"/>
+              </a:rPr>
+              <a:t>$0.25</a:t>
+            </a:r>
+            <a:endParaRPr sz="2700" b="1" dirty="0">
+              <a:latin typeface="Calibri"/>
+              <a:ea typeface="Calibri"/>
+              <a:cs typeface="Calibri"/>
+              <a:sym typeface="Calibri"/>
+            </a:endParaRPr>
+          </a:p>
+        </p:txBody>
+      </p:sp>
+      <p:sp>
+        <p:nvSpPr>
+          <p:cNvPr id="12" name="Google Shape;96;p13">
+            <a:extLst>
+              <a:ext uri="{FF2B5EF4-FFF2-40B4-BE49-F238E27FC236}">
+                <a16:creationId xmlns:a16="http://schemas.microsoft.com/office/drawing/2014/main" id="{660C6046-143B-2EEF-E45D-8C25AD213FEF}"/>
+              </a:ext>
+            </a:extLst>
+          </p:cNvPr>
+          <p:cNvSpPr txBox="1"/>
+          <p:nvPr/>
+        </p:nvSpPr>
+        <p:spPr>
+          <a:xfrm>
+            <a:off x="9897072" y="6638362"/>
+            <a:ext cx="1231342" cy="1107951"/>
+          </a:xfrm>
+          <a:prstGeom prst="rect">
+            <a:avLst/>
+          </a:prstGeom>
+          <a:noFill/>
+          <a:ln>
+            <a:noFill/>
+          </a:ln>
+        </p:spPr>
+        <p:txBody>
+          <a:bodyPr spcFirstLastPara="1" wrap="square" lIns="137138" tIns="137138" rIns="137138" bIns="137138" anchor="t" anchorCtr="0">
+            <a:spAutoFit/>
+          </a:bodyPr>
+          <a:lstStyle/>
+          <a:p>
+            <a:pPr algn="r"/>
+            <a:r>
+              <a:rPr lang="en-US" sz="2700" b="1" dirty="0">
+                <a:solidFill>
+                  <a:schemeClr val="lt1"/>
+                </a:solidFill>
+                <a:latin typeface="Calibri"/>
+                <a:ea typeface="Calibri"/>
+                <a:cs typeface="Calibri"/>
+                <a:sym typeface="Calibri"/>
+              </a:rPr>
+              <a:t>Free</a:t>
             </a:r>
             <a:br>
               <a:rPr lang="en-US" sz="2700" b="1" dirty="0">
@@ -11459,315 +12334,9 @@
                 <a:cs typeface="Calibri"/>
                 <a:sym typeface="Calibri"/>
               </a:rPr>
-              <a:t>4+			$3.00</a:t>
+              <a:t>$3.00</a:t>
             </a:r>
             <a:endParaRPr sz="3150" dirty="0">
-              <a:latin typeface="Calibri"/>
-              <a:ea typeface="Calibri"/>
-              <a:cs typeface="Calibri"/>
-              <a:sym typeface="Calibri"/>
-            </a:endParaRPr>
-          </a:p>
-        </p:txBody>
-      </p:sp>
-      <p:sp>
-        <p:nvSpPr>
-          <p:cNvPr id="97" name="Google Shape;97;p13"/>
-          <p:cNvSpPr txBox="1"/>
-          <p:nvPr/>
-        </p:nvSpPr>
-        <p:spPr>
-          <a:xfrm>
-            <a:off x="12245819" y="1150668"/>
-            <a:ext cx="5680799" cy="4016440"/>
-          </a:xfrm>
-          <a:prstGeom prst="rect">
-            <a:avLst/>
-          </a:prstGeom>
-          <a:noFill/>
-          <a:ln>
-            <a:noFill/>
-          </a:ln>
-        </p:spPr>
-        <p:txBody>
-          <a:bodyPr spcFirstLastPara="1" wrap="square" lIns="137138" tIns="137138" rIns="137138" bIns="137138" anchor="t" anchorCtr="0">
-            <a:spAutoFit/>
-          </a:bodyPr>
-          <a:lstStyle/>
-          <a:p>
-            <a:r>
-              <a:rPr lang="en-US" sz="2700" b="1" dirty="0">
-                <a:latin typeface="Calibri"/>
-                <a:ea typeface="Calibri"/>
-                <a:cs typeface="Calibri"/>
-                <a:sym typeface="Calibri"/>
-              </a:rPr>
-              <a:t>Large Popcorn			$3.00</a:t>
-            </a:r>
-            <a:endParaRPr sz="2700" b="1" dirty="0">
-              <a:latin typeface="Calibri"/>
-              <a:ea typeface="Calibri"/>
-              <a:cs typeface="Calibri"/>
-              <a:sym typeface="Calibri"/>
-            </a:endParaRPr>
-          </a:p>
-          <a:p>
-            <a:r>
-              <a:rPr lang="en-US" sz="2700" b="1" dirty="0">
-                <a:latin typeface="Calibri"/>
-                <a:ea typeface="Calibri"/>
-                <a:cs typeface="Calibri"/>
-                <a:sym typeface="Calibri"/>
-              </a:rPr>
-              <a:t>Small Popcorn			$2.00</a:t>
-            </a:r>
-            <a:endParaRPr sz="2700" b="1" dirty="0">
-              <a:latin typeface="Calibri"/>
-              <a:ea typeface="Calibri"/>
-              <a:cs typeface="Calibri"/>
-              <a:sym typeface="Calibri"/>
-            </a:endParaRPr>
-          </a:p>
-          <a:p>
-            <a:r>
-              <a:rPr lang="en-US" sz="2700" b="1" dirty="0">
-                <a:latin typeface="Calibri"/>
-                <a:ea typeface="Calibri"/>
-                <a:cs typeface="Calibri"/>
-                <a:sym typeface="Calibri"/>
-              </a:rPr>
-              <a:t>Nachos &amp; Cheese			$2.00</a:t>
-            </a:r>
-            <a:endParaRPr sz="2700" b="1" dirty="0">
-              <a:latin typeface="Calibri"/>
-              <a:ea typeface="Calibri"/>
-              <a:cs typeface="Calibri"/>
-              <a:sym typeface="Calibri"/>
-            </a:endParaRPr>
-          </a:p>
-          <a:p>
-            <a:r>
-              <a:rPr lang="en-US" sz="2700" b="1" dirty="0">
-                <a:latin typeface="Calibri"/>
-                <a:ea typeface="Calibri"/>
-                <a:cs typeface="Calibri"/>
-                <a:sym typeface="Calibri"/>
-              </a:rPr>
-              <a:t>Pickle					$1.00</a:t>
-            </a:r>
-            <a:endParaRPr sz="2700" b="1" dirty="0">
-              <a:latin typeface="Calibri"/>
-              <a:ea typeface="Calibri"/>
-              <a:cs typeface="Calibri"/>
-              <a:sym typeface="Calibri"/>
-            </a:endParaRPr>
-          </a:p>
-          <a:p>
-            <a:r>
-              <a:rPr lang="en-US" sz="2700" b="1" dirty="0">
-                <a:latin typeface="Calibri"/>
-                <a:ea typeface="Calibri"/>
-                <a:cs typeface="Calibri"/>
-                <a:sym typeface="Calibri"/>
-              </a:rPr>
-              <a:t>Slim Jim				$2.00</a:t>
-            </a:r>
-            <a:endParaRPr sz="2700" b="1" dirty="0">
-              <a:latin typeface="Calibri"/>
-              <a:ea typeface="Calibri"/>
-              <a:cs typeface="Calibri"/>
-              <a:sym typeface="Calibri"/>
-            </a:endParaRPr>
-          </a:p>
-          <a:p>
-            <a:r>
-              <a:rPr lang="en-US" sz="2700" b="1" dirty="0">
-                <a:latin typeface="Calibri"/>
-                <a:ea typeface="Calibri"/>
-                <a:cs typeface="Calibri"/>
-                <a:sym typeface="Calibri"/>
-              </a:rPr>
-              <a:t>Sunflower Seeds			$3.00</a:t>
-            </a:r>
-            <a:endParaRPr sz="2700" b="1" dirty="0">
-              <a:latin typeface="Calibri"/>
-              <a:ea typeface="Calibri"/>
-              <a:cs typeface="Calibri"/>
-              <a:sym typeface="Calibri"/>
-            </a:endParaRPr>
-          </a:p>
-          <a:p>
-            <a:r>
-              <a:rPr lang="en-US" sz="2700" b="1" dirty="0">
-                <a:latin typeface="Calibri"/>
-                <a:ea typeface="Calibri"/>
-                <a:cs typeface="Calibri"/>
-                <a:sym typeface="Calibri"/>
-              </a:rPr>
-              <a:t>Chips					$2.00</a:t>
-            </a:r>
-            <a:endParaRPr sz="2700" b="1" dirty="0">
-              <a:latin typeface="Calibri"/>
-              <a:ea typeface="Calibri"/>
-              <a:cs typeface="Calibri"/>
-              <a:sym typeface="Calibri"/>
-            </a:endParaRPr>
-          </a:p>
-          <a:p>
-            <a:r>
-              <a:rPr lang="en-US" sz="2700" b="1" dirty="0">
-                <a:latin typeface="Calibri"/>
-                <a:ea typeface="Calibri"/>
-                <a:cs typeface="Calibri"/>
-                <a:sym typeface="Calibri"/>
-              </a:rPr>
-              <a:t>Peanuts				$1.00</a:t>
-            </a:r>
-            <a:endParaRPr sz="2700" b="1" dirty="0">
-              <a:latin typeface="Calibri"/>
-              <a:ea typeface="Calibri"/>
-              <a:cs typeface="Calibri"/>
-              <a:sym typeface="Calibri"/>
-            </a:endParaRPr>
-          </a:p>
-          <a:p>
-            <a:r>
-              <a:rPr lang="en-US" sz="2700" b="1" dirty="0">
-                <a:latin typeface="Calibri"/>
-                <a:ea typeface="Calibri"/>
-                <a:cs typeface="Calibri"/>
-                <a:sym typeface="Calibri"/>
-              </a:rPr>
-              <a:t>Pickled Sausage			$1.00</a:t>
-            </a:r>
-            <a:endParaRPr sz="2700" b="1" dirty="0">
-              <a:latin typeface="Calibri"/>
-              <a:ea typeface="Calibri"/>
-              <a:cs typeface="Calibri"/>
-              <a:sym typeface="Calibri"/>
-            </a:endParaRPr>
-          </a:p>
-        </p:txBody>
-      </p:sp>
-      <p:sp>
-        <p:nvSpPr>
-          <p:cNvPr id="98" name="Google Shape;98;p13"/>
-          <p:cNvSpPr txBox="1"/>
-          <p:nvPr/>
-        </p:nvSpPr>
-        <p:spPr>
-          <a:xfrm>
-            <a:off x="12254364" y="6866963"/>
-            <a:ext cx="5672254" cy="3185443"/>
-          </a:xfrm>
-          <a:prstGeom prst="rect">
-            <a:avLst/>
-          </a:prstGeom>
-          <a:noFill/>
-          <a:ln>
-            <a:noFill/>
-          </a:ln>
-        </p:spPr>
-        <p:txBody>
-          <a:bodyPr spcFirstLastPara="1" wrap="square" lIns="137138" tIns="137138" rIns="137138" bIns="137138" anchor="t" anchorCtr="0">
-            <a:spAutoFit/>
-          </a:bodyPr>
-          <a:lstStyle/>
-          <a:p>
-            <a:r>
-              <a:rPr lang="en-US" sz="2700" b="1" dirty="0">
-                <a:latin typeface="Calibri"/>
-                <a:ea typeface="Calibri"/>
-                <a:cs typeface="Calibri"/>
-                <a:sym typeface="Calibri"/>
-              </a:rPr>
-              <a:t>Candy Bars				$2.00</a:t>
-            </a:r>
-            <a:endParaRPr sz="2700" b="1" dirty="0">
-              <a:latin typeface="Calibri"/>
-              <a:ea typeface="Calibri"/>
-              <a:cs typeface="Calibri"/>
-              <a:sym typeface="Calibri"/>
-            </a:endParaRPr>
-          </a:p>
-          <a:p>
-            <a:r>
-              <a:rPr lang="en-US" sz="2700" b="1" dirty="0">
-                <a:latin typeface="Calibri"/>
-                <a:ea typeface="Calibri"/>
-                <a:cs typeface="Calibri"/>
-                <a:sym typeface="Calibri"/>
-              </a:rPr>
-              <a:t>Cotton Candy			$2.00</a:t>
-            </a:r>
-            <a:endParaRPr sz="2700" b="1" dirty="0">
-              <a:latin typeface="Calibri"/>
-              <a:ea typeface="Calibri"/>
-              <a:cs typeface="Calibri"/>
-              <a:sym typeface="Calibri"/>
-            </a:endParaRPr>
-          </a:p>
-          <a:p>
-            <a:r>
-              <a:rPr lang="en-US" sz="2700" b="1" dirty="0">
-                <a:latin typeface="Calibri"/>
-                <a:ea typeface="Calibri"/>
-                <a:cs typeface="Calibri"/>
-                <a:sym typeface="Calibri"/>
-              </a:rPr>
-              <a:t>Sweet Tart Rope			$2.00</a:t>
-            </a:r>
-            <a:endParaRPr sz="2700" b="1" dirty="0">
-              <a:latin typeface="Calibri"/>
-              <a:ea typeface="Calibri"/>
-              <a:cs typeface="Calibri"/>
-              <a:sym typeface="Calibri"/>
-            </a:endParaRPr>
-          </a:p>
-          <a:p>
-            <a:r>
-              <a:rPr lang="en-US" sz="2700" b="1" dirty="0">
-                <a:latin typeface="Calibri"/>
-                <a:ea typeface="Calibri"/>
-                <a:cs typeface="Calibri"/>
-                <a:sym typeface="Calibri"/>
-              </a:rPr>
-              <a:t>Ring Pop				$1.00</a:t>
-            </a:r>
-            <a:endParaRPr sz="2700" b="1" dirty="0">
-              <a:latin typeface="Calibri"/>
-              <a:ea typeface="Calibri"/>
-              <a:cs typeface="Calibri"/>
-              <a:sym typeface="Calibri"/>
-            </a:endParaRPr>
-          </a:p>
-          <a:p>
-            <a:r>
-              <a:rPr lang="en-US" sz="2700" b="1" dirty="0">
-                <a:latin typeface="Calibri"/>
-                <a:ea typeface="Calibri"/>
-                <a:cs typeface="Calibri"/>
-                <a:sym typeface="Calibri"/>
-              </a:rPr>
-              <a:t>Airheads				$1.00</a:t>
-            </a:r>
-            <a:endParaRPr sz="2700" b="1" dirty="0">
-              <a:latin typeface="Calibri"/>
-              <a:ea typeface="Calibri"/>
-              <a:cs typeface="Calibri"/>
-              <a:sym typeface="Calibri"/>
-            </a:endParaRPr>
-          </a:p>
-          <a:p>
-            <a:endParaRPr sz="2700" b="1" dirty="0">
-              <a:latin typeface="Calibri"/>
-              <a:ea typeface="Calibri"/>
-              <a:cs typeface="Calibri"/>
-              <a:sym typeface="Calibri"/>
-            </a:endParaRPr>
-          </a:p>
-          <a:p>
-            <a:endParaRPr sz="2700" b="1" dirty="0">
               <a:latin typeface="Calibri"/>
               <a:ea typeface="Calibri"/>
               <a:cs typeface="Calibri"/>

--- a/Assets/Menu/Menu.pptx
+++ b/Assets/Menu/Menu.pptx
@@ -11549,7 +11549,7 @@
                 <a:cs typeface="Calibri"/>
                 <a:sym typeface="Calibri"/>
               </a:rPr>
-              <a:t>Blow Pop</a:t>
+              <a:t>Airheads</a:t>
             </a:r>
           </a:p>
           <a:p>
@@ -11560,7 +11560,7 @@
                 <a:cs typeface="Calibri"/>
                 <a:sym typeface="Calibri"/>
               </a:rPr>
-              <a:t>Airheads</a:t>
+              <a:t>Blow Pop</a:t>
             </a:r>
           </a:p>
           <a:p>
@@ -12246,7 +12246,7 @@
                 <a:cs typeface="Calibri"/>
                 <a:sym typeface="Calibri"/>
               </a:rPr>
-              <a:t>$1.00</a:t>
+              <a:t>$0.50</a:t>
             </a:r>
           </a:p>
           <a:p>

--- a/Assets/Menu/Menu.pptx
+++ b/Assets/Menu/Menu.pptx
@@ -12050,14 +12050,20 @@
           <a:p>
             <a:pPr algn="r"/>
             <a:r>
-              <a:rPr lang="en-US" sz="2700" b="1" dirty="0">
+              <a:rPr lang="en-US" sz="2700" b="1">
                 <a:latin typeface="Calibri"/>
                 <a:ea typeface="Calibri"/>
                 <a:cs typeface="Calibri"/>
                 <a:sym typeface="Calibri"/>
               </a:rPr>
-              <a:t>$2.00</a:t>
+              <a:t>$1.50</a:t>
             </a:r>
+            <a:endParaRPr lang="en-US" sz="2700" b="1" dirty="0">
+              <a:latin typeface="Calibri"/>
+              <a:ea typeface="Calibri"/>
+              <a:cs typeface="Calibri"/>
+              <a:sym typeface="Calibri"/>
+            </a:endParaRPr>
           </a:p>
           <a:p>
             <a:pPr algn="r"/>

--- a/Assets/Menu/Menu.pptx
+++ b/Assets/Menu/Menu.pptx
@@ -12056,7 +12056,7 @@
                 <a:cs typeface="Calibri"/>
                 <a:sym typeface="Calibri"/>
               </a:rPr>
-              <a:t>$1.50</a:t>
+              <a:t>$2.50</a:t>
             </a:r>
             <a:endParaRPr lang="en-US" sz="2700" b="1" dirty="0">
               <a:latin typeface="Calibri"/>

--- a/Assets/Menu/Menu.pptx
+++ b/Assets/Menu/Menu.pptx
@@ -254,6 +254,33 @@
     </p:ext>
   </p:extLst>
 </p:presentation>
+</file>
+
+<file path=ppt/ink/ink1.xml><?xml version="1.0" encoding="utf-8"?>
+<inkml:ink xmlns:inkml="http://www.w3.org/2003/InkML">
+  <inkml:definitions>
+    <inkml:context xml:id="ctx0">
+      <inkml:inkSource xml:id="inkSrc0">
+        <inkml:traceFormat>
+          <inkml:channel name="X" type="integer" min="-2.14748E9" max="2.14748E9" units="cm"/>
+          <inkml:channel name="Y" type="integer" min="-2.14748E9" max="2.14748E9" units="cm"/>
+          <inkml:channel name="F" type="integer" max="32767" units="dev"/>
+        </inkml:traceFormat>
+        <inkml:channelProperties>
+          <inkml:channelProperty channel="X" name="resolution" value="1000" units="1/cm"/>
+          <inkml:channelProperty channel="Y" name="resolution" value="1000" units="1/cm"/>
+          <inkml:channelProperty channel="F" name="resolution" value="0" units="1/dev"/>
+        </inkml:channelProperties>
+      </inkml:inkSource>
+      <inkml:timestamp xml:id="ts0" timeString="2025-05-16T19:14:14.045"/>
+    </inkml:context>
+    <inkml:brush xml:id="br0">
+      <inkml:brushProperty name="width" value="0.035" units="cm"/>
+      <inkml:brushProperty name="height" value="0.035" units="cm"/>
+    </inkml:brush>
+  </inkml:definitions>
+  <inkml:trace contextRef="#ctx0" brushRef="#br0">0 0 24575,'0'0'-8191</inkml:trace>
+</inkml:ink>
 </file>
 
 <file path=ppt/notesMasters/notesMaster1.xml><?xml version="1.0" encoding="utf-8"?>
@@ -12351,6 +12378,96 @@
           </a:p>
         </p:txBody>
       </p:sp>
+      <p:cxnSp>
+        <p:nvCxnSpPr>
+          <p:cNvPr id="4" name="Straight Connector 3">
+            <a:extLst>
+              <a:ext uri="{FF2B5EF4-FFF2-40B4-BE49-F238E27FC236}">
+                <a16:creationId xmlns:a16="http://schemas.microsoft.com/office/drawing/2014/main" id="{CF6AAB0B-9B4D-D41B-E97B-E7A0BC8C3D19}"/>
+              </a:ext>
+            </a:extLst>
+          </p:cNvPr>
+          <p:cNvCxnSpPr>
+            <a:cxnSpLocks/>
+          </p:cNvCxnSpPr>
+          <p:nvPr/>
+        </p:nvCxnSpPr>
+        <p:spPr>
+          <a:xfrm>
+            <a:off x="424773" y="3084395"/>
+            <a:ext cx="5562038" cy="0"/>
+          </a:xfrm>
+          <a:prstGeom prst="line">
+            <a:avLst/>
+          </a:prstGeom>
+          <a:ln w="28575"/>
+        </p:spPr>
+        <p:style>
+          <a:lnRef idx="1">
+            <a:schemeClr val="dk1"/>
+          </a:lnRef>
+          <a:fillRef idx="0">
+            <a:schemeClr val="dk1"/>
+          </a:fillRef>
+          <a:effectRef idx="0">
+            <a:schemeClr val="dk1"/>
+          </a:effectRef>
+          <a:fontRef idx="minor">
+            <a:schemeClr val="tx1"/>
+          </a:fontRef>
+        </p:style>
+      </p:cxnSp>
+      <mc:AlternateContent xmlns:mc="http://schemas.openxmlformats.org/markup-compatibility/2006">
+        <mc:Choice xmlns:p14="http://schemas.microsoft.com/office/powerpoint/2010/main" Requires="p14">
+          <p:contentPart p14:bwMode="auto" r:id="rId4">
+            <p14:nvContentPartPr>
+              <p14:cNvPr id="13" name="Ink 12">
+                <a:extLst>
+                  <a:ext uri="{FF2B5EF4-FFF2-40B4-BE49-F238E27FC236}">
+                    <a16:creationId xmlns:a16="http://schemas.microsoft.com/office/drawing/2014/main" id="{4E6A1E72-A4F1-1519-B45A-7805596FD628}"/>
+                  </a:ext>
+                </a:extLst>
+              </p14:cNvPr>
+              <p14:cNvContentPartPr/>
+              <p14:nvPr/>
+            </p14:nvContentPartPr>
+            <p14:xfrm>
+              <a:off x="2497519" y="3070365"/>
+              <a:ext cx="360" cy="360"/>
+            </p14:xfrm>
+          </p:contentPart>
+        </mc:Choice>
+        <mc:Fallback>
+          <p:pic>
+            <p:nvPicPr>
+              <p:cNvPr id="13" name="Ink 12">
+                <a:extLst>
+                  <a:ext uri="{FF2B5EF4-FFF2-40B4-BE49-F238E27FC236}">
+                    <a16:creationId xmlns:a16="http://schemas.microsoft.com/office/drawing/2014/main" id="{4E6A1E72-A4F1-1519-B45A-7805596FD628}"/>
+                  </a:ext>
+                </a:extLst>
+              </p:cNvPr>
+              <p:cNvPicPr/>
+              <p:nvPr/>
+            </p:nvPicPr>
+            <p:blipFill>
+              <a:blip r:embed="rId5"/>
+              <a:stretch>
+                <a:fillRect/>
+              </a:stretch>
+            </p:blipFill>
+            <p:spPr>
+              <a:xfrm>
+                <a:off x="2491399" y="3064245"/>
+                <a:ext cx="12600" cy="12600"/>
+              </a:xfrm>
+              <a:prstGeom prst="rect">
+                <a:avLst/>
+              </a:prstGeom>
+            </p:spPr>
+          </p:pic>
+        </mc:Fallback>
+      </mc:AlternateContent>
     </p:spTree>
   </p:cSld>
   <p:clrMapOvr>
